--- a/RSS-2025/RSS_2025_Poster.pptx
+++ b/RSS-2025/RSS_2025_Poster.pptx
@@ -13,7 +13,7 @@
   <p:sldIdLst>
     <p:sldId id="264" r:id="rId2"/>
   </p:sldIdLst>
-  <p:sldSz cx="32918400" cy="21945600"/>
+  <p:sldSz cx="42062400" cy="30175200"/>
   <p:notesSz cx="9144000" cy="14605000"/>
   <p:custDataLst>
     <p:tags r:id="rId5"/>
@@ -29,7 +29,7 @@
       <a:spcAft>
         <a:spcPct val="0"/>
       </a:spcAft>
-      <a:defRPr sz="1643" kern="1200">
+      <a:defRPr sz="2163" kern="1200">
         <a:solidFill>
           <a:schemeClr val="tx1"/>
         </a:solidFill>
@@ -38,14 +38,14 @@
         <a:cs typeface="+mn-cs"/>
       </a:defRPr>
     </a:lvl1pPr>
-    <a:lvl2pPr marL="326532" algn="l" rtl="0" fontAlgn="base">
+    <a:lvl2pPr marL="429912" algn="l" rtl="0" fontAlgn="base">
       <a:spcBef>
         <a:spcPct val="0"/>
       </a:spcBef>
       <a:spcAft>
         <a:spcPct val="0"/>
       </a:spcAft>
-      <a:defRPr sz="1643" kern="1200">
+      <a:defRPr sz="2163" kern="1200">
         <a:solidFill>
           <a:schemeClr val="tx1"/>
         </a:solidFill>
@@ -54,14 +54,14 @@
         <a:cs typeface="+mn-cs"/>
       </a:defRPr>
     </a:lvl2pPr>
-    <a:lvl3pPr marL="653064" algn="l" rtl="0" fontAlgn="base">
+    <a:lvl3pPr marL="859824" algn="l" rtl="0" fontAlgn="base">
       <a:spcBef>
         <a:spcPct val="0"/>
       </a:spcBef>
       <a:spcAft>
         <a:spcPct val="0"/>
       </a:spcAft>
-      <a:defRPr sz="1643" kern="1200">
+      <a:defRPr sz="2163" kern="1200">
         <a:solidFill>
           <a:schemeClr val="tx1"/>
         </a:solidFill>
@@ -70,14 +70,14 @@
         <a:cs typeface="+mn-cs"/>
       </a:defRPr>
     </a:lvl3pPr>
-    <a:lvl4pPr marL="979597" algn="l" rtl="0" fontAlgn="base">
+    <a:lvl4pPr marL="1289737" algn="l" rtl="0" fontAlgn="base">
       <a:spcBef>
         <a:spcPct val="0"/>
       </a:spcBef>
       <a:spcAft>
         <a:spcPct val="0"/>
       </a:spcAft>
-      <a:defRPr sz="1643" kern="1200">
+      <a:defRPr sz="2163" kern="1200">
         <a:solidFill>
           <a:schemeClr val="tx1"/>
         </a:solidFill>
@@ -86,14 +86,14 @@
         <a:cs typeface="+mn-cs"/>
       </a:defRPr>
     </a:lvl4pPr>
-    <a:lvl5pPr marL="1306129" algn="l" rtl="0" fontAlgn="base">
+    <a:lvl5pPr marL="1719649" algn="l" rtl="0" fontAlgn="base">
       <a:spcBef>
         <a:spcPct val="0"/>
       </a:spcBef>
       <a:spcAft>
         <a:spcPct val="0"/>
       </a:spcAft>
-      <a:defRPr sz="1643" kern="1200">
+      <a:defRPr sz="2163" kern="1200">
         <a:solidFill>
           <a:schemeClr val="tx1"/>
         </a:solidFill>
@@ -102,8 +102,8 @@
         <a:cs typeface="+mn-cs"/>
       </a:defRPr>
     </a:lvl5pPr>
-    <a:lvl6pPr marL="1632661" algn="l" defTabSz="653064" rtl="0" eaLnBrk="1" latinLnBrk="0" hangingPunct="1">
-      <a:defRPr sz="1643" kern="1200">
+    <a:lvl6pPr marL="2149561" algn="l" defTabSz="859824" rtl="0" eaLnBrk="1" latinLnBrk="0" hangingPunct="1">
+      <a:defRPr sz="2163" kern="1200">
         <a:solidFill>
           <a:schemeClr val="tx1"/>
         </a:solidFill>
@@ -112,8 +112,8 @@
         <a:cs typeface="+mn-cs"/>
       </a:defRPr>
     </a:lvl6pPr>
-    <a:lvl7pPr marL="1959193" algn="l" defTabSz="653064" rtl="0" eaLnBrk="1" latinLnBrk="0" hangingPunct="1">
-      <a:defRPr sz="1643" kern="1200">
+    <a:lvl7pPr marL="2579474" algn="l" defTabSz="859824" rtl="0" eaLnBrk="1" latinLnBrk="0" hangingPunct="1">
+      <a:defRPr sz="2163" kern="1200">
         <a:solidFill>
           <a:schemeClr val="tx1"/>
         </a:solidFill>
@@ -122,8 +122,8 @@
         <a:cs typeface="+mn-cs"/>
       </a:defRPr>
     </a:lvl7pPr>
-    <a:lvl8pPr marL="2285726" algn="l" defTabSz="653064" rtl="0" eaLnBrk="1" latinLnBrk="0" hangingPunct="1">
-      <a:defRPr sz="1643" kern="1200">
+    <a:lvl8pPr marL="3009387" algn="l" defTabSz="859824" rtl="0" eaLnBrk="1" latinLnBrk="0" hangingPunct="1">
+      <a:defRPr sz="2163" kern="1200">
         <a:solidFill>
           <a:schemeClr val="tx1"/>
         </a:solidFill>
@@ -132,8 +132,8 @@
         <a:cs typeface="+mn-cs"/>
       </a:defRPr>
     </a:lvl8pPr>
-    <a:lvl9pPr marL="2612258" algn="l" defTabSz="653064" rtl="0" eaLnBrk="1" latinLnBrk="0" hangingPunct="1">
-      <a:defRPr sz="1643" kern="1200">
+    <a:lvl9pPr marL="3439299" algn="l" defTabSz="859824" rtl="0" eaLnBrk="1" latinLnBrk="0" hangingPunct="1">
+      <a:defRPr sz="2163" kern="1200">
         <a:solidFill>
           <a:schemeClr val="tx1"/>
         </a:solidFill>
@@ -146,12 +146,12 @@
   <p:extLst>
     <p:ext uri="{EFAFB233-063F-42B5-8137-9DF3F51BA10A}">
       <p15:sldGuideLst xmlns:p15="http://schemas.microsoft.com/office/powerpoint/2012/main">
-        <p15:guide id="1" orient="horz" pos="6912" userDrawn="1">
+        <p15:guide id="1" orient="horz" pos="9504" userDrawn="1">
           <p15:clr>
             <a:srgbClr val="A4A3A4"/>
           </p15:clr>
         </p15:guide>
-        <p15:guide id="2" pos="10368" userDrawn="1">
+        <p15:guide id="2" pos="13248" userDrawn="1">
           <p15:clr>
             <a:srgbClr val="A4A3A4"/>
           </p15:clr>
@@ -480,7 +480,7 @@
               <a:pPr>
                 <a:defRPr/>
               </a:pPr>
-              <a:t>6/5/24</a:t>
+              <a:t>8/28/25</a:t>
             </a:fld>
             <a:endParaRPr lang="en-US" dirty="0"/>
           </a:p>
@@ -498,8 +498,8 @@
         </p:nvSpPr>
         <p:spPr>
           <a:xfrm>
-            <a:off x="465138" y="1095375"/>
-            <a:ext cx="8213725" cy="5476875"/>
+            <a:off x="754063" y="1095375"/>
+            <a:ext cx="7635875" cy="5476875"/>
           </a:xfrm>
           <a:prstGeom prst="rect">
             <a:avLst/>
@@ -672,7 +672,7 @@
       <a:spcAft>
         <a:spcPct val="0"/>
       </a:spcAft>
-      <a:defRPr sz="857" kern="1200">
+      <a:defRPr sz="1128" kern="1200">
         <a:solidFill>
           <a:schemeClr val="tx1"/>
         </a:solidFill>
@@ -681,14 +681,14 @@
         <a:cs typeface="+mn-cs"/>
       </a:defRPr>
     </a:lvl1pPr>
-    <a:lvl2pPr marL="326532" algn="l" rtl="0" eaLnBrk="0" fontAlgn="base" hangingPunct="0">
+    <a:lvl2pPr marL="429912" algn="l" rtl="0" eaLnBrk="0" fontAlgn="base" hangingPunct="0">
       <a:spcBef>
         <a:spcPct val="30000"/>
       </a:spcBef>
       <a:spcAft>
         <a:spcPct val="0"/>
       </a:spcAft>
-      <a:defRPr sz="857" kern="1200">
+      <a:defRPr sz="1128" kern="1200">
         <a:solidFill>
           <a:schemeClr val="tx1"/>
         </a:solidFill>
@@ -697,14 +697,14 @@
         <a:cs typeface="+mn-cs"/>
       </a:defRPr>
     </a:lvl2pPr>
-    <a:lvl3pPr marL="653064" algn="l" rtl="0" eaLnBrk="0" fontAlgn="base" hangingPunct="0">
+    <a:lvl3pPr marL="859824" algn="l" rtl="0" eaLnBrk="0" fontAlgn="base" hangingPunct="0">
       <a:spcBef>
         <a:spcPct val="30000"/>
       </a:spcBef>
       <a:spcAft>
         <a:spcPct val="0"/>
       </a:spcAft>
-      <a:defRPr sz="857" kern="1200">
+      <a:defRPr sz="1128" kern="1200">
         <a:solidFill>
           <a:schemeClr val="tx1"/>
         </a:solidFill>
@@ -713,14 +713,14 @@
         <a:cs typeface="+mn-cs"/>
       </a:defRPr>
     </a:lvl3pPr>
-    <a:lvl4pPr marL="979597" algn="l" rtl="0" eaLnBrk="0" fontAlgn="base" hangingPunct="0">
+    <a:lvl4pPr marL="1289737" algn="l" rtl="0" eaLnBrk="0" fontAlgn="base" hangingPunct="0">
       <a:spcBef>
         <a:spcPct val="30000"/>
       </a:spcBef>
       <a:spcAft>
         <a:spcPct val="0"/>
       </a:spcAft>
-      <a:defRPr sz="857" kern="1200">
+      <a:defRPr sz="1128" kern="1200">
         <a:solidFill>
           <a:schemeClr val="tx1"/>
         </a:solidFill>
@@ -729,14 +729,14 @@
         <a:cs typeface="+mn-cs"/>
       </a:defRPr>
     </a:lvl4pPr>
-    <a:lvl5pPr marL="1306129" algn="l" rtl="0" eaLnBrk="0" fontAlgn="base" hangingPunct="0">
+    <a:lvl5pPr marL="1719649" algn="l" rtl="0" eaLnBrk="0" fontAlgn="base" hangingPunct="0">
       <a:spcBef>
         <a:spcPct val="30000"/>
       </a:spcBef>
       <a:spcAft>
         <a:spcPct val="0"/>
       </a:spcAft>
-      <a:defRPr sz="857" kern="1200">
+      <a:defRPr sz="1128" kern="1200">
         <a:solidFill>
           <a:schemeClr val="tx1"/>
         </a:solidFill>
@@ -745,8 +745,8 @@
         <a:cs typeface="+mn-cs"/>
       </a:defRPr>
     </a:lvl5pPr>
-    <a:lvl6pPr marL="1632661" algn="l" defTabSz="653064" rtl="0" eaLnBrk="1" latinLnBrk="0" hangingPunct="1">
-      <a:defRPr sz="857" kern="1200">
+    <a:lvl6pPr marL="2149561" algn="l" defTabSz="859824" rtl="0" eaLnBrk="1" latinLnBrk="0" hangingPunct="1">
+      <a:defRPr sz="1128" kern="1200">
         <a:solidFill>
           <a:schemeClr val="tx1"/>
         </a:solidFill>
@@ -755,8 +755,8 @@
         <a:cs typeface="+mn-cs"/>
       </a:defRPr>
     </a:lvl6pPr>
-    <a:lvl7pPr marL="1959193" algn="l" defTabSz="653064" rtl="0" eaLnBrk="1" latinLnBrk="0" hangingPunct="1">
-      <a:defRPr sz="857" kern="1200">
+    <a:lvl7pPr marL="2579474" algn="l" defTabSz="859824" rtl="0" eaLnBrk="1" latinLnBrk="0" hangingPunct="1">
+      <a:defRPr sz="1128" kern="1200">
         <a:solidFill>
           <a:schemeClr val="tx1"/>
         </a:solidFill>
@@ -765,8 +765,8 @@
         <a:cs typeface="+mn-cs"/>
       </a:defRPr>
     </a:lvl7pPr>
-    <a:lvl8pPr marL="2285726" algn="l" defTabSz="653064" rtl="0" eaLnBrk="1" latinLnBrk="0" hangingPunct="1">
-      <a:defRPr sz="857" kern="1200">
+    <a:lvl8pPr marL="3009387" algn="l" defTabSz="859824" rtl="0" eaLnBrk="1" latinLnBrk="0" hangingPunct="1">
+      <a:defRPr sz="1128" kern="1200">
         <a:solidFill>
           <a:schemeClr val="tx1"/>
         </a:solidFill>
@@ -775,8 +775,8 @@
         <a:cs typeface="+mn-cs"/>
       </a:defRPr>
     </a:lvl8pPr>
-    <a:lvl9pPr marL="2612258" algn="l" defTabSz="653064" rtl="0" eaLnBrk="1" latinLnBrk="0" hangingPunct="1">
-      <a:defRPr sz="857" kern="1200">
+    <a:lvl9pPr marL="3439299" algn="l" defTabSz="859824" rtl="0" eaLnBrk="1" latinLnBrk="0" hangingPunct="1">
+      <a:defRPr sz="1128" kern="1200">
         <a:solidFill>
           <a:schemeClr val="tx1"/>
         </a:solidFill>
@@ -818,8 +818,8 @@
         </p:nvSpPr>
         <p:spPr bwMode="auto">
           <a:xfrm>
-            <a:off x="465138" y="1095375"/>
-            <a:ext cx="8213725" cy="5476875"/>
+            <a:off x="754063" y="1095375"/>
+            <a:ext cx="7635875" cy="5476875"/>
           </a:xfrm>
           <a:noFill/>
           <a:ln>
@@ -939,8 +939,8 @@
         </p:nvSpPr>
         <p:spPr>
           <a:xfrm>
-            <a:off x="2469092" y="6817661"/>
-            <a:ext cx="27980217" cy="4704229"/>
+            <a:off x="3154951" y="9374285"/>
+            <a:ext cx="35752500" cy="6468315"/>
           </a:xfrm>
         </p:spPr>
         <p:txBody>
@@ -966,8 +966,8 @@
         </p:nvSpPr>
         <p:spPr>
           <a:xfrm>
-            <a:off x="4938184" y="12436290"/>
-            <a:ext cx="23042033" cy="5607423"/>
+            <a:off x="6309902" y="17099899"/>
+            <a:ext cx="29442598" cy="7710207"/>
           </a:xfrm>
         </p:spPr>
         <p:txBody>
@@ -977,35 +977,35 @@
               <a:buNone/>
               <a:defRPr/>
             </a:lvl1pPr>
-            <a:lvl2pPr marL="309113" indent="0" algn="ctr">
+            <a:lvl2pPr marL="394985" indent="0" algn="ctr">
               <a:buNone/>
               <a:defRPr/>
             </a:lvl2pPr>
-            <a:lvl3pPr marL="618226" indent="0" algn="ctr">
+            <a:lvl3pPr marL="789969" indent="0" algn="ctr">
               <a:buNone/>
               <a:defRPr/>
             </a:lvl3pPr>
-            <a:lvl4pPr marL="927340" indent="0" algn="ctr">
+            <a:lvl4pPr marL="1184955" indent="0" algn="ctr">
               <a:buNone/>
               <a:defRPr/>
             </a:lvl4pPr>
-            <a:lvl5pPr marL="1236452" indent="0" algn="ctr">
+            <a:lvl5pPr marL="1579938" indent="0" algn="ctr">
               <a:buNone/>
               <a:defRPr/>
             </a:lvl5pPr>
-            <a:lvl6pPr marL="1545566" indent="0" algn="ctr">
+            <a:lvl6pPr marL="1974924" indent="0" algn="ctr">
               <a:buNone/>
               <a:defRPr/>
             </a:lvl6pPr>
-            <a:lvl7pPr marL="1854679" indent="0" algn="ctr">
+            <a:lvl7pPr marL="2369909" indent="0" algn="ctr">
               <a:buNone/>
               <a:defRPr/>
             </a:lvl7pPr>
-            <a:lvl8pPr marL="2163792" indent="0" algn="ctr">
+            <a:lvl8pPr marL="2764893" indent="0" algn="ctr">
               <a:buNone/>
               <a:defRPr/>
             </a:lvl8pPr>
-            <a:lvl9pPr marL="2472905" indent="0" algn="ctr">
+            <a:lvl9pPr marL="3159878" indent="0" algn="ctr">
               <a:buNone/>
               <a:defRPr/>
             </a:lvl9pPr>
@@ -1335,8 +1335,8 @@
         </p:nvSpPr>
         <p:spPr>
           <a:xfrm>
-            <a:off x="23454783" y="1950946"/>
-            <a:ext cx="6994526" cy="17556255"/>
+            <a:off x="29970000" y="2682551"/>
+            <a:ext cx="8937450" cy="24139851"/>
           </a:xfrm>
         </p:spPr>
         <p:txBody>
@@ -1362,8 +1362,8 @@
         </p:nvSpPr>
         <p:spPr>
           <a:xfrm>
-            <a:off x="2469095" y="1950946"/>
-            <a:ext cx="20884091" cy="17556255"/>
+            <a:off x="3154956" y="2682551"/>
+            <a:ext cx="26685227" cy="24139851"/>
           </a:xfrm>
         </p:spPr>
         <p:txBody>
@@ -1723,15 +1723,15 @@
         </p:nvSpPr>
         <p:spPr>
           <a:xfrm>
-            <a:off x="2600326" y="14102605"/>
-            <a:ext cx="27980217" cy="4357967"/>
+            <a:off x="3322639" y="19391082"/>
+            <a:ext cx="35752500" cy="5992205"/>
           </a:xfrm>
         </p:spPr>
         <p:txBody>
           <a:bodyPr anchor="t"/>
           <a:lstStyle>
             <a:lvl1pPr algn="l">
-              <a:defRPr sz="2704" b="1" cap="all"/>
+              <a:defRPr sz="3455" b="1" cap="all"/>
             </a:lvl1pPr>
           </a:lstStyle>
           <a:p>
@@ -1754,8 +1754,8 @@
         </p:nvSpPr>
         <p:spPr>
           <a:xfrm>
-            <a:off x="2600326" y="9302003"/>
-            <a:ext cx="27980217" cy="4800601"/>
+            <a:off x="3322639" y="12790255"/>
+            <a:ext cx="35752500" cy="6600826"/>
           </a:xfrm>
         </p:spPr>
         <p:txBody>
@@ -1763,39 +1763,39 @@
           <a:lstStyle>
             <a:lvl1pPr marL="0" indent="0">
               <a:buNone/>
-              <a:defRPr sz="1352"/>
+              <a:defRPr sz="1728"/>
             </a:lvl1pPr>
-            <a:lvl2pPr marL="309113" indent="0">
+            <a:lvl2pPr marL="394985" indent="0">
               <a:buNone/>
-              <a:defRPr sz="1217"/>
+              <a:defRPr sz="1555"/>
             </a:lvl2pPr>
-            <a:lvl3pPr marL="618226" indent="0">
+            <a:lvl3pPr marL="789969" indent="0">
               <a:buNone/>
-              <a:defRPr sz="1082"/>
+              <a:defRPr sz="1383"/>
             </a:lvl3pPr>
-            <a:lvl4pPr marL="927340" indent="0">
+            <a:lvl4pPr marL="1184955" indent="0">
               <a:buNone/>
-              <a:defRPr sz="947"/>
+              <a:defRPr sz="1210"/>
             </a:lvl4pPr>
-            <a:lvl5pPr marL="1236452" indent="0">
+            <a:lvl5pPr marL="1579938" indent="0">
               <a:buNone/>
-              <a:defRPr sz="947"/>
+              <a:defRPr sz="1210"/>
             </a:lvl5pPr>
-            <a:lvl6pPr marL="1545566" indent="0">
+            <a:lvl6pPr marL="1974924" indent="0">
               <a:buNone/>
-              <a:defRPr sz="947"/>
+              <a:defRPr sz="1210"/>
             </a:lvl6pPr>
-            <a:lvl7pPr marL="1854679" indent="0">
+            <a:lvl7pPr marL="2369909" indent="0">
               <a:buNone/>
-              <a:defRPr sz="947"/>
+              <a:defRPr sz="1210"/>
             </a:lvl7pPr>
-            <a:lvl8pPr marL="2163792" indent="0">
+            <a:lvl8pPr marL="2764893" indent="0">
               <a:buNone/>
-              <a:defRPr sz="947"/>
+              <a:defRPr sz="1210"/>
             </a:lvl8pPr>
-            <a:lvl9pPr marL="2472905" indent="0">
+            <a:lvl9pPr marL="3159878" indent="0">
               <a:buNone/>
-              <a:defRPr sz="947"/>
+              <a:defRPr sz="1210"/>
             </a:lvl9pPr>
           </a:lstStyle>
           <a:p>
@@ -1957,39 +1957,39 @@
         </p:nvSpPr>
         <p:spPr>
           <a:xfrm>
-            <a:off x="2469092" y="6339168"/>
-            <a:ext cx="13939308" cy="13168032"/>
+            <a:off x="3154951" y="8716356"/>
+            <a:ext cx="17811338" cy="18106044"/>
           </a:xfrm>
         </p:spPr>
         <p:txBody>
           <a:bodyPr/>
           <a:lstStyle>
             <a:lvl1pPr>
-              <a:defRPr sz="1893"/>
+              <a:defRPr sz="2419"/>
             </a:lvl1pPr>
             <a:lvl2pPr>
-              <a:defRPr sz="1623"/>
+              <a:defRPr sz="2074"/>
             </a:lvl2pPr>
             <a:lvl3pPr>
-              <a:defRPr sz="1352"/>
+              <a:defRPr sz="1728"/>
             </a:lvl3pPr>
             <a:lvl4pPr>
-              <a:defRPr sz="1217"/>
+              <a:defRPr sz="1555"/>
             </a:lvl4pPr>
             <a:lvl5pPr>
-              <a:defRPr sz="1217"/>
+              <a:defRPr sz="1555"/>
             </a:lvl5pPr>
             <a:lvl6pPr>
-              <a:defRPr sz="1217"/>
+              <a:defRPr sz="1555"/>
             </a:lvl6pPr>
             <a:lvl7pPr>
-              <a:defRPr sz="1217"/>
+              <a:defRPr sz="1555"/>
             </a:lvl7pPr>
             <a:lvl8pPr>
-              <a:defRPr sz="1217"/>
+              <a:defRPr sz="1555"/>
             </a:lvl8pPr>
             <a:lvl9pPr>
-              <a:defRPr sz="1217"/>
+              <a:defRPr sz="1555"/>
             </a:lvl9pPr>
           </a:lstStyle>
           <a:p>
@@ -2041,39 +2041,39 @@
         </p:nvSpPr>
         <p:spPr>
           <a:xfrm>
-            <a:off x="16510001" y="6339168"/>
-            <a:ext cx="13939308" cy="13168032"/>
+            <a:off x="21096112" y="8716356"/>
+            <a:ext cx="17811338" cy="18106044"/>
           </a:xfrm>
         </p:spPr>
         <p:txBody>
           <a:bodyPr/>
           <a:lstStyle>
             <a:lvl1pPr>
-              <a:defRPr sz="1893"/>
+              <a:defRPr sz="2419"/>
             </a:lvl1pPr>
             <a:lvl2pPr>
-              <a:defRPr sz="1623"/>
+              <a:defRPr sz="2074"/>
             </a:lvl2pPr>
             <a:lvl3pPr>
-              <a:defRPr sz="1352"/>
+              <a:defRPr sz="1728"/>
             </a:lvl3pPr>
             <a:lvl4pPr>
-              <a:defRPr sz="1217"/>
+              <a:defRPr sz="1555"/>
             </a:lvl4pPr>
             <a:lvl5pPr>
-              <a:defRPr sz="1217"/>
+              <a:defRPr sz="1555"/>
             </a:lvl5pPr>
             <a:lvl6pPr>
-              <a:defRPr sz="1217"/>
+              <a:defRPr sz="1555"/>
             </a:lvl6pPr>
             <a:lvl7pPr>
-              <a:defRPr sz="1217"/>
+              <a:defRPr sz="1555"/>
             </a:lvl7pPr>
             <a:lvl8pPr>
-              <a:defRPr sz="1217"/>
+              <a:defRPr sz="1555"/>
             </a:lvl8pPr>
             <a:lvl9pPr>
-              <a:defRPr sz="1217"/>
+              <a:defRPr sz="1555"/>
             </a:lvl9pPr>
           </a:lstStyle>
           <a:p>
@@ -2241,8 +2241,8 @@
         </p:nvSpPr>
         <p:spPr>
           <a:xfrm>
-            <a:off x="1645709" y="878541"/>
-            <a:ext cx="29626983" cy="3657600"/>
+            <a:off x="2102851" y="1207994"/>
+            <a:ext cx="37856701" cy="5029200"/>
           </a:xfrm>
         </p:spPr>
         <p:txBody>
@@ -2272,8 +2272,8 @@
         </p:nvSpPr>
         <p:spPr>
           <a:xfrm>
-            <a:off x="1645709" y="4912660"/>
-            <a:ext cx="14544675" cy="2047315"/>
+            <a:off x="2102851" y="6754908"/>
+            <a:ext cx="18584863" cy="2815058"/>
           </a:xfrm>
         </p:spPr>
         <p:txBody>
@@ -2281,39 +2281,39 @@
           <a:lstStyle>
             <a:lvl1pPr marL="0" indent="0">
               <a:buNone/>
-              <a:defRPr sz="1623" b="1"/>
+              <a:defRPr sz="2074" b="1"/>
             </a:lvl1pPr>
-            <a:lvl2pPr marL="309113" indent="0">
+            <a:lvl2pPr marL="394985" indent="0">
               <a:buNone/>
-              <a:defRPr sz="1352" b="1"/>
+              <a:defRPr sz="1728" b="1"/>
             </a:lvl2pPr>
-            <a:lvl3pPr marL="618226" indent="0">
+            <a:lvl3pPr marL="789969" indent="0">
               <a:buNone/>
-              <a:defRPr sz="1217" b="1"/>
+              <a:defRPr sz="1555" b="1"/>
             </a:lvl3pPr>
-            <a:lvl4pPr marL="927340" indent="0">
+            <a:lvl4pPr marL="1184955" indent="0">
               <a:buNone/>
-              <a:defRPr sz="1082" b="1"/>
+              <a:defRPr sz="1383" b="1"/>
             </a:lvl4pPr>
-            <a:lvl5pPr marL="1236452" indent="0">
+            <a:lvl5pPr marL="1579938" indent="0">
               <a:buNone/>
-              <a:defRPr sz="1082" b="1"/>
+              <a:defRPr sz="1383" b="1"/>
             </a:lvl5pPr>
-            <a:lvl6pPr marL="1545566" indent="0">
+            <a:lvl6pPr marL="1974924" indent="0">
               <a:buNone/>
-              <a:defRPr sz="1082" b="1"/>
+              <a:defRPr sz="1383" b="1"/>
             </a:lvl6pPr>
-            <a:lvl7pPr marL="1854679" indent="0">
+            <a:lvl7pPr marL="2369909" indent="0">
               <a:buNone/>
-              <a:defRPr sz="1082" b="1"/>
+              <a:defRPr sz="1383" b="1"/>
             </a:lvl7pPr>
-            <a:lvl8pPr marL="2163792" indent="0">
+            <a:lvl8pPr marL="2764893" indent="0">
               <a:buNone/>
-              <a:defRPr sz="1082" b="1"/>
+              <a:defRPr sz="1383" b="1"/>
             </a:lvl8pPr>
-            <a:lvl9pPr marL="2472905" indent="0">
+            <a:lvl9pPr marL="3159878" indent="0">
               <a:buNone/>
-              <a:defRPr sz="1082" b="1"/>
+              <a:defRPr sz="1383" b="1"/>
             </a:lvl9pPr>
           </a:lstStyle>
           <a:p>
@@ -2337,39 +2337,39 @@
         </p:nvSpPr>
         <p:spPr>
           <a:xfrm>
-            <a:off x="1645709" y="6959975"/>
-            <a:ext cx="14544675" cy="12643597"/>
+            <a:off x="2102851" y="9569966"/>
+            <a:ext cx="18584863" cy="17384946"/>
           </a:xfrm>
         </p:spPr>
         <p:txBody>
           <a:bodyPr/>
           <a:lstStyle>
             <a:lvl1pPr>
-              <a:defRPr sz="1623"/>
+              <a:defRPr sz="2074"/>
             </a:lvl1pPr>
             <a:lvl2pPr>
-              <a:defRPr sz="1352"/>
+              <a:defRPr sz="1728"/>
             </a:lvl2pPr>
             <a:lvl3pPr>
-              <a:defRPr sz="1217"/>
+              <a:defRPr sz="1555"/>
             </a:lvl3pPr>
             <a:lvl4pPr>
-              <a:defRPr sz="1082"/>
+              <a:defRPr sz="1383"/>
             </a:lvl4pPr>
             <a:lvl5pPr>
-              <a:defRPr sz="1082"/>
+              <a:defRPr sz="1383"/>
             </a:lvl5pPr>
             <a:lvl6pPr>
-              <a:defRPr sz="1082"/>
+              <a:defRPr sz="1383"/>
             </a:lvl6pPr>
             <a:lvl7pPr>
-              <a:defRPr sz="1082"/>
+              <a:defRPr sz="1383"/>
             </a:lvl7pPr>
             <a:lvl8pPr>
-              <a:defRPr sz="1082"/>
+              <a:defRPr sz="1383"/>
             </a:lvl8pPr>
             <a:lvl9pPr>
-              <a:defRPr sz="1082"/>
+              <a:defRPr sz="1383"/>
             </a:lvl9pPr>
           </a:lstStyle>
           <a:p>
@@ -2421,8 +2421,8 @@
         </p:nvSpPr>
         <p:spPr>
           <a:xfrm>
-            <a:off x="16721670" y="4912660"/>
-            <a:ext cx="14551025" cy="2047315"/>
+            <a:off x="21366579" y="6754908"/>
+            <a:ext cx="18592976" cy="2815058"/>
           </a:xfrm>
         </p:spPr>
         <p:txBody>
@@ -2430,39 +2430,39 @@
           <a:lstStyle>
             <a:lvl1pPr marL="0" indent="0">
               <a:buNone/>
-              <a:defRPr sz="1623" b="1"/>
+              <a:defRPr sz="2074" b="1"/>
             </a:lvl1pPr>
-            <a:lvl2pPr marL="309113" indent="0">
+            <a:lvl2pPr marL="394985" indent="0">
               <a:buNone/>
-              <a:defRPr sz="1352" b="1"/>
+              <a:defRPr sz="1728" b="1"/>
             </a:lvl2pPr>
-            <a:lvl3pPr marL="618226" indent="0">
+            <a:lvl3pPr marL="789969" indent="0">
               <a:buNone/>
-              <a:defRPr sz="1217" b="1"/>
+              <a:defRPr sz="1555" b="1"/>
             </a:lvl3pPr>
-            <a:lvl4pPr marL="927340" indent="0">
+            <a:lvl4pPr marL="1184955" indent="0">
               <a:buNone/>
-              <a:defRPr sz="1082" b="1"/>
+              <a:defRPr sz="1383" b="1"/>
             </a:lvl4pPr>
-            <a:lvl5pPr marL="1236452" indent="0">
+            <a:lvl5pPr marL="1579938" indent="0">
               <a:buNone/>
-              <a:defRPr sz="1082" b="1"/>
+              <a:defRPr sz="1383" b="1"/>
             </a:lvl5pPr>
-            <a:lvl6pPr marL="1545566" indent="0">
+            <a:lvl6pPr marL="1974924" indent="0">
               <a:buNone/>
-              <a:defRPr sz="1082" b="1"/>
+              <a:defRPr sz="1383" b="1"/>
             </a:lvl6pPr>
-            <a:lvl7pPr marL="1854679" indent="0">
+            <a:lvl7pPr marL="2369909" indent="0">
               <a:buNone/>
-              <a:defRPr sz="1082" b="1"/>
+              <a:defRPr sz="1383" b="1"/>
             </a:lvl7pPr>
-            <a:lvl8pPr marL="2163792" indent="0">
+            <a:lvl8pPr marL="2764893" indent="0">
               <a:buNone/>
-              <a:defRPr sz="1082" b="1"/>
+              <a:defRPr sz="1383" b="1"/>
             </a:lvl8pPr>
-            <a:lvl9pPr marL="2472905" indent="0">
+            <a:lvl9pPr marL="3159878" indent="0">
               <a:buNone/>
-              <a:defRPr sz="1082" b="1"/>
+              <a:defRPr sz="1383" b="1"/>
             </a:lvl9pPr>
           </a:lstStyle>
           <a:p>
@@ -2486,39 +2486,39 @@
         </p:nvSpPr>
         <p:spPr>
           <a:xfrm>
-            <a:off x="16721670" y="6959975"/>
-            <a:ext cx="14551025" cy="12643597"/>
+            <a:off x="21366579" y="9569966"/>
+            <a:ext cx="18592976" cy="17384946"/>
           </a:xfrm>
         </p:spPr>
         <p:txBody>
           <a:bodyPr/>
           <a:lstStyle>
             <a:lvl1pPr>
-              <a:defRPr sz="1623"/>
+              <a:defRPr sz="2074"/>
             </a:lvl1pPr>
             <a:lvl2pPr>
-              <a:defRPr sz="1352"/>
+              <a:defRPr sz="1728"/>
             </a:lvl2pPr>
             <a:lvl3pPr>
-              <a:defRPr sz="1217"/>
+              <a:defRPr sz="1555"/>
             </a:lvl3pPr>
             <a:lvl4pPr>
-              <a:defRPr sz="1082"/>
+              <a:defRPr sz="1383"/>
             </a:lvl4pPr>
             <a:lvl5pPr>
-              <a:defRPr sz="1082"/>
+              <a:defRPr sz="1383"/>
             </a:lvl5pPr>
             <a:lvl6pPr>
-              <a:defRPr sz="1082"/>
+              <a:defRPr sz="1383"/>
             </a:lvl6pPr>
             <a:lvl7pPr>
-              <a:defRPr sz="1082"/>
+              <a:defRPr sz="1383"/>
             </a:lvl7pPr>
             <a:lvl8pPr>
-              <a:defRPr sz="1082"/>
+              <a:defRPr sz="1383"/>
             </a:lvl8pPr>
             <a:lvl9pPr>
-              <a:defRPr sz="1082"/>
+              <a:defRPr sz="1383"/>
             </a:lvl9pPr>
           </a:lstStyle>
           <a:p>
@@ -2940,15 +2940,15 @@
         </p:nvSpPr>
         <p:spPr>
           <a:xfrm>
-            <a:off x="1645713" y="874061"/>
-            <a:ext cx="10829924" cy="3718112"/>
+            <a:off x="2102856" y="1201834"/>
+            <a:ext cx="13838236" cy="5112404"/>
           </a:xfrm>
         </p:spPr>
         <p:txBody>
           <a:bodyPr anchor="b"/>
           <a:lstStyle>
             <a:lvl1pPr algn="l">
-              <a:defRPr sz="1352" b="1"/>
+              <a:defRPr sz="1728" b="1"/>
             </a:lvl1pPr>
           </a:lstStyle>
           <a:p>
@@ -2971,39 +2971,39 @@
         </p:nvSpPr>
         <p:spPr>
           <a:xfrm>
-            <a:off x="12870392" y="874061"/>
-            <a:ext cx="18402300" cy="18729511"/>
+            <a:off x="16445501" y="1201834"/>
+            <a:ext cx="23514050" cy="25753078"/>
           </a:xfrm>
         </p:spPr>
         <p:txBody>
           <a:bodyPr/>
           <a:lstStyle>
             <a:lvl1pPr>
-              <a:defRPr sz="2163"/>
+              <a:defRPr sz="2764"/>
             </a:lvl1pPr>
             <a:lvl2pPr>
-              <a:defRPr sz="1893"/>
+              <a:defRPr sz="2419"/>
             </a:lvl2pPr>
             <a:lvl3pPr>
-              <a:defRPr sz="1623"/>
+              <a:defRPr sz="2074"/>
             </a:lvl3pPr>
             <a:lvl4pPr>
-              <a:defRPr sz="1352"/>
+              <a:defRPr sz="1728"/>
             </a:lvl4pPr>
             <a:lvl5pPr>
-              <a:defRPr sz="1352"/>
+              <a:defRPr sz="1728"/>
             </a:lvl5pPr>
             <a:lvl6pPr>
-              <a:defRPr sz="1352"/>
+              <a:defRPr sz="1728"/>
             </a:lvl6pPr>
             <a:lvl7pPr>
-              <a:defRPr sz="1352"/>
+              <a:defRPr sz="1728"/>
             </a:lvl7pPr>
             <a:lvl8pPr>
-              <a:defRPr sz="1352"/>
+              <a:defRPr sz="1728"/>
             </a:lvl8pPr>
             <a:lvl9pPr>
-              <a:defRPr sz="1352"/>
+              <a:defRPr sz="1728"/>
             </a:lvl9pPr>
           </a:lstStyle>
           <a:p>
@@ -3055,8 +3055,8 @@
         </p:nvSpPr>
         <p:spPr>
           <a:xfrm>
-            <a:off x="1645713" y="4592171"/>
-            <a:ext cx="10829924" cy="15011401"/>
+            <a:off x="2102856" y="6314236"/>
+            <a:ext cx="13838236" cy="20640676"/>
           </a:xfrm>
         </p:spPr>
         <p:txBody>
@@ -3064,39 +3064,39 @@
           <a:lstStyle>
             <a:lvl1pPr marL="0" indent="0">
               <a:buNone/>
-              <a:defRPr sz="947"/>
+              <a:defRPr sz="1210"/>
             </a:lvl1pPr>
-            <a:lvl2pPr marL="309113" indent="0">
+            <a:lvl2pPr marL="394985" indent="0">
               <a:buNone/>
-              <a:defRPr sz="811"/>
+              <a:defRPr sz="1036"/>
             </a:lvl2pPr>
-            <a:lvl3pPr marL="618226" indent="0">
+            <a:lvl3pPr marL="789969" indent="0">
               <a:buNone/>
-              <a:defRPr sz="676"/>
+              <a:defRPr sz="864"/>
             </a:lvl3pPr>
-            <a:lvl4pPr marL="927340" indent="0">
+            <a:lvl4pPr marL="1184955" indent="0">
               <a:buNone/>
-              <a:defRPr sz="609"/>
+              <a:defRPr sz="778"/>
             </a:lvl4pPr>
-            <a:lvl5pPr marL="1236452" indent="0">
+            <a:lvl5pPr marL="1579938" indent="0">
               <a:buNone/>
-              <a:defRPr sz="609"/>
+              <a:defRPr sz="778"/>
             </a:lvl5pPr>
-            <a:lvl6pPr marL="1545566" indent="0">
+            <a:lvl6pPr marL="1974924" indent="0">
               <a:buNone/>
-              <a:defRPr sz="609"/>
+              <a:defRPr sz="778"/>
             </a:lvl6pPr>
-            <a:lvl7pPr marL="1854679" indent="0">
+            <a:lvl7pPr marL="2369909" indent="0">
               <a:buNone/>
-              <a:defRPr sz="609"/>
+              <a:defRPr sz="778"/>
             </a:lvl7pPr>
-            <a:lvl8pPr marL="2163792" indent="0">
+            <a:lvl8pPr marL="2764893" indent="0">
               <a:buNone/>
-              <a:defRPr sz="609"/>
+              <a:defRPr sz="778"/>
             </a:lvl8pPr>
-            <a:lvl9pPr marL="2472905" indent="0">
+            <a:lvl9pPr marL="3159878" indent="0">
               <a:buNone/>
-              <a:defRPr sz="609"/>
+              <a:defRPr sz="778"/>
             </a:lvl9pPr>
           </a:lstStyle>
           <a:p>
@@ -3236,15 +3236,15 @@
         </p:nvSpPr>
         <p:spPr>
           <a:xfrm>
-            <a:off x="6452659" y="15362147"/>
-            <a:ext cx="19750617" cy="1813111"/>
+            <a:off x="8245065" y="21122953"/>
+            <a:ext cx="25236900" cy="2493028"/>
           </a:xfrm>
         </p:spPr>
         <p:txBody>
           <a:bodyPr anchor="b"/>
           <a:lstStyle>
             <a:lvl1pPr algn="l">
-              <a:defRPr sz="1352" b="1"/>
+              <a:defRPr sz="1728" b="1"/>
             </a:lvl1pPr>
           </a:lstStyle>
           <a:p>
@@ -3267,8 +3267,8 @@
         </p:nvSpPr>
         <p:spPr>
           <a:xfrm>
-            <a:off x="6452659" y="1961031"/>
-            <a:ext cx="19750617" cy="13166912"/>
+            <a:off x="8245065" y="2696418"/>
+            <a:ext cx="25236900" cy="18104504"/>
           </a:xfrm>
         </p:spPr>
         <p:txBody>
@@ -3276,39 +3276,39 @@
           <a:lstStyle>
             <a:lvl1pPr marL="0" indent="0">
               <a:buNone/>
-              <a:defRPr sz="2163"/>
+              <a:defRPr sz="2764"/>
             </a:lvl1pPr>
-            <a:lvl2pPr marL="309113" indent="0">
+            <a:lvl2pPr marL="394985" indent="0">
               <a:buNone/>
-              <a:defRPr sz="1893"/>
+              <a:defRPr sz="2419"/>
             </a:lvl2pPr>
-            <a:lvl3pPr marL="618226" indent="0">
+            <a:lvl3pPr marL="789969" indent="0">
               <a:buNone/>
-              <a:defRPr sz="1623"/>
+              <a:defRPr sz="2074"/>
             </a:lvl3pPr>
-            <a:lvl4pPr marL="927340" indent="0">
+            <a:lvl4pPr marL="1184955" indent="0">
               <a:buNone/>
-              <a:defRPr sz="1352"/>
+              <a:defRPr sz="1728"/>
             </a:lvl4pPr>
-            <a:lvl5pPr marL="1236452" indent="0">
+            <a:lvl5pPr marL="1579938" indent="0">
               <a:buNone/>
-              <a:defRPr sz="1352"/>
+              <a:defRPr sz="1728"/>
             </a:lvl5pPr>
-            <a:lvl6pPr marL="1545566" indent="0">
+            <a:lvl6pPr marL="1974924" indent="0">
               <a:buNone/>
-              <a:defRPr sz="1352"/>
+              <a:defRPr sz="1728"/>
             </a:lvl6pPr>
-            <a:lvl7pPr marL="1854679" indent="0">
+            <a:lvl7pPr marL="2369909" indent="0">
               <a:buNone/>
-              <a:defRPr sz="1352"/>
+              <a:defRPr sz="1728"/>
             </a:lvl7pPr>
-            <a:lvl8pPr marL="2163792" indent="0">
+            <a:lvl8pPr marL="2764893" indent="0">
               <a:buNone/>
-              <a:defRPr sz="1352"/>
+              <a:defRPr sz="1728"/>
             </a:lvl8pPr>
-            <a:lvl9pPr marL="2472905" indent="0">
+            <a:lvl9pPr marL="3159878" indent="0">
               <a:buNone/>
-              <a:defRPr sz="1352"/>
+              <a:defRPr sz="1728"/>
             </a:lvl9pPr>
           </a:lstStyle>
           <a:p>
@@ -3329,8 +3329,8 @@
         </p:nvSpPr>
         <p:spPr>
           <a:xfrm>
-            <a:off x="6452659" y="17175257"/>
-            <a:ext cx="19750617" cy="2576233"/>
+            <a:off x="8245065" y="23615979"/>
+            <a:ext cx="25236900" cy="3542320"/>
           </a:xfrm>
         </p:spPr>
         <p:txBody>
@@ -3338,39 +3338,39 @@
           <a:lstStyle>
             <a:lvl1pPr marL="0" indent="0">
               <a:buNone/>
-              <a:defRPr sz="947"/>
+              <a:defRPr sz="1210"/>
             </a:lvl1pPr>
-            <a:lvl2pPr marL="309113" indent="0">
+            <a:lvl2pPr marL="394985" indent="0">
               <a:buNone/>
-              <a:defRPr sz="811"/>
+              <a:defRPr sz="1036"/>
             </a:lvl2pPr>
-            <a:lvl3pPr marL="618226" indent="0">
+            <a:lvl3pPr marL="789969" indent="0">
               <a:buNone/>
-              <a:defRPr sz="676"/>
+              <a:defRPr sz="864"/>
             </a:lvl3pPr>
-            <a:lvl4pPr marL="927340" indent="0">
+            <a:lvl4pPr marL="1184955" indent="0">
               <a:buNone/>
-              <a:defRPr sz="609"/>
+              <a:defRPr sz="778"/>
             </a:lvl4pPr>
-            <a:lvl5pPr marL="1236452" indent="0">
+            <a:lvl5pPr marL="1579938" indent="0">
               <a:buNone/>
-              <a:defRPr sz="609"/>
+              <a:defRPr sz="778"/>
             </a:lvl5pPr>
-            <a:lvl6pPr marL="1545566" indent="0">
+            <a:lvl6pPr marL="1974924" indent="0">
               <a:buNone/>
-              <a:defRPr sz="609"/>
+              <a:defRPr sz="778"/>
             </a:lvl6pPr>
-            <a:lvl7pPr marL="1854679" indent="0">
+            <a:lvl7pPr marL="2369909" indent="0">
               <a:buNone/>
-              <a:defRPr sz="609"/>
+              <a:defRPr sz="778"/>
             </a:lvl7pPr>
-            <a:lvl8pPr marL="2163792" indent="0">
+            <a:lvl8pPr marL="2764893" indent="0">
               <a:buNone/>
-              <a:defRPr sz="609"/>
+              <a:defRPr sz="778"/>
             </a:lvl8pPr>
-            <a:lvl9pPr marL="2472905" indent="0">
+            <a:lvl9pPr marL="3159878" indent="0">
               <a:buNone/>
-              <a:defRPr sz="609"/>
+              <a:defRPr sz="778"/>
             </a:lvl9pPr>
           </a:lstStyle>
           <a:p>
@@ -3530,8 +3530,8 @@
         </p:nvSpPr>
         <p:spPr bwMode="auto">
           <a:xfrm>
-            <a:off x="2469092" y="1950945"/>
-            <a:ext cx="27980217" cy="3657600"/>
+            <a:off x="3154951" y="2682549"/>
+            <a:ext cx="35752500" cy="5029200"/>
           </a:xfrm>
           <a:prstGeom prst="rect">
             <a:avLst/>
@@ -3572,8 +3572,8 @@
         </p:nvSpPr>
         <p:spPr bwMode="auto">
           <a:xfrm>
-            <a:off x="2469092" y="6339168"/>
-            <a:ext cx="27980217" cy="13168032"/>
+            <a:off x="3154951" y="8716356"/>
+            <a:ext cx="35752500" cy="18106044"/>
           </a:xfrm>
           <a:prstGeom prst="rect">
             <a:avLst/>
@@ -3642,8 +3642,8 @@
         </p:nvSpPr>
         <p:spPr bwMode="auto">
           <a:xfrm>
-            <a:off x="2469092" y="19994658"/>
-            <a:ext cx="6858000" cy="1463488"/>
+            <a:off x="3154951" y="27492655"/>
+            <a:ext cx="8763000" cy="2012296"/>
           </a:xfrm>
           <a:prstGeom prst="rect">
             <a:avLst/>
@@ -3665,7 +3665,7 @@
           </a:bodyPr>
           <a:lstStyle>
             <a:lvl1pPr>
-              <a:defRPr sz="4192"/>
+              <a:defRPr sz="5357"/>
             </a:lvl1pPr>
           </a:lstStyle>
           <a:p>
@@ -3688,8 +3688,8 @@
         </p:nvSpPr>
         <p:spPr bwMode="auto">
           <a:xfrm>
-            <a:off x="11246909" y="19994658"/>
-            <a:ext cx="10424583" cy="1463488"/>
+            <a:off x="14371051" y="27492655"/>
+            <a:ext cx="13320301" cy="2012296"/>
           </a:xfrm>
           <a:prstGeom prst="rect">
             <a:avLst/>
@@ -3711,7 +3711,7 @@
           </a:bodyPr>
           <a:lstStyle>
             <a:lvl1pPr algn="ctr">
-              <a:defRPr sz="4192"/>
+              <a:defRPr sz="5357"/>
             </a:lvl1pPr>
           </a:lstStyle>
           <a:p>
@@ -3734,8 +3734,8 @@
         </p:nvSpPr>
         <p:spPr bwMode="auto">
           <a:xfrm>
-            <a:off x="23591309" y="19994658"/>
-            <a:ext cx="6858000" cy="1463488"/>
+            <a:off x="30144450" y="27492655"/>
+            <a:ext cx="8763000" cy="2012296"/>
           </a:xfrm>
           <a:prstGeom prst="rect">
             <a:avLst/>
@@ -3757,7 +3757,7 @@
           </a:bodyPr>
           <a:lstStyle>
             <a:lvl1pPr algn="r">
-              <a:defRPr sz="4192"/>
+              <a:defRPr sz="5357"/>
             </a:lvl1pPr>
           </a:lstStyle>
           <a:p>
@@ -3793,14 +3793,14 @@
   </p:sldLayoutIdLst>
   <p:txStyles>
     <p:titleStyle>
-      <a:lvl1pPr algn="ctr" defTabSz="2839977" rtl="0" eaLnBrk="0" fontAlgn="base" hangingPunct="0">
+      <a:lvl1pPr algn="ctr" defTabSz="3628923" rtl="0" eaLnBrk="0" fontAlgn="base" hangingPunct="0">
         <a:spcBef>
           <a:spcPct val="0"/>
         </a:spcBef>
         <a:spcAft>
           <a:spcPct val="0"/>
         </a:spcAft>
-        <a:defRPr sz="13657">
+        <a:defRPr sz="17451">
           <a:solidFill>
             <a:schemeClr val="tx2"/>
           </a:solidFill>
@@ -3809,112 +3809,112 @@
           <a:cs typeface="+mj-cs"/>
         </a:defRPr>
       </a:lvl1pPr>
-      <a:lvl2pPr algn="ctr" defTabSz="2839977" rtl="0" eaLnBrk="0" fontAlgn="base" hangingPunct="0">
+      <a:lvl2pPr algn="ctr" defTabSz="3628923" rtl="0" eaLnBrk="0" fontAlgn="base" hangingPunct="0">
         <a:spcBef>
           <a:spcPct val="0"/>
         </a:spcBef>
         <a:spcAft>
           <a:spcPct val="0"/>
         </a:spcAft>
-        <a:defRPr sz="13657">
+        <a:defRPr sz="17451">
           <a:solidFill>
             <a:schemeClr val="tx2"/>
           </a:solidFill>
           <a:latin typeface="Times New Roman" pitchFamily="18" charset="0"/>
         </a:defRPr>
       </a:lvl2pPr>
-      <a:lvl3pPr algn="ctr" defTabSz="2839977" rtl="0" eaLnBrk="0" fontAlgn="base" hangingPunct="0">
+      <a:lvl3pPr algn="ctr" defTabSz="3628923" rtl="0" eaLnBrk="0" fontAlgn="base" hangingPunct="0">
         <a:spcBef>
           <a:spcPct val="0"/>
         </a:spcBef>
         <a:spcAft>
           <a:spcPct val="0"/>
         </a:spcAft>
-        <a:defRPr sz="13657">
+        <a:defRPr sz="17451">
           <a:solidFill>
             <a:schemeClr val="tx2"/>
           </a:solidFill>
           <a:latin typeface="Times New Roman" pitchFamily="18" charset="0"/>
         </a:defRPr>
       </a:lvl3pPr>
-      <a:lvl4pPr algn="ctr" defTabSz="2839977" rtl="0" eaLnBrk="0" fontAlgn="base" hangingPunct="0">
+      <a:lvl4pPr algn="ctr" defTabSz="3628923" rtl="0" eaLnBrk="0" fontAlgn="base" hangingPunct="0">
         <a:spcBef>
           <a:spcPct val="0"/>
         </a:spcBef>
         <a:spcAft>
           <a:spcPct val="0"/>
         </a:spcAft>
-        <a:defRPr sz="13657">
+        <a:defRPr sz="17451">
           <a:solidFill>
             <a:schemeClr val="tx2"/>
           </a:solidFill>
           <a:latin typeface="Times New Roman" pitchFamily="18" charset="0"/>
         </a:defRPr>
       </a:lvl4pPr>
-      <a:lvl5pPr algn="ctr" defTabSz="2839977" rtl="0" eaLnBrk="0" fontAlgn="base" hangingPunct="0">
+      <a:lvl5pPr algn="ctr" defTabSz="3628923" rtl="0" eaLnBrk="0" fontAlgn="base" hangingPunct="0">
         <a:spcBef>
           <a:spcPct val="0"/>
         </a:spcBef>
         <a:spcAft>
           <a:spcPct val="0"/>
         </a:spcAft>
-        <a:defRPr sz="13657">
+        <a:defRPr sz="17451">
           <a:solidFill>
             <a:schemeClr val="tx2"/>
           </a:solidFill>
           <a:latin typeface="Times New Roman" pitchFamily="18" charset="0"/>
         </a:defRPr>
       </a:lvl5pPr>
-      <a:lvl6pPr marL="309113" algn="ctr" defTabSz="2839977" rtl="0" fontAlgn="base">
+      <a:lvl6pPr marL="394985" algn="ctr" defTabSz="3628923" rtl="0" fontAlgn="base">
         <a:spcBef>
           <a:spcPct val="0"/>
         </a:spcBef>
         <a:spcAft>
           <a:spcPct val="0"/>
         </a:spcAft>
-        <a:defRPr sz="13657">
+        <a:defRPr sz="17451">
           <a:solidFill>
             <a:schemeClr val="tx2"/>
           </a:solidFill>
           <a:latin typeface="Times New Roman" pitchFamily="18" charset="0"/>
         </a:defRPr>
       </a:lvl6pPr>
-      <a:lvl7pPr marL="618226" algn="ctr" defTabSz="2839977" rtl="0" fontAlgn="base">
+      <a:lvl7pPr marL="789969" algn="ctr" defTabSz="3628923" rtl="0" fontAlgn="base">
         <a:spcBef>
           <a:spcPct val="0"/>
         </a:spcBef>
         <a:spcAft>
           <a:spcPct val="0"/>
         </a:spcAft>
-        <a:defRPr sz="13657">
+        <a:defRPr sz="17451">
           <a:solidFill>
             <a:schemeClr val="tx2"/>
           </a:solidFill>
           <a:latin typeface="Times New Roman" pitchFamily="18" charset="0"/>
         </a:defRPr>
       </a:lvl7pPr>
-      <a:lvl8pPr marL="927340" algn="ctr" defTabSz="2839977" rtl="0" fontAlgn="base">
+      <a:lvl8pPr marL="1184955" algn="ctr" defTabSz="3628923" rtl="0" fontAlgn="base">
         <a:spcBef>
           <a:spcPct val="0"/>
         </a:spcBef>
         <a:spcAft>
           <a:spcPct val="0"/>
         </a:spcAft>
-        <a:defRPr sz="13657">
+        <a:defRPr sz="17451">
           <a:solidFill>
             <a:schemeClr val="tx2"/>
           </a:solidFill>
           <a:latin typeface="Times New Roman" pitchFamily="18" charset="0"/>
         </a:defRPr>
       </a:lvl8pPr>
-      <a:lvl9pPr marL="1236452" algn="ctr" defTabSz="2839977" rtl="0" fontAlgn="base">
+      <a:lvl9pPr marL="1579938" algn="ctr" defTabSz="3628923" rtl="0" fontAlgn="base">
         <a:spcBef>
           <a:spcPct val="0"/>
         </a:spcBef>
         <a:spcAft>
           <a:spcPct val="0"/>
         </a:spcAft>
-        <a:defRPr sz="13657">
+        <a:defRPr sz="17451">
           <a:solidFill>
             <a:schemeClr val="tx2"/>
           </a:solidFill>
@@ -3923,7 +3923,7 @@
       </a:lvl9pPr>
     </p:titleStyle>
     <p:bodyStyle>
-      <a:lvl1pPr marL="1063650" indent="-1063650" algn="l" defTabSz="2839977" rtl="0" eaLnBrk="0" fontAlgn="base" hangingPunct="0">
+      <a:lvl1pPr marL="1359132" indent="-1359132" algn="l" defTabSz="3628923" rtl="0" eaLnBrk="0" fontAlgn="base" hangingPunct="0">
         <a:spcBef>
           <a:spcPct val="20000"/>
         </a:spcBef>
@@ -3931,7 +3931,7 @@
           <a:spcPct val="0"/>
         </a:spcAft>
         <a:buChar char="•"/>
-        <a:defRPr sz="10074">
+        <a:defRPr sz="12873">
           <a:solidFill>
             <a:schemeClr val="tx1"/>
           </a:solidFill>
@@ -3940,7 +3940,7 @@
           <a:cs typeface="+mn-cs"/>
         </a:defRPr>
       </a:lvl1pPr>
-      <a:lvl2pPr marL="2307615" indent="-887627" algn="l" defTabSz="2839977" rtl="0" eaLnBrk="0" fontAlgn="base" hangingPunct="0">
+      <a:lvl2pPr marL="2948670" indent="-1134210" algn="l" defTabSz="3628923" rtl="0" eaLnBrk="0" fontAlgn="base" hangingPunct="0">
         <a:spcBef>
           <a:spcPct val="20000"/>
         </a:spcBef>
@@ -3948,14 +3948,14 @@
           <a:spcPct val="0"/>
         </a:spcAft>
         <a:buChar char="–"/>
-        <a:defRPr sz="8789">
+        <a:defRPr sz="11231">
           <a:solidFill>
             <a:schemeClr val="tx1"/>
           </a:solidFill>
           <a:latin typeface="+mn-lt"/>
         </a:defRPr>
       </a:lvl2pPr>
-      <a:lvl3pPr marL="3547288" indent="-707311" algn="l" defTabSz="2839977" rtl="0" eaLnBrk="0" fontAlgn="base" hangingPunct="0">
+      <a:lvl3pPr marL="4532725" indent="-903802" algn="l" defTabSz="3628923" rtl="0" eaLnBrk="0" fontAlgn="base" hangingPunct="0">
         <a:spcBef>
           <a:spcPct val="20000"/>
         </a:spcBef>
@@ -3963,14 +3963,14 @@
           <a:spcPct val="0"/>
         </a:spcAft>
         <a:buChar char="•"/>
-        <a:defRPr sz="7505">
+        <a:defRPr sz="9590">
           <a:solidFill>
             <a:schemeClr val="tx1"/>
           </a:solidFill>
           <a:latin typeface="+mn-lt"/>
         </a:defRPr>
       </a:lvl3pPr>
-      <a:lvl4pPr marL="4966204" indent="-712678" algn="l" defTabSz="2839977" rtl="0" eaLnBrk="0" fontAlgn="base" hangingPunct="0">
+      <a:lvl4pPr marL="6345815" indent="-910660" algn="l" defTabSz="3628923" rtl="0" eaLnBrk="0" fontAlgn="base" hangingPunct="0">
         <a:spcBef>
           <a:spcPct val="20000"/>
         </a:spcBef>
@@ -3978,14 +3978,14 @@
           <a:spcPct val="0"/>
         </a:spcAft>
         <a:buChar char="–"/>
-        <a:defRPr sz="6220">
+        <a:defRPr sz="7948">
           <a:solidFill>
             <a:schemeClr val="tx1"/>
           </a:solidFill>
           <a:latin typeface="+mn-lt"/>
         </a:defRPr>
       </a:lvl4pPr>
-      <a:lvl5pPr marL="6385119" indent="-711604" algn="l" defTabSz="2839977" rtl="0" eaLnBrk="0" fontAlgn="base" hangingPunct="0">
+      <a:lvl5pPr marL="8158905" indent="-909288" algn="l" defTabSz="3628923" rtl="0" eaLnBrk="0" fontAlgn="base" hangingPunct="0">
         <a:spcBef>
           <a:spcPct val="20000"/>
         </a:spcBef>
@@ -3993,14 +3993,14 @@
           <a:spcPct val="0"/>
         </a:spcAft>
         <a:buChar char="»"/>
-        <a:defRPr sz="6220">
+        <a:defRPr sz="7948">
           <a:solidFill>
             <a:schemeClr val="tx1"/>
           </a:solidFill>
           <a:latin typeface="+mn-lt"/>
         </a:defRPr>
       </a:lvl5pPr>
-      <a:lvl6pPr marL="6694231" indent="-711604" algn="l" defTabSz="2839977" rtl="0" fontAlgn="base">
+      <a:lvl6pPr marL="8553888" indent="-909288" algn="l" defTabSz="3628923" rtl="0" fontAlgn="base">
         <a:spcBef>
           <a:spcPct val="20000"/>
         </a:spcBef>
@@ -4008,14 +4008,14 @@
           <a:spcPct val="0"/>
         </a:spcAft>
         <a:buChar char="»"/>
-        <a:defRPr sz="6220">
+        <a:defRPr sz="7948">
           <a:solidFill>
             <a:schemeClr val="tx1"/>
           </a:solidFill>
           <a:latin typeface="+mn-lt"/>
         </a:defRPr>
       </a:lvl6pPr>
-      <a:lvl7pPr marL="7003345" indent="-711604" algn="l" defTabSz="2839977" rtl="0" fontAlgn="base">
+      <a:lvl7pPr marL="8948874" indent="-909288" algn="l" defTabSz="3628923" rtl="0" fontAlgn="base">
         <a:spcBef>
           <a:spcPct val="20000"/>
         </a:spcBef>
@@ -4023,14 +4023,14 @@
           <a:spcPct val="0"/>
         </a:spcAft>
         <a:buChar char="»"/>
-        <a:defRPr sz="6220">
+        <a:defRPr sz="7948">
           <a:solidFill>
             <a:schemeClr val="tx1"/>
           </a:solidFill>
           <a:latin typeface="+mn-lt"/>
         </a:defRPr>
       </a:lvl7pPr>
-      <a:lvl8pPr marL="7312458" indent="-711604" algn="l" defTabSz="2839977" rtl="0" fontAlgn="base">
+      <a:lvl8pPr marL="9343859" indent="-909288" algn="l" defTabSz="3628923" rtl="0" fontAlgn="base">
         <a:spcBef>
           <a:spcPct val="20000"/>
         </a:spcBef>
@@ -4038,14 +4038,14 @@
           <a:spcPct val="0"/>
         </a:spcAft>
         <a:buChar char="»"/>
-        <a:defRPr sz="6220">
+        <a:defRPr sz="7948">
           <a:solidFill>
             <a:schemeClr val="tx1"/>
           </a:solidFill>
           <a:latin typeface="+mn-lt"/>
         </a:defRPr>
       </a:lvl8pPr>
-      <a:lvl9pPr marL="7621571" indent="-711604" algn="l" defTabSz="2839977" rtl="0" fontAlgn="base">
+      <a:lvl9pPr marL="9738843" indent="-909288" algn="l" defTabSz="3628923" rtl="0" fontAlgn="base">
         <a:spcBef>
           <a:spcPct val="20000"/>
         </a:spcBef>
@@ -4053,7 +4053,7 @@
           <a:spcPct val="0"/>
         </a:spcAft>
         <a:buChar char="»"/>
-        <a:defRPr sz="6220">
+        <a:defRPr sz="7948">
           <a:solidFill>
             <a:schemeClr val="tx1"/>
           </a:solidFill>
@@ -4065,8 +4065,8 @@
       <a:defPPr>
         <a:defRPr lang="en-US"/>
       </a:defPPr>
-      <a:lvl1pPr marL="0" algn="l" defTabSz="618226" rtl="0" eaLnBrk="1" latinLnBrk="0" hangingPunct="1">
-        <a:defRPr sz="1217" kern="1200">
+      <a:lvl1pPr marL="0" algn="l" defTabSz="789969" rtl="0" eaLnBrk="1" latinLnBrk="0" hangingPunct="1">
+        <a:defRPr sz="1555" kern="1200">
           <a:solidFill>
             <a:schemeClr val="tx1"/>
           </a:solidFill>
@@ -4075,8 +4075,8 @@
           <a:cs typeface="+mn-cs"/>
         </a:defRPr>
       </a:lvl1pPr>
-      <a:lvl2pPr marL="309113" algn="l" defTabSz="618226" rtl="0" eaLnBrk="1" latinLnBrk="0" hangingPunct="1">
-        <a:defRPr sz="1217" kern="1200">
+      <a:lvl2pPr marL="394985" algn="l" defTabSz="789969" rtl="0" eaLnBrk="1" latinLnBrk="0" hangingPunct="1">
+        <a:defRPr sz="1555" kern="1200">
           <a:solidFill>
             <a:schemeClr val="tx1"/>
           </a:solidFill>
@@ -4085,8 +4085,8 @@
           <a:cs typeface="+mn-cs"/>
         </a:defRPr>
       </a:lvl2pPr>
-      <a:lvl3pPr marL="618226" algn="l" defTabSz="618226" rtl="0" eaLnBrk="1" latinLnBrk="0" hangingPunct="1">
-        <a:defRPr sz="1217" kern="1200">
+      <a:lvl3pPr marL="789969" algn="l" defTabSz="789969" rtl="0" eaLnBrk="1" latinLnBrk="0" hangingPunct="1">
+        <a:defRPr sz="1555" kern="1200">
           <a:solidFill>
             <a:schemeClr val="tx1"/>
           </a:solidFill>
@@ -4095,8 +4095,8 @@
           <a:cs typeface="+mn-cs"/>
         </a:defRPr>
       </a:lvl3pPr>
-      <a:lvl4pPr marL="927340" algn="l" defTabSz="618226" rtl="0" eaLnBrk="1" latinLnBrk="0" hangingPunct="1">
-        <a:defRPr sz="1217" kern="1200">
+      <a:lvl4pPr marL="1184955" algn="l" defTabSz="789969" rtl="0" eaLnBrk="1" latinLnBrk="0" hangingPunct="1">
+        <a:defRPr sz="1555" kern="1200">
           <a:solidFill>
             <a:schemeClr val="tx1"/>
           </a:solidFill>
@@ -4105,8 +4105,8 @@
           <a:cs typeface="+mn-cs"/>
         </a:defRPr>
       </a:lvl4pPr>
-      <a:lvl5pPr marL="1236452" algn="l" defTabSz="618226" rtl="0" eaLnBrk="1" latinLnBrk="0" hangingPunct="1">
-        <a:defRPr sz="1217" kern="1200">
+      <a:lvl5pPr marL="1579938" algn="l" defTabSz="789969" rtl="0" eaLnBrk="1" latinLnBrk="0" hangingPunct="1">
+        <a:defRPr sz="1555" kern="1200">
           <a:solidFill>
             <a:schemeClr val="tx1"/>
           </a:solidFill>
@@ -4115,8 +4115,8 @@
           <a:cs typeface="+mn-cs"/>
         </a:defRPr>
       </a:lvl5pPr>
-      <a:lvl6pPr marL="1545566" algn="l" defTabSz="618226" rtl="0" eaLnBrk="1" latinLnBrk="0" hangingPunct="1">
-        <a:defRPr sz="1217" kern="1200">
+      <a:lvl6pPr marL="1974924" algn="l" defTabSz="789969" rtl="0" eaLnBrk="1" latinLnBrk="0" hangingPunct="1">
+        <a:defRPr sz="1555" kern="1200">
           <a:solidFill>
             <a:schemeClr val="tx1"/>
           </a:solidFill>
@@ -4125,8 +4125,8 @@
           <a:cs typeface="+mn-cs"/>
         </a:defRPr>
       </a:lvl6pPr>
-      <a:lvl7pPr marL="1854679" algn="l" defTabSz="618226" rtl="0" eaLnBrk="1" latinLnBrk="0" hangingPunct="1">
-        <a:defRPr sz="1217" kern="1200">
+      <a:lvl7pPr marL="2369909" algn="l" defTabSz="789969" rtl="0" eaLnBrk="1" latinLnBrk="0" hangingPunct="1">
+        <a:defRPr sz="1555" kern="1200">
           <a:solidFill>
             <a:schemeClr val="tx1"/>
           </a:solidFill>
@@ -4135,8 +4135,8 @@
           <a:cs typeface="+mn-cs"/>
         </a:defRPr>
       </a:lvl7pPr>
-      <a:lvl8pPr marL="2163792" algn="l" defTabSz="618226" rtl="0" eaLnBrk="1" latinLnBrk="0" hangingPunct="1">
-        <a:defRPr sz="1217" kern="1200">
+      <a:lvl8pPr marL="2764893" algn="l" defTabSz="789969" rtl="0" eaLnBrk="1" latinLnBrk="0" hangingPunct="1">
+        <a:defRPr sz="1555" kern="1200">
           <a:solidFill>
             <a:schemeClr val="tx1"/>
           </a:solidFill>
@@ -4145,8 +4145,8 @@
           <a:cs typeface="+mn-cs"/>
         </a:defRPr>
       </a:lvl8pPr>
-      <a:lvl9pPr marL="2472905" algn="l" defTabSz="618226" rtl="0" eaLnBrk="1" latinLnBrk="0" hangingPunct="1">
-        <a:defRPr sz="1217" kern="1200">
+      <a:lvl9pPr marL="3159878" algn="l" defTabSz="789969" rtl="0" eaLnBrk="1" latinLnBrk="0" hangingPunct="1">
+        <a:defRPr sz="1555" kern="1200">
           <a:solidFill>
             <a:schemeClr val="tx1"/>
           </a:solidFill>
@@ -4201,8 +4201,8 @@
         </p:nvSpPr>
         <p:spPr bwMode="auto">
           <a:xfrm>
-            <a:off x="507256" y="8973856"/>
-            <a:ext cx="8896293" cy="4596930"/>
+            <a:off x="681567" y="21259800"/>
+            <a:ext cx="11367486" cy="8288909"/>
           </a:xfrm>
           <a:prstGeom prst="rect">
             <a:avLst/>
@@ -4220,163 +4220,164 @@
           </a:ln>
         </p:spPr>
         <p:txBody>
-          <a:bodyPr lIns="466134" tIns="466134" rIns="466134" bIns="466134"/>
+          <a:bodyPr lIns="595616" tIns="595616" rIns="595616" bIns="595616"/>
           <a:lstStyle/>
           <a:p>
             <a:pPr fontAlgn="base"/>
             <a:r>
-              <a:rPr lang="en-US" sz="3600" dirty="0">
-                <a:effectLst/>
-                <a:latin typeface="inherit"/>
-              </a:rPr>
-              <a:t>🔅Clear </a:t>
-            </a:r>
-            <a:r>
-              <a:rPr lang="en-US" sz="3600" b="1" dirty="0">
+              <a:rPr lang="en-US" sz="4600" dirty="0">
+                <a:latin typeface="inherit"/>
+              </a:rPr>
+              <a:t>🔅 Free and open-source </a:t>
+            </a:r>
+            <a:r>
+              <a:rPr lang="en-US" sz="4600" b="1" dirty="0">
                 <a:solidFill>
                   <a:srgbClr val="85394D"/>
                 </a:solidFill>
-                <a:effectLst/>
-                <a:latin typeface="inherit"/>
-              </a:rPr>
-              <a:t>bridges</a:t>
-            </a:r>
-            <a:r>
-              <a:rPr lang="en-US" sz="3600" dirty="0">
-                <a:effectLst/>
-                <a:latin typeface="inherit"/>
-              </a:rPr>
-              <a:t> and </a:t>
-            </a:r>
-            <a:r>
-              <a:rPr lang="en-US" sz="3600" b="1" dirty="0">
+                <a:latin typeface="inherit"/>
+              </a:rPr>
+              <a:t>educational resources</a:t>
+            </a:r>
+            <a:r>
+              <a:rPr lang="en-US" sz="4600" dirty="0">
+                <a:latin typeface="inherit"/>
+              </a:rPr>
+              <a:t> like online textbooks.</a:t>
+            </a:r>
+          </a:p>
+          <a:p>
+            <a:pPr fontAlgn="base"/>
+            <a:endParaRPr lang="en-US" sz="4600" dirty="0">
+              <a:latin typeface="inherit"/>
+            </a:endParaRPr>
+          </a:p>
+          <a:p>
+            <a:pPr fontAlgn="base"/>
+            <a:r>
+              <a:rPr lang="en-US" sz="4600" dirty="0">
+                <a:latin typeface="inherit"/>
+              </a:rPr>
+              <a:t>🔅 Broader </a:t>
+            </a:r>
+            <a:r>
+              <a:rPr lang="en-US" sz="4600" b="1" dirty="0">
                 <a:solidFill>
                   <a:srgbClr val="85394D"/>
                 </a:solidFill>
-                <a:effectLst/>
-                <a:latin typeface="inherit"/>
-              </a:rPr>
-              <a:t>partnerships</a:t>
-            </a:r>
-            <a:r>
-              <a:rPr lang="en-US" sz="3600" dirty="0">
-                <a:effectLst/>
-                <a:latin typeface="inherit"/>
-              </a:rPr>
-              <a:t> to other communities.</a:t>
+                <a:latin typeface="inherit"/>
+              </a:rPr>
+              <a:t>accessibility</a:t>
+            </a:r>
+            <a:r>
+              <a:rPr lang="en-US" sz="4600" dirty="0">
+                <a:latin typeface="inherit"/>
+              </a:rPr>
+              <a:t> of content.</a:t>
             </a:r>
           </a:p>
           <a:p>
             <a:pPr fontAlgn="base"/>
             <a:r>
-              <a:rPr lang="en-US" sz="3600" dirty="0">
-                <a:effectLst/>
+              <a:rPr lang="en-US" sz="4600" dirty="0">
                 <a:latin typeface="inherit"/>
               </a:rPr>
               <a:t>  → </a:t>
             </a:r>
             <a:r>
-              <a:rPr lang="en-US" sz="3600" dirty="0" err="1">
-                <a:effectLst/>
-                <a:latin typeface="inherit"/>
-              </a:rPr>
-              <a:t>data.table</a:t>
-            </a:r>
-            <a:r>
-              <a:rPr lang="en-US" sz="3600" dirty="0">
-                <a:effectLst/>
-                <a:latin typeface="inherit"/>
-              </a:rPr>
-              <a:t> + </a:t>
-            </a:r>
-            <a:r>
-              <a:rPr lang="en-US" sz="3600" dirty="0" err="1">
-                <a:effectLst/>
-                <a:latin typeface="inherit"/>
-              </a:rPr>
-              <a:t>tidyverse</a:t>
-            </a:r>
-            <a:r>
-              <a:rPr lang="en-US" sz="3600" dirty="0">
-                <a:effectLst/>
-                <a:latin typeface="inherit"/>
-              </a:rPr>
-              <a:t> = 💛</a:t>
-            </a:r>
+              <a:rPr lang="en-US" sz="4600" dirty="0">
+                <a:latin typeface="inherit"/>
+                <a:hlinkClick r:id="rId4"/>
+              </a:rPr>
+              <a:t>Grant-funded Translation Project</a:t>
+            </a:r>
+            <a:endParaRPr lang="en-US" sz="4600" dirty="0">
+              <a:latin typeface="inherit"/>
+            </a:endParaRPr>
           </a:p>
           <a:p>
             <a:pPr fontAlgn="base"/>
             <a:r>
-              <a:rPr lang="en-US" sz="3600" dirty="0">
-                <a:effectLst/>
-                <a:latin typeface="inherit"/>
-              </a:rPr>
-              <a:t>🔅 An </a:t>
-            </a:r>
-            <a:r>
-              <a:rPr lang="en-US" sz="3600" b="1" dirty="0">
+              <a:rPr lang="en-US" sz="4600" dirty="0">
+                <a:latin typeface="inherit"/>
+              </a:rPr>
+              <a:t>  → Online meetups and workshops</a:t>
+            </a:r>
+          </a:p>
+          <a:p>
+            <a:pPr fontAlgn="base"/>
+            <a:endParaRPr lang="en-US" sz="4600" dirty="0">
+              <a:latin typeface="inherit"/>
+            </a:endParaRPr>
+          </a:p>
+          <a:p>
+            <a:r>
+              <a:rPr lang="en-US" sz="4600" dirty="0">
+                <a:latin typeface="inherit"/>
+              </a:rPr>
+              <a:t>🔅 Prioritizing </a:t>
+            </a:r>
+            <a:r>
+              <a:rPr lang="en-US" sz="4600" b="1" dirty="0">
                 <a:solidFill>
                   <a:srgbClr val="85394D"/>
                 </a:solidFill>
-                <a:effectLst/>
-                <a:latin typeface="inherit"/>
-              </a:rPr>
-              <a:t>educational path</a:t>
-            </a:r>
-            <a:r>
-              <a:rPr lang="en-US" sz="3600" dirty="0">
-                <a:effectLst/>
-                <a:latin typeface="inherit"/>
-              </a:rPr>
-              <a:t> forward to more advanced use.</a:t>
-            </a:r>
-          </a:p>
-          <a:p>
-            <a:pPr fontAlgn="base"/>
-            <a:r>
-              <a:rPr lang="en-US" sz="3600" dirty="0">
-                <a:effectLst/>
-                <a:latin typeface="inherit"/>
-              </a:rPr>
-              <a:t>🔅 Broader </a:t>
-            </a:r>
-            <a:r>
-              <a:rPr lang="en-US" sz="3600" b="1" dirty="0">
+                <a:latin typeface="inherit"/>
+              </a:rPr>
+              <a:t>inclusivity</a:t>
+            </a:r>
+            <a:r>
+              <a:rPr lang="en-US" sz="4600" dirty="0">
+                <a:latin typeface="inherit"/>
+              </a:rPr>
+              <a:t> and </a:t>
+            </a:r>
+            <a:r>
+              <a:rPr lang="en-US" sz="4600" b="1" dirty="0">
                 <a:solidFill>
                   <a:srgbClr val="85394D"/>
                 </a:solidFill>
-                <a:effectLst/>
-                <a:latin typeface="inherit"/>
-              </a:rPr>
-              <a:t>accessibility</a:t>
-            </a:r>
-            <a:r>
-              <a:rPr lang="en-US" sz="3600" dirty="0">
-                <a:effectLst/>
-                <a:latin typeface="inherit"/>
-              </a:rPr>
-              <a:t> of content.</a:t>
-            </a:r>
+                <a:latin typeface="inherit"/>
+              </a:rPr>
+              <a:t>diversity</a:t>
+            </a:r>
+            <a:r>
+              <a:rPr lang="en-US" sz="4600" dirty="0">
+                <a:latin typeface="inherit"/>
+              </a:rPr>
+              <a:t>.</a:t>
+            </a:r>
+          </a:p>
+          <a:p>
+            <a:r>
+              <a:rPr lang="en-US" sz="4600" dirty="0">
+                <a:latin typeface="inherit"/>
+              </a:rPr>
+              <a:t>	→ Travel grants and scholarships</a:t>
+            </a:r>
+          </a:p>
+          <a:p>
+            <a:r>
+              <a:rPr lang="en-US" sz="4600" dirty="0">
+                <a:latin typeface="inherit"/>
+              </a:rPr>
+              <a:t>	→ Accessible materials and events</a:t>
+            </a:r>
+          </a:p>
+          <a:p>
+            <a:endParaRPr lang="en-US" sz="4600" dirty="0">
+              <a:latin typeface="inherit"/>
+            </a:endParaRPr>
           </a:p>
           <a:p>
             <a:pPr fontAlgn="base"/>
-            <a:r>
-              <a:rPr lang="en-US" sz="3600" dirty="0">
-                <a:effectLst/>
-                <a:latin typeface="inherit"/>
-              </a:rPr>
-              <a:t>  → </a:t>
-            </a:r>
-            <a:r>
-              <a:rPr lang="en-US" sz="3600" u="none" strike="noStrike" dirty="0">
-                <a:effectLst/>
-                <a:latin typeface="inherit"/>
-                <a:hlinkClick r:id="rId4"/>
-              </a:rPr>
-              <a:t>Grant-funded Translation Project</a:t>
-            </a:r>
-            <a:endParaRPr lang="en-US" sz="3600" dirty="0">
-              <a:effectLst/>
+            <a:endParaRPr lang="en-US" sz="4600" dirty="0">
+              <a:latin typeface="inherit"/>
+            </a:endParaRPr>
+          </a:p>
+          <a:p>
+            <a:pPr fontAlgn="base"/>
+            <a:endParaRPr lang="en-US" sz="4600" dirty="0">
               <a:latin typeface="inherit"/>
             </a:endParaRPr>
           </a:p>
@@ -4392,8 +4393,8 @@
         </p:nvSpPr>
         <p:spPr bwMode="auto">
           <a:xfrm>
-            <a:off x="10106505" y="939645"/>
-            <a:ext cx="12705390" cy="20391748"/>
+            <a:off x="12593494" y="3673606"/>
+            <a:ext cx="16730357" cy="5360206"/>
           </a:xfrm>
           <a:prstGeom prst="rect">
             <a:avLst/>
@@ -4411,7 +4412,7 @@
           </a:ln>
         </p:spPr>
         <p:txBody>
-          <a:bodyPr lIns="466134" tIns="1371600" rIns="466134" bIns="466134"/>
+          <a:bodyPr lIns="457200" tIns="0" rIns="0" bIns="0"/>
           <a:lstStyle/>
           <a:p>
             <a:pPr>
@@ -4420,34 +4421,67 @@
               </a:lnSpc>
             </a:pPr>
             <a:r>
-              <a:rPr lang="en-US" sz="8000" dirty="0">
-                <a:latin typeface="Myriad Pro Light" panose="020B0603030403020204" pitchFamily="34" charset="0"/>
-              </a:rPr>
-              <a:t>How does an </a:t>
-            </a:r>
-            <a:r>
-              <a:rPr lang="en-US" sz="8000" b="1" u="sng" dirty="0">
-                <a:latin typeface="Myriad Pro Light" panose="020B0603030403020204" pitchFamily="34" charset="0"/>
-              </a:rPr>
-              <a:t>open-source </a:t>
-            </a:r>
-            <a:r>
-              <a:rPr lang="en-US" sz="8000" dirty="0">
-                <a:latin typeface="Myriad Pro Light" panose="020B0603030403020204" pitchFamily="34" charset="0"/>
-              </a:rPr>
-              <a:t>project ecosystem remain </a:t>
-            </a:r>
-            <a:r>
-              <a:rPr lang="en-US" sz="8000" b="1" u="sng" dirty="0">
-                <a:latin typeface="Myriad Pro Light" panose="020B0603030403020204" pitchFamily="34" charset="0"/>
-              </a:rPr>
-              <a:t>engaging</a:t>
-            </a:r>
-            <a:r>
-              <a:rPr lang="en-US" sz="8000" dirty="0">
-                <a:latin typeface="Myriad Pro Light" panose="020B0603030403020204" pitchFamily="34" charset="0"/>
-              </a:rPr>
-              <a:t>,</a:t>
+              <a:rPr lang="en-US" sz="6000" i="1" spc="-300" dirty="0">
+                <a:latin typeface="Miriam Fixed" panose="020B0509050101010101" pitchFamily="49" charset="-79"/>
+                <a:cs typeface="Miriam Fixed" panose="020B0509050101010101" pitchFamily="49" charset="-79"/>
+              </a:rPr>
+              <a:t>How an </a:t>
+            </a:r>
+            <a:r>
+              <a:rPr lang="en-US" sz="6000" b="1" i="1" spc="-300" dirty="0">
+                <a:latin typeface="Miriam Fixed" panose="020B0509050101010101" pitchFamily="49" charset="-79"/>
+                <a:cs typeface="Miriam Fixed" panose="020B0509050101010101" pitchFamily="49" charset="-79"/>
+              </a:rPr>
+              <a:t>open-source project </a:t>
+            </a:r>
+            <a:r>
+              <a:rPr lang="en-US" sz="6000" i="1" spc="-300" dirty="0">
+                <a:latin typeface="Miriam Fixed" panose="020B0509050101010101" pitchFamily="49" charset="-79"/>
+                <a:cs typeface="Miriam Fixed" panose="020B0509050101010101" pitchFamily="49" charset="-79"/>
+              </a:rPr>
+              <a:t>achieves </a:t>
+            </a:r>
+            <a:r>
+              <a:rPr lang="en-US" sz="6000" b="1" i="1" u="sng" spc="-300" dirty="0">
+                <a:latin typeface="Miriam Fixed" panose="020B0509050101010101" pitchFamily="49" charset="-79"/>
+                <a:cs typeface="Miriam Fixed" panose="020B0509050101010101" pitchFamily="49" charset="-79"/>
+              </a:rPr>
+              <a:t>reach</a:t>
+            </a:r>
+            <a:r>
+              <a:rPr lang="en-US" sz="6000" i="1" spc="-300" dirty="0">
+                <a:latin typeface="Miriam Fixed" panose="020B0509050101010101" pitchFamily="49" charset="-79"/>
+                <a:cs typeface="Miriam Fixed" panose="020B0509050101010101" pitchFamily="49" charset="-79"/>
+              </a:rPr>
+              <a:t>, </a:t>
+            </a:r>
+            <a:r>
+              <a:rPr lang="en-US" sz="6000" b="1" i="1" u="sng" spc="-300" dirty="0">
+                <a:latin typeface="Miriam Fixed" panose="020B0509050101010101" pitchFamily="49" charset="-79"/>
+                <a:cs typeface="Miriam Fixed" panose="020B0509050101010101" pitchFamily="49" charset="-79"/>
+              </a:rPr>
+              <a:t>relevance</a:t>
+            </a:r>
+            <a:r>
+              <a:rPr lang="en-US" sz="6000" i="1" spc="-300" dirty="0">
+                <a:latin typeface="Miriam Fixed" panose="020B0509050101010101" pitchFamily="49" charset="-79"/>
+                <a:cs typeface="Miriam Fixed" panose="020B0509050101010101" pitchFamily="49" charset="-79"/>
+              </a:rPr>
+              <a:t>, and </a:t>
+            </a:r>
+            <a:r>
+              <a:rPr lang="en-US" sz="6000" b="1" i="1" u="sng" spc="-300" dirty="0">
+                <a:latin typeface="Miriam Fixed" panose="020B0509050101010101" pitchFamily="49" charset="-79"/>
+                <a:cs typeface="Miriam Fixed" panose="020B0509050101010101" pitchFamily="49" charset="-79"/>
+              </a:rPr>
+              <a:t>resources</a:t>
+            </a:r>
+            <a:r>
+              <a:rPr lang="en-US" sz="6000" i="1" spc="-300" dirty="0">
+                <a:latin typeface="Miriam Fixed" panose="020B0509050101010101" pitchFamily="49" charset="-79"/>
+                <a:cs typeface="Miriam Fixed" panose="020B0509050101010101" pitchFamily="49" charset="-79"/>
+              </a:rPr>
+              <a:t>.</a:t>
             </a:r>
           </a:p>
           <a:p>
@@ -4456,24 +4490,10 @@
                 <a:spcPct val="150000"/>
               </a:lnSpc>
             </a:pPr>
-            <a:r>
-              <a:rPr lang="en-US" sz="8000" dirty="0">
-                <a:latin typeface="Myriad Pro Light" panose="020B0603030403020204" pitchFamily="34" charset="0"/>
-              </a:rPr>
-              <a:t> 				</a:t>
-            </a:r>
-            <a:r>
-              <a:rPr lang="en-US" sz="8000" b="1" u="sng" dirty="0">
-                <a:latin typeface="Myriad Pro Light" panose="020B0603030403020204" pitchFamily="34" charset="0"/>
-              </a:rPr>
-              <a:t>enduring</a:t>
-            </a:r>
-            <a:r>
-              <a:rPr lang="en-US" sz="8000" dirty="0">
-                <a:latin typeface="Myriad Pro Light" panose="020B0603030403020204" pitchFamily="34" charset="0"/>
-              </a:rPr>
-              <a:t>, </a:t>
-            </a:r>
+            <a:endParaRPr lang="en-US" sz="5111" i="1" dirty="0">
+              <a:latin typeface="Big Caslon Medium" panose="02000603090000020003" pitchFamily="2" charset="-79"/>
+              <a:cs typeface="Big Caslon Medium" panose="02000603090000020003" pitchFamily="2" charset="-79"/>
+            </a:endParaRPr>
           </a:p>
           <a:p>
             <a:pPr>
@@ -4482,22 +4502,11 @@
               </a:lnSpc>
             </a:pPr>
             <a:r>
-              <a:rPr lang="en-US" sz="8000" dirty="0">
-                <a:latin typeface="Myriad Pro Light" panose="020B0603030403020204" pitchFamily="34" charset="0"/>
-              </a:rPr>
-              <a:t>		 				and </a:t>
-            </a:r>
-            <a:r>
-              <a:rPr lang="en-US" sz="8000" b="1" u="sng" dirty="0">
-                <a:latin typeface="Myriad Pro Light" panose="020B0603030403020204" pitchFamily="34" charset="0"/>
-              </a:rPr>
-              <a:t>evolving</a:t>
-            </a:r>
-            <a:r>
-              <a:rPr lang="en-US" sz="8000" dirty="0">
-                <a:latin typeface="Myriad Pro Light" panose="020B0603030403020204" pitchFamily="34" charset="0"/>
-              </a:rPr>
-              <a:t>?</a:t>
+              <a:rPr lang="en-US" sz="5111" i="1" dirty="0">
+                <a:latin typeface="Big Caslon Medium" panose="02000603090000020003" pitchFamily="2" charset="-79"/>
+                <a:cs typeface="Big Caslon Medium" panose="02000603090000020003" pitchFamily="2" charset="-79"/>
+              </a:rPr>
+              <a:t>Kelly Bodwin, California Polytechnic State University</a:t>
             </a:r>
           </a:p>
           <a:p>
@@ -4506,135 +4515,9 @@
                 <a:spcPct val="150000"/>
               </a:lnSpc>
             </a:pPr>
-            <a:endParaRPr lang="en-US" sz="3600" i="1" dirty="0">
+            <a:endParaRPr lang="en-US" sz="4600" dirty="0">
               <a:latin typeface="Britannic Bold" panose="020B0903060703020204" pitchFamily="34" charset="77"/>
             </a:endParaRPr>
-          </a:p>
-          <a:p>
-            <a:pPr>
-              <a:lnSpc>
-                <a:spcPct val="150000"/>
-              </a:lnSpc>
-            </a:pPr>
-            <a:r>
-              <a:rPr lang="en-US" sz="4000" i="1" dirty="0">
-                <a:latin typeface="Big Caslon Medium" panose="02000603090000020003" pitchFamily="2" charset="-79"/>
-                <a:cs typeface="Big Caslon Medium" panose="02000603090000020003" pitchFamily="2" charset="-79"/>
-              </a:rPr>
-              <a:t>Kelly </a:t>
-            </a:r>
-            <a:r>
-              <a:rPr lang="en-US" sz="4000" i="1" dirty="0" err="1">
-                <a:latin typeface="Big Caslon Medium" panose="02000603090000020003" pitchFamily="2" charset="-79"/>
-                <a:cs typeface="Big Caslon Medium" panose="02000603090000020003" pitchFamily="2" charset="-79"/>
-              </a:rPr>
-              <a:t>Bodwin</a:t>
-            </a:r>
-            <a:r>
-              <a:rPr lang="en-US" sz="4000" i="1" dirty="0">
-                <a:latin typeface="Big Caslon Medium" panose="02000603090000020003" pitchFamily="2" charset="-79"/>
-                <a:cs typeface="Big Caslon Medium" panose="02000603090000020003" pitchFamily="2" charset="-79"/>
-              </a:rPr>
-              <a:t>, California Polytechnic State University</a:t>
-            </a:r>
-          </a:p>
-          <a:p>
-            <a:pPr>
-              <a:lnSpc>
-                <a:spcPct val="150000"/>
-              </a:lnSpc>
-            </a:pPr>
-            <a:endParaRPr lang="en-US" sz="3600" dirty="0">
-              <a:latin typeface="Britannic Bold" panose="020B0903060703020204" pitchFamily="34" charset="77"/>
-            </a:endParaRPr>
-          </a:p>
-          <a:p>
-            <a:pPr>
-              <a:lnSpc>
-                <a:spcPct val="150000"/>
-              </a:lnSpc>
-            </a:pPr>
-            <a:r>
-              <a:rPr lang="en-US" sz="4000" b="1" dirty="0">
-                <a:latin typeface="BIG CASLON MEDIUM" panose="02000603090000020003" pitchFamily="2" charset="-79"/>
-                <a:cs typeface="BIG CASLON MEDIUM" panose="02000603090000020003" pitchFamily="2" charset="-79"/>
-              </a:rPr>
-              <a:t>NSF POSE Grant #1005559</a:t>
-            </a:r>
-          </a:p>
-          <a:p>
-            <a:pPr>
-              <a:lnSpc>
-                <a:spcPct val="150000"/>
-              </a:lnSpc>
-            </a:pPr>
-            <a:r>
-              <a:rPr lang="en-US" sz="4000" b="1" dirty="0">
-                <a:solidFill>
-                  <a:srgbClr val="325CC5"/>
-                </a:solidFill>
-                <a:highlight>
-                  <a:srgbClr val="FEFEFE"/>
-                </a:highlight>
-                <a:latin typeface="BIG CASLON MEDIUM" panose="02000603090000020003" pitchFamily="2" charset="-79"/>
-                <a:cs typeface="BIG CASLON MEDIUM" panose="02000603090000020003" pitchFamily="2" charset="-79"/>
-              </a:rPr>
-              <a:t>“Building a sustainable ecosystem for </a:t>
-            </a:r>
-            <a:r>
-              <a:rPr lang="en-US" sz="4000" b="1" dirty="0" err="1">
-                <a:solidFill>
-                  <a:srgbClr val="325CC5"/>
-                </a:solidFill>
-                <a:highlight>
-                  <a:srgbClr val="FEFEFE"/>
-                </a:highlight>
-                <a:latin typeface="BIG CASLON MEDIUM" panose="02000603090000020003" pitchFamily="2" charset="-79"/>
-                <a:cs typeface="BIG CASLON MEDIUM" panose="02000603090000020003" pitchFamily="2" charset="-79"/>
-              </a:rPr>
-              <a:t>data.table</a:t>
-            </a:r>
-            <a:r>
-              <a:rPr lang="en-US" sz="4000" b="1" dirty="0">
-                <a:solidFill>
-                  <a:srgbClr val="325CC5"/>
-                </a:solidFill>
-                <a:highlight>
-                  <a:srgbClr val="FEFEFE"/>
-                </a:highlight>
-                <a:latin typeface="BIG CASLON MEDIUM" panose="02000603090000020003" pitchFamily="2" charset="-79"/>
-                <a:cs typeface="BIG CASLON MEDIUM" panose="02000603090000020003" pitchFamily="2" charset="-79"/>
-              </a:rPr>
-              <a:t>"</a:t>
-            </a:r>
-          </a:p>
-          <a:p>
-            <a:pPr>
-              <a:lnSpc>
-                <a:spcPct val="150000"/>
-              </a:lnSpc>
-            </a:pPr>
-            <a:r>
-              <a:rPr lang="en-US" sz="4000" i="1" dirty="0">
-                <a:latin typeface="BIG CASLON MEDIUM" panose="02000603090000020003" pitchFamily="2" charset="-79"/>
-                <a:cs typeface="BIG CASLON MEDIUM" panose="02000603090000020003" pitchFamily="2" charset="-79"/>
-              </a:rPr>
-              <a:t>PI: Toby Hocking, Northern Arizona University</a:t>
-            </a:r>
-          </a:p>
-          <a:p>
-            <a:pPr>
-              <a:lnSpc>
-                <a:spcPct val="150000"/>
-              </a:lnSpc>
-            </a:pPr>
-            <a:r>
-              <a:rPr lang="en-US" sz="4000" i="1" dirty="0">
-                <a:latin typeface="BIG CASLON MEDIUM" panose="02000603090000020003" pitchFamily="2" charset="-79"/>
-                <a:cs typeface="BIG CASLON MEDIUM" panose="02000603090000020003" pitchFamily="2" charset="-79"/>
-              </a:rPr>
-              <a:t>Co-Author:  Tyson Barrett, Utah State University</a:t>
-            </a:r>
           </a:p>
         </p:txBody>
       </p:sp>
@@ -4648,8 +4531,8 @@
         </p:nvSpPr>
         <p:spPr bwMode="auto">
           <a:xfrm>
-            <a:off x="533400" y="2945965"/>
-            <a:ext cx="8896293" cy="5046945"/>
+            <a:off x="681567" y="4831087"/>
+            <a:ext cx="11367486" cy="14676113"/>
           </a:xfrm>
           <a:prstGeom prst="rect">
             <a:avLst/>
@@ -4667,210 +4550,331 @@
           </a:ln>
         </p:spPr>
         <p:txBody>
-          <a:bodyPr lIns="466134" tIns="466134" rIns="466134" bIns="466134"/>
+          <a:bodyPr lIns="595616" tIns="595616" rIns="595616" bIns="595616"/>
           <a:lstStyle/>
           <a:p>
-            <a:pPr marL="304815" indent="-304815" defTabSz="585288"/>
-            <a:endParaRPr lang="en-US" sz="2000" dirty="0"/>
+            <a:pPr marL="389493" indent="-389493" defTabSz="747881"/>
+            <a:endParaRPr lang="en-US" sz="2556" dirty="0"/>
           </a:p>
           <a:p>
             <a:pPr fontAlgn="base"/>
             <a:r>
-              <a:rPr lang="en-US" sz="3600" dirty="0">
-                <a:effectLst/>
+              <a:rPr lang="en-US" sz="4600" dirty="0">
                 <a:latin typeface="inherit"/>
               </a:rPr>
               <a:t>🔅 Access to </a:t>
             </a:r>
             <a:r>
-              <a:rPr lang="en-US" sz="3600" b="1" dirty="0">
+              <a:rPr lang="en-US" sz="4600" b="1" dirty="0">
                 <a:solidFill>
                   <a:srgbClr val="85394D"/>
                 </a:solidFill>
-                <a:effectLst/>
                 <a:latin typeface="inherit"/>
               </a:rPr>
               <a:t>social connections</a:t>
             </a:r>
             <a:r>
-              <a:rPr lang="en-US" sz="3600" dirty="0">
-                <a:effectLst/>
-                <a:latin typeface="inherit"/>
-              </a:rPr>
-              <a:t> with other </a:t>
-            </a:r>
-            <a:r>
-              <a:rPr lang="en-US" sz="3600" dirty="0" err="1">
-                <a:effectLst/>
-                <a:latin typeface="inherit"/>
-              </a:rPr>
-              <a:t>data.table</a:t>
-            </a:r>
-            <a:r>
-              <a:rPr lang="en-US" sz="3600" dirty="0">
-                <a:effectLst/>
-                <a:latin typeface="inherit"/>
-              </a:rPr>
-              <a:t> users</a:t>
+              <a:rPr lang="en-US" sz="4600" dirty="0">
+                <a:latin typeface="inherit"/>
+              </a:rPr>
+              <a:t> with other users</a:t>
             </a:r>
           </a:p>
           <a:p>
             <a:pPr fontAlgn="base"/>
             <a:r>
-              <a:rPr lang="en-US" sz="3600" dirty="0">
-                <a:effectLst/>
+              <a:rPr lang="en-US" sz="4600" dirty="0">
                 <a:latin typeface="inherit"/>
               </a:rPr>
               <a:t>  → 🦣 </a:t>
             </a:r>
             <a:r>
-              <a:rPr lang="en-US" sz="3600" dirty="0" err="1">
-                <a:effectLst/>
+              <a:rPr lang="en-US" sz="4600" dirty="0" err="1">
                 <a:latin typeface="inherit"/>
               </a:rPr>
               <a:t>fosstodon.org</a:t>
             </a:r>
             <a:r>
-              <a:rPr lang="en-US" sz="3600" dirty="0">
-                <a:effectLst/>
+              <a:rPr lang="en-US" sz="4600" dirty="0">
                 <a:latin typeface="inherit"/>
               </a:rPr>
               <a:t>/@</a:t>
             </a:r>
             <a:r>
-              <a:rPr lang="en-US" sz="3600" dirty="0" err="1">
-                <a:effectLst/>
+              <a:rPr lang="en-US" sz="4600" dirty="0" err="1">
                 <a:latin typeface="inherit"/>
               </a:rPr>
               <a:t>r_data_table</a:t>
             </a:r>
-            <a:endParaRPr lang="en-US" sz="3600" dirty="0">
-              <a:effectLst/>
+            <a:endParaRPr lang="en-US" sz="4600" dirty="0">
               <a:latin typeface="inherit"/>
             </a:endParaRPr>
           </a:p>
           <a:p>
             <a:pPr fontAlgn="base"/>
             <a:r>
-              <a:rPr lang="en-US" sz="3600" dirty="0">
-                <a:effectLst/>
+              <a:rPr lang="en-US" sz="4600" dirty="0">
                 <a:latin typeface="inherit"/>
               </a:rPr>
               <a:t>  → ⛅ </a:t>
             </a:r>
             <a:r>
-              <a:rPr lang="en-US" sz="3600" dirty="0" err="1">
-                <a:effectLst/>
+              <a:rPr lang="en-US" sz="4600" dirty="0" err="1">
                 <a:latin typeface="inherit"/>
               </a:rPr>
               <a:t>rdatatable.bsky.social</a:t>
             </a:r>
-            <a:endParaRPr lang="en-US" sz="3600" dirty="0">
-              <a:effectLst/>
+            <a:endParaRPr lang="en-US" sz="4600" dirty="0">
               <a:latin typeface="inherit"/>
             </a:endParaRPr>
           </a:p>
           <a:p>
             <a:pPr fontAlgn="base"/>
             <a:r>
-              <a:rPr lang="en-US" sz="3600" dirty="0">
-                <a:effectLst/>
+              <a:rPr lang="en-US" sz="4600" dirty="0">
                 <a:latin typeface="inherit"/>
               </a:rPr>
               <a:t>  → 🐦 </a:t>
             </a:r>
             <a:r>
-              <a:rPr lang="en-US" sz="3600" dirty="0" err="1">
-                <a:effectLst/>
+              <a:rPr lang="en-US" sz="4600" dirty="0" err="1">
                 <a:latin typeface="inherit"/>
               </a:rPr>
               <a:t>twitter.com</a:t>
             </a:r>
             <a:r>
-              <a:rPr lang="en-US" sz="3600" dirty="0">
-                <a:effectLst/>
+              <a:rPr lang="en-US" sz="4600" dirty="0">
                 <a:latin typeface="inherit"/>
               </a:rPr>
               <a:t>/</a:t>
             </a:r>
             <a:r>
-              <a:rPr lang="en-US" sz="3600" dirty="0" err="1">
-                <a:effectLst/>
+              <a:rPr lang="en-US" sz="4600" dirty="0" err="1">
                 <a:latin typeface="inherit"/>
               </a:rPr>
               <a:t>r_data_table</a:t>
             </a:r>
-            <a:endParaRPr lang="en-US" sz="3600" dirty="0">
-              <a:effectLst/>
+            <a:endParaRPr lang="en-US" sz="4600" dirty="0">
               <a:latin typeface="inherit"/>
             </a:endParaRPr>
           </a:p>
           <a:p>
             <a:pPr fontAlgn="base"/>
-            <a:r>
-              <a:rPr lang="en-US" sz="3600" dirty="0">
-                <a:effectLst/>
+            <a:endParaRPr lang="en-US" sz="4600" dirty="0">
+              <a:latin typeface="inherit"/>
+            </a:endParaRPr>
+          </a:p>
+          <a:p>
+            <a:pPr fontAlgn="base"/>
+            <a:r>
+              <a:rPr lang="en-US" sz="4600" dirty="0">
                 <a:latin typeface="inherit"/>
               </a:rPr>
               <a:t>🔅 Regular </a:t>
             </a:r>
             <a:r>
-              <a:rPr lang="en-US" sz="3600" b="1" dirty="0">
+              <a:rPr lang="en-US" sz="4600" b="1" dirty="0">
                 <a:solidFill>
                   <a:srgbClr val="85394D"/>
                 </a:solidFill>
-                <a:effectLst/>
-                <a:latin typeface="inherit"/>
-              </a:rPr>
-              <a:t>fresh content</a:t>
-            </a:r>
-            <a:r>
-              <a:rPr lang="en-US" sz="3600" dirty="0">
-                <a:effectLst/>
-                <a:latin typeface="inherit"/>
-              </a:rPr>
-              <a:t> about </a:t>
-            </a:r>
-            <a:r>
-              <a:rPr lang="en-US" sz="3600" dirty="0" err="1">
-                <a:effectLst/>
-                <a:latin typeface="inherit"/>
-              </a:rPr>
-              <a:t>data.table</a:t>
-            </a:r>
-            <a:endParaRPr lang="en-US" sz="3600" dirty="0">
-              <a:effectLst/>
+                <a:latin typeface="inherit"/>
+              </a:rPr>
+              <a:t>new content</a:t>
+            </a:r>
+            <a:r>
+              <a:rPr lang="en-US" sz="4600" dirty="0">
+                <a:latin typeface="inherit"/>
+              </a:rPr>
+              <a:t> via blogs, etc.</a:t>
+            </a:r>
+          </a:p>
+          <a:p>
+            <a:pPr fontAlgn="base"/>
+            <a:r>
+              <a:rPr lang="en-US" sz="4600" dirty="0">
+                <a:latin typeface="inherit"/>
+              </a:rPr>
+              <a:t>  → </a:t>
+            </a:r>
+            <a:r>
+              <a:rPr lang="en-US" sz="4600" dirty="0">
+                <a:latin typeface="inherit"/>
+                <a:hlinkClick r:id="rId5"/>
+              </a:rPr>
+              <a:t>Blog: The Raft</a:t>
+            </a:r>
+            <a:endParaRPr lang="en-US" sz="4600" dirty="0">
               <a:latin typeface="inherit"/>
             </a:endParaRPr>
           </a:p>
           <a:p>
-            <a:pPr fontAlgn="base"/>
-            <a:r>
-              <a:rPr lang="en-US" sz="3600" dirty="0">
-                <a:effectLst/>
+            <a:r>
+              <a:rPr lang="en-US" sz="4600" dirty="0">
                 <a:latin typeface="inherit"/>
               </a:rPr>
               <a:t>  → </a:t>
             </a:r>
             <a:r>
-              <a:rPr lang="en-US" sz="3600" u="none" strike="noStrike" dirty="0">
-                <a:effectLst/>
-                <a:latin typeface="inherit"/>
-                <a:hlinkClick r:id="rId5"/>
-              </a:rPr>
-              <a:t>Blog: The Raft</a:t>
-            </a:r>
-            <a:endParaRPr lang="en-US" sz="3600" dirty="0">
-              <a:effectLst/>
+              <a:rPr lang="en-US" sz="4600" dirty="0">
+                <a:latin typeface="inherit"/>
+                <a:hlinkClick r:id="rId6"/>
+              </a:rPr>
+              <a:t>RWeekly</a:t>
+            </a:r>
+            <a:r>
+              <a:rPr lang="en-US" sz="4600" dirty="0">
+                <a:latin typeface="inherit"/>
+              </a:rPr>
+              <a:t> blog roundup</a:t>
+            </a:r>
+          </a:p>
+          <a:p>
+            <a:endParaRPr lang="en-US" sz="4600" dirty="0">
               <a:latin typeface="inherit"/>
             </a:endParaRPr>
           </a:p>
           <a:p>
-            <a:pPr marL="304815" indent="-304815" defTabSz="585288">
+            <a:pPr fontAlgn="base"/>
+            <a:r>
+              <a:rPr lang="en-US" sz="4600" dirty="0">
+                <a:latin typeface="inherit"/>
+              </a:rPr>
+              <a:t>🔅 Creation of </a:t>
+            </a:r>
+            <a:r>
+              <a:rPr lang="en-US" sz="4600" b="1" dirty="0">
+                <a:solidFill>
+                  <a:srgbClr val="85394D"/>
+                </a:solidFill>
+                <a:latin typeface="inherit"/>
+              </a:rPr>
+              <a:t>personal connections</a:t>
+            </a:r>
+            <a:r>
+              <a:rPr lang="en-US" sz="4600" dirty="0">
+                <a:latin typeface="inherit"/>
+              </a:rPr>
+              <a:t> and</a:t>
+            </a:r>
+            <a:r>
+              <a:rPr lang="en-US" sz="4600" b="1" dirty="0">
+                <a:solidFill>
+                  <a:srgbClr val="85394D"/>
+                </a:solidFill>
+                <a:latin typeface="inherit"/>
+              </a:rPr>
+              <a:t> traditions</a:t>
+            </a:r>
+            <a:r>
+              <a:rPr lang="en-US" sz="4600" dirty="0">
+                <a:latin typeface="inherit"/>
+              </a:rPr>
+              <a:t> in the community</a:t>
+            </a:r>
+          </a:p>
+          <a:p>
+            <a:pPr fontAlgn="base"/>
+            <a:r>
+              <a:rPr lang="en-US" sz="4600" dirty="0">
+                <a:latin typeface="inherit"/>
+              </a:rPr>
+              <a:t>  → </a:t>
+            </a:r>
+            <a:r>
+              <a:rPr lang="en-US" sz="4600" dirty="0">
+                <a:latin typeface="inherit"/>
+                <a:hlinkClick r:id="rId7"/>
+              </a:rPr>
+              <a:t>Travel grants for contributors</a:t>
+            </a:r>
+            <a:endParaRPr lang="en-US" sz="4600" dirty="0">
+              <a:latin typeface="inherit"/>
+            </a:endParaRPr>
+          </a:p>
+          <a:p>
+            <a:pPr fontAlgn="base"/>
+            <a:r>
+              <a:rPr lang="en-US" sz="4600" dirty="0">
+                <a:latin typeface="inherit"/>
+              </a:rPr>
+              <a:t>  → Conferences and meetups.</a:t>
+            </a:r>
+          </a:p>
+          <a:p>
+            <a:pPr fontAlgn="base"/>
+            <a:endParaRPr lang="en-US" sz="4600" dirty="0">
+              <a:latin typeface="inherit"/>
+            </a:endParaRPr>
+          </a:p>
+          <a:p>
+            <a:pPr fontAlgn="base"/>
+            <a:r>
+              <a:rPr lang="en-US" sz="4600" dirty="0">
+                <a:latin typeface="inherit"/>
+              </a:rPr>
+              <a:t>🔅 Clear </a:t>
+            </a:r>
+            <a:r>
+              <a:rPr lang="en-US" sz="4600" b="1" dirty="0">
+                <a:solidFill>
+                  <a:srgbClr val="85394D"/>
+                </a:solidFill>
+                <a:latin typeface="inherit"/>
+              </a:rPr>
+              <a:t>bridges</a:t>
+            </a:r>
+            <a:r>
+              <a:rPr lang="en-US" sz="4600" dirty="0">
+                <a:latin typeface="inherit"/>
+              </a:rPr>
+              <a:t> and </a:t>
+            </a:r>
+            <a:r>
+              <a:rPr lang="en-US" sz="4600" b="1" dirty="0">
+                <a:solidFill>
+                  <a:srgbClr val="85394D"/>
+                </a:solidFill>
+                <a:latin typeface="inherit"/>
+              </a:rPr>
+              <a:t>partnerships</a:t>
+            </a:r>
+            <a:r>
+              <a:rPr lang="en-US" sz="4600" dirty="0">
+                <a:latin typeface="inherit"/>
+              </a:rPr>
+              <a:t> to other communities.</a:t>
+            </a:r>
+          </a:p>
+          <a:p>
+            <a:pPr fontAlgn="base"/>
+            <a:r>
+              <a:rPr lang="en-US" sz="4600" dirty="0">
+                <a:latin typeface="inherit"/>
+              </a:rPr>
+              <a:t>  → Connections to python/Julia</a:t>
+            </a:r>
+          </a:p>
+          <a:p>
+            <a:pPr fontAlgn="base"/>
+            <a:r>
+              <a:rPr lang="en-US" sz="4600" dirty="0">
+                <a:latin typeface="inherit"/>
+              </a:rPr>
+              <a:t>  → Multilingual conferences</a:t>
+            </a:r>
+          </a:p>
+          <a:p>
+            <a:pPr fontAlgn="base"/>
+            <a:endParaRPr lang="en-US" sz="4600" dirty="0">
+              <a:latin typeface="inherit"/>
+            </a:endParaRPr>
+          </a:p>
+          <a:p>
+            <a:pPr marL="389493" indent="-389493" defTabSz="747881">
               <a:buFont typeface="Arial"/>
               <a:buChar char="•"/>
             </a:pPr>
-            <a:endParaRPr lang="en-US" sz="3600" dirty="0">
+            <a:endParaRPr lang="en-US" sz="4600" dirty="0">
               <a:latin typeface="Garamond Premr Pro Med"/>
               <a:cs typeface="Garamond Premr Pro Med"/>
             </a:endParaRPr>
@@ -4879,318 +4883,6 @@
       </p:sp>
       <p:sp>
         <p:nvSpPr>
-          <p:cNvPr id="53" name="Text Box 12"/>
-          <p:cNvSpPr txBox="1">
-            <a:spLocks noChangeArrowheads="1"/>
-          </p:cNvSpPr>
-          <p:nvPr/>
-        </p:nvSpPr>
-        <p:spPr bwMode="auto">
-          <a:xfrm>
-            <a:off x="533399" y="14411387"/>
-            <a:ext cx="8896293" cy="7000813"/>
-          </a:xfrm>
-          <a:prstGeom prst="rect">
-            <a:avLst/>
-          </a:prstGeom>
-          <a:solidFill>
-            <a:schemeClr val="bg1"/>
-          </a:solidFill>
-          <a:ln w="38100">
-            <a:solidFill>
-              <a:srgbClr val="00539F"/>
-            </a:solidFill>
-            <a:miter lim="800000"/>
-            <a:headEnd/>
-            <a:tailEnd/>
-          </a:ln>
-        </p:spPr>
-        <p:txBody>
-          <a:bodyPr lIns="466134" tIns="466134" rIns="466134" bIns="466134"/>
-          <a:lstStyle/>
-          <a:p>
-            <a:pPr fontAlgn="base"/>
-            <a:r>
-              <a:rPr lang="en-US" sz="3600" dirty="0">
-                <a:effectLst/>
-                <a:latin typeface="inherit"/>
-              </a:rPr>
-              <a:t>🔅 Continued </a:t>
-            </a:r>
-            <a:r>
-              <a:rPr lang="en-US" sz="3600" b="1" dirty="0">
-                <a:solidFill>
-                  <a:srgbClr val="85394D"/>
-                </a:solidFill>
-                <a:effectLst/>
-                <a:latin typeface="inherit"/>
-              </a:rPr>
-              <a:t>relevance</a:t>
-            </a:r>
-            <a:r>
-              <a:rPr lang="en-US" sz="3600" dirty="0">
-                <a:effectLst/>
-                <a:latin typeface="inherit"/>
-              </a:rPr>
-              <a:t> of </a:t>
-            </a:r>
-            <a:r>
-              <a:rPr lang="en-US" sz="3600" dirty="0" err="1">
-                <a:effectLst/>
-                <a:latin typeface="inherit"/>
-              </a:rPr>
-              <a:t>data.table</a:t>
-            </a:r>
-            <a:r>
-              <a:rPr lang="en-US" sz="3600" dirty="0">
-                <a:effectLst/>
-                <a:latin typeface="inherit"/>
-              </a:rPr>
-              <a:t> to their work</a:t>
-            </a:r>
-          </a:p>
-          <a:p>
-            <a:pPr fontAlgn="base"/>
-            <a:r>
-              <a:rPr lang="en-US" sz="3600" dirty="0">
-                <a:effectLst/>
-                <a:latin typeface="inherit"/>
-              </a:rPr>
-              <a:t>	→ </a:t>
-            </a:r>
-            <a:r>
-              <a:rPr lang="en-US" sz="3600" i="1" dirty="0">
-                <a:effectLst/>
-                <a:latin typeface="inherit"/>
-              </a:rPr>
-              <a:t>Coming Soon:</a:t>
-            </a:r>
-            <a:r>
-              <a:rPr lang="en-US" sz="3600" dirty="0">
-                <a:effectLst/>
-                <a:latin typeface="inherit"/>
-              </a:rPr>
-              <a:t>  </a:t>
-            </a:r>
-            <a:r>
-              <a:rPr lang="en-US" sz="3600" b="1" dirty="0">
-                <a:solidFill>
-                  <a:srgbClr val="85394D"/>
-                </a:solidFill>
-                <a:effectLst/>
-                <a:latin typeface="inherit"/>
-              </a:rPr>
-              <a:t>Seal of Approval</a:t>
-            </a:r>
-            <a:endParaRPr lang="en-US" sz="3600" dirty="0">
-              <a:effectLst/>
-              <a:latin typeface="inherit"/>
-            </a:endParaRPr>
-          </a:p>
-          <a:p>
-            <a:pPr fontAlgn="base"/>
-            <a:r>
-              <a:rPr lang="en-US" sz="3600" dirty="0">
-                <a:effectLst/>
-                <a:latin typeface="inherit"/>
-              </a:rPr>
-              <a:t>🔅 Existence of </a:t>
-            </a:r>
-            <a:r>
-              <a:rPr lang="en-US" sz="3600" b="1" dirty="0">
-                <a:solidFill>
-                  <a:srgbClr val="85394D"/>
-                </a:solidFill>
-                <a:effectLst/>
-                <a:latin typeface="inherit"/>
-              </a:rPr>
-              <a:t>resources</a:t>
-            </a:r>
-            <a:r>
-              <a:rPr lang="en-US" sz="3600" dirty="0">
-                <a:effectLst/>
-                <a:latin typeface="inherit"/>
-              </a:rPr>
-              <a:t> and </a:t>
-            </a:r>
-            <a:r>
-              <a:rPr lang="en-US" sz="3600" b="1" dirty="0">
-                <a:solidFill>
-                  <a:srgbClr val="85394D"/>
-                </a:solidFill>
-                <a:effectLst/>
-                <a:latin typeface="inherit"/>
-              </a:rPr>
-              <a:t>references</a:t>
-            </a:r>
-            <a:endParaRPr lang="en-US" sz="3600" dirty="0">
-              <a:effectLst/>
-              <a:latin typeface="inherit"/>
-            </a:endParaRPr>
-          </a:p>
-          <a:p>
-            <a:pPr fontAlgn="base"/>
-            <a:r>
-              <a:rPr lang="en-US" sz="3600" dirty="0">
-                <a:effectLst/>
-                <a:latin typeface="inherit"/>
-              </a:rPr>
-              <a:t>  → </a:t>
-            </a:r>
-            <a:r>
-              <a:rPr lang="en-US" sz="3600" i="1" dirty="0">
-                <a:effectLst/>
-                <a:latin typeface="inherit"/>
-              </a:rPr>
-              <a:t>Coming Soon:</a:t>
-            </a:r>
-            <a:r>
-              <a:rPr lang="en-US" sz="3600" dirty="0">
-                <a:effectLst/>
-                <a:latin typeface="inherit"/>
-              </a:rPr>
-              <a:t> Online class</a:t>
-            </a:r>
-          </a:p>
-          <a:p>
-            <a:pPr fontAlgn="base"/>
-            <a:r>
-              <a:rPr lang="en-US" sz="3600" dirty="0">
-                <a:effectLst/>
-                <a:latin typeface="inherit"/>
-              </a:rPr>
-              <a:t>  → </a:t>
-            </a:r>
-            <a:r>
-              <a:rPr lang="en-US" sz="3600" i="1" dirty="0">
-                <a:effectLst/>
-                <a:latin typeface="inherit"/>
-              </a:rPr>
-              <a:t>Coming Later:</a:t>
-            </a:r>
-            <a:r>
-              <a:rPr lang="en-US" sz="3600" dirty="0">
-                <a:effectLst/>
-                <a:latin typeface="inherit"/>
-              </a:rPr>
-              <a:t> A </a:t>
-            </a:r>
-            <a:r>
-              <a:rPr lang="en-US" sz="3600" dirty="0" err="1">
-                <a:effectLst/>
-                <a:latin typeface="inherit"/>
-              </a:rPr>
-              <a:t>data.table</a:t>
-            </a:r>
-            <a:r>
-              <a:rPr lang="en-US" sz="3600" dirty="0">
-                <a:effectLst/>
-                <a:latin typeface="inherit"/>
-              </a:rPr>
-              <a:t> textbook.</a:t>
-            </a:r>
-          </a:p>
-          <a:p>
-            <a:pPr fontAlgn="base"/>
-            <a:r>
-              <a:rPr lang="en-US" sz="3600" dirty="0">
-                <a:effectLst/>
-                <a:latin typeface="inherit"/>
-              </a:rPr>
-              <a:t>🔅 Creation of </a:t>
-            </a:r>
-            <a:r>
-              <a:rPr lang="en-US" sz="3600" b="1" dirty="0">
-                <a:solidFill>
-                  <a:srgbClr val="85394D"/>
-                </a:solidFill>
-                <a:effectLst/>
-                <a:latin typeface="inherit"/>
-              </a:rPr>
-              <a:t>personal connections</a:t>
-            </a:r>
-            <a:r>
-              <a:rPr lang="en-US" sz="3600" dirty="0">
-                <a:effectLst/>
-                <a:latin typeface="inherit"/>
-              </a:rPr>
-              <a:t> and </a:t>
-            </a:r>
-            <a:r>
-              <a:rPr lang="en-US" sz="3600" b="1" dirty="0">
-                <a:solidFill>
-                  <a:srgbClr val="85394D"/>
-                </a:solidFill>
-                <a:effectLst/>
-                <a:latin typeface="inherit"/>
-              </a:rPr>
-              <a:t>friendships</a:t>
-            </a:r>
-            <a:r>
-              <a:rPr lang="en-US" sz="3600" dirty="0">
-                <a:effectLst/>
-                <a:latin typeface="inherit"/>
-              </a:rPr>
-              <a:t> and </a:t>
-            </a:r>
-            <a:r>
-              <a:rPr lang="en-US" sz="3600" b="1" dirty="0">
-                <a:solidFill>
-                  <a:srgbClr val="85394D"/>
-                </a:solidFill>
-                <a:effectLst/>
-                <a:latin typeface="inherit"/>
-              </a:rPr>
-              <a:t>fun traditions</a:t>
-            </a:r>
-            <a:r>
-              <a:rPr lang="en-US" sz="3600" dirty="0">
-                <a:effectLst/>
-                <a:latin typeface="inherit"/>
-              </a:rPr>
-              <a:t> in the community</a:t>
-            </a:r>
-          </a:p>
-          <a:p>
-            <a:pPr fontAlgn="base"/>
-            <a:r>
-              <a:rPr lang="en-US" sz="3600" dirty="0">
-                <a:effectLst/>
-                <a:latin typeface="inherit"/>
-              </a:rPr>
-              <a:t>  → </a:t>
-            </a:r>
-            <a:r>
-              <a:rPr lang="en-US" sz="3600" u="none" strike="noStrike" dirty="0">
-                <a:effectLst/>
-                <a:latin typeface="inherit"/>
-                <a:hlinkClick r:id="rId6"/>
-              </a:rPr>
-              <a:t>Travel grant for contributors</a:t>
-            </a:r>
-            <a:endParaRPr lang="en-US" sz="3600" dirty="0">
-              <a:effectLst/>
-              <a:latin typeface="inherit"/>
-            </a:endParaRPr>
-          </a:p>
-          <a:p>
-            <a:pPr fontAlgn="base"/>
-            <a:r>
-              <a:rPr lang="en-US" sz="3600" dirty="0">
-                <a:effectLst/>
-                <a:latin typeface="inherit"/>
-              </a:rPr>
-              <a:t>  → Talks, meetups, and giveaways!</a:t>
-            </a:r>
-            <a:endParaRPr lang="en-US" sz="2000" dirty="0">
-              <a:latin typeface="Garamond Premr Pro Med"/>
-              <a:cs typeface="Garamond Premr Pro Med"/>
-            </a:endParaRPr>
-          </a:p>
-        </p:txBody>
-      </p:sp>
-      <p:sp>
-        <p:nvSpPr>
           <p:cNvPr id="56" name="Text Box 17"/>
           <p:cNvSpPr txBox="1">
             <a:spLocks noChangeArrowheads="1"/>
@@ -5199,8 +4891,8 @@
         </p:nvSpPr>
         <p:spPr bwMode="auto">
           <a:xfrm>
-            <a:off x="1527676" y="8518863"/>
-            <a:ext cx="6276279" cy="676545"/>
+            <a:off x="1952031" y="20739645"/>
+            <a:ext cx="8019690" cy="864431"/>
           </a:xfrm>
           <a:prstGeom prst="rect">
             <a:avLst/>
@@ -5225,23 +4917,23 @@
           </a:effectLst>
         </p:spPr>
         <p:txBody>
-          <a:bodyPr wrap="square" lIns="60405" tIns="30201" rIns="60405" bIns="30201">
+          <a:bodyPr wrap="square" lIns="77184" tIns="38590" rIns="77184" bIns="38590">
             <a:spAutoFit/>
           </a:bodyPr>
           <a:lstStyle/>
           <a:p>
-            <a:pPr algn="ctr" defTabSz="600105" eaLnBrk="0" hangingPunct="0">
+            <a:pPr algn="ctr" defTabSz="766814" eaLnBrk="0" hangingPunct="0">
               <a:defRPr/>
             </a:pPr>
             <a:r>
-              <a:rPr lang="en-US" sz="4000" dirty="0">
+              <a:rPr lang="en-US" sz="5111" dirty="0">
                 <a:solidFill>
                   <a:schemeClr val="bg1"/>
                 </a:solidFill>
                 <a:latin typeface="Myriad Pro Semibold"/>
                 <a:cs typeface="Myriad Pro Semibold"/>
               </a:rPr>
-              <a:t>Community Evolution</a:t>
+              <a:t>Education and Access</a:t>
             </a:r>
           </a:p>
         </p:txBody>
@@ -5256,8 +4948,8 @@
         </p:nvSpPr>
         <p:spPr bwMode="auto">
           <a:xfrm>
-            <a:off x="968015" y="939644"/>
-            <a:ext cx="7401689" cy="984322"/>
+            <a:off x="1233018" y="2228237"/>
+            <a:ext cx="9457714" cy="1257808"/>
           </a:xfrm>
           <a:prstGeom prst="rect">
             <a:avLst/>
@@ -5282,30 +4974,30 @@
           </a:effectLst>
         </p:spPr>
         <p:txBody>
-          <a:bodyPr wrap="square" lIns="60405" tIns="30201" rIns="60405" bIns="30201">
+          <a:bodyPr wrap="square" lIns="77184" tIns="38590" rIns="77184" bIns="38590">
             <a:spAutoFit/>
           </a:bodyPr>
           <a:lstStyle/>
           <a:p>
-            <a:pPr algn="ctr" defTabSz="600105" eaLnBrk="0" hangingPunct="0">
+            <a:pPr algn="ctr" defTabSz="766814" eaLnBrk="0" hangingPunct="0">
               <a:defRPr/>
             </a:pPr>
             <a:r>
-              <a:rPr lang="en-US" sz="6000" dirty="0">
+              <a:rPr lang="en-US" sz="7667" dirty="0">
                 <a:solidFill>
                   <a:schemeClr val="bg1"/>
                 </a:solidFill>
                 <a:latin typeface="Britannic Bold" panose="020B0903060703020204" pitchFamily="34" charset="77"/>
                 <a:cs typeface="Myriad Pro Semibold"/>
               </a:rPr>
-              <a:t>The User Community</a:t>
-            </a:r>
-          </a:p>
-        </p:txBody>
-      </p:sp>
-      <p:sp>
-        <p:nvSpPr>
-          <p:cNvPr id="60" name="Text Box 21"/>
+              <a:t>Reach</a:t>
+            </a:r>
+          </a:p>
+        </p:txBody>
+      </p:sp>
+      <p:sp>
+        <p:nvSpPr>
+          <p:cNvPr id="61" name="Text Box 25"/>
           <p:cNvSpPr txBox="1">
             <a:spLocks noChangeArrowheads="1"/>
           </p:cNvSpPr>
@@ -5313,8 +5005,8 @@
         </p:nvSpPr>
         <p:spPr bwMode="auto">
           <a:xfrm>
-            <a:off x="1527675" y="13985974"/>
-            <a:ext cx="6276279" cy="676545"/>
+            <a:off x="30860188" y="2358935"/>
+            <a:ext cx="9951393" cy="1257808"/>
           </a:xfrm>
           <a:prstGeom prst="rect">
             <a:avLst/>
@@ -5339,30 +5031,36 @@
           </a:effectLst>
         </p:spPr>
         <p:txBody>
-          <a:bodyPr wrap="square" lIns="60405" tIns="30201" rIns="60405" bIns="30201">
+          <a:bodyPr wrap="square" lIns="77184" tIns="38590" rIns="77184" bIns="38590">
             <a:spAutoFit/>
           </a:bodyPr>
           <a:lstStyle/>
           <a:p>
-            <a:pPr algn="ctr" defTabSz="600105" eaLnBrk="0" hangingPunct="0">
+            <a:pPr algn="ctr" defTabSz="766814" eaLnBrk="0" hangingPunct="0">
               <a:defRPr/>
             </a:pPr>
             <a:r>
-              <a:rPr lang="en-US" sz="4000" dirty="0">
+              <a:rPr lang="en-US" sz="7667" dirty="0">
                 <a:solidFill>
                   <a:schemeClr val="bg1"/>
                 </a:solidFill>
-                <a:latin typeface="Myriad Pro Semibold"/>
-                <a:cs typeface="Myriad Pro Light"/>
-              </a:rPr>
-              <a:t>Enduring Connections</a:t>
-            </a:r>
-          </a:p>
-        </p:txBody>
-      </p:sp>
-      <p:sp>
-        <p:nvSpPr>
-          <p:cNvPr id="61" name="Text Box 25"/>
+                <a:latin typeface="Britannic Bold" panose="020B0903060703020204" pitchFamily="34" charset="77"/>
+                <a:cs typeface="Myriad Pro Semibold"/>
+              </a:rPr>
+              <a:t>Resources</a:t>
+            </a:r>
+          </a:p>
+        </p:txBody>
+      </p:sp>
+      <p:sp>
+        <p:nvSpPr>
+          <p:cNvPr id="4" name="Text Box 17">
+            <a:extLst>
+              <a:ext uri="{FF2B5EF4-FFF2-40B4-BE49-F238E27FC236}">
+                <a16:creationId xmlns:a16="http://schemas.microsoft.com/office/drawing/2014/main" id="{0A196470-A19E-DF11-5345-C76B6D6F051A}"/>
+              </a:ext>
+            </a:extLst>
+          </p:cNvPr>
           <p:cNvSpPr txBox="1">
             <a:spLocks noChangeArrowheads="1"/>
           </p:cNvSpPr>
@@ -5370,8 +5068,8 @@
         </p:nvSpPr>
         <p:spPr bwMode="auto">
           <a:xfrm>
-            <a:off x="24151451" y="1011236"/>
-            <a:ext cx="7788047" cy="984322"/>
+            <a:off x="1952031" y="4359525"/>
+            <a:ext cx="8019690" cy="943107"/>
           </a:xfrm>
           <a:prstGeom prst="rect">
             <a:avLst/>
@@ -5396,27 +5094,1140 @@
           </a:effectLst>
         </p:spPr>
         <p:txBody>
-          <a:bodyPr wrap="square" lIns="60405" tIns="30201" rIns="60405" bIns="30201">
+          <a:bodyPr wrap="square" lIns="77184" tIns="38590" rIns="77184" bIns="38590">
             <a:spAutoFit/>
           </a:bodyPr>
           <a:lstStyle/>
           <a:p>
-            <a:pPr algn="ctr" defTabSz="600105" eaLnBrk="0" hangingPunct="0">
+            <a:pPr algn="ctr" defTabSz="766814" eaLnBrk="0" hangingPunct="0">
               <a:defRPr/>
             </a:pPr>
             <a:r>
-              <a:rPr lang="en-US" sz="6000" dirty="0">
+              <a:rPr lang="en-US" sz="5622" dirty="0">
                 <a:solidFill>
                   <a:schemeClr val="bg1"/>
                 </a:solidFill>
-                <a:latin typeface="Britannic Bold" panose="020B0903060703020204" pitchFamily="34" charset="77"/>
+                <a:latin typeface="Myriad Pro Semibold"/>
                 <a:cs typeface="Myriad Pro Semibold"/>
               </a:rPr>
-              <a:t>The Developer Team</a:t>
-            </a:r>
-          </a:p>
-        </p:txBody>
-      </p:sp>
+              <a:t>Community</a:t>
+            </a:r>
+          </a:p>
+        </p:txBody>
+      </p:sp>
+      <p:sp>
+        <p:nvSpPr>
+          <p:cNvPr id="9" name="Text Box 16">
+            <a:extLst>
+              <a:ext uri="{FF2B5EF4-FFF2-40B4-BE49-F238E27FC236}">
+                <a16:creationId xmlns:a16="http://schemas.microsoft.com/office/drawing/2014/main" id="{67F080EF-889A-B307-208B-6C1161D080C7}"/>
+              </a:ext>
+            </a:extLst>
+          </p:cNvPr>
+          <p:cNvSpPr txBox="1">
+            <a:spLocks noChangeArrowheads="1"/>
+          </p:cNvSpPr>
+          <p:nvPr/>
+        </p:nvSpPr>
+        <p:spPr bwMode="auto">
+          <a:xfrm>
+            <a:off x="29771387" y="14308403"/>
+            <a:ext cx="11506276" cy="15240306"/>
+          </a:xfrm>
+          <a:prstGeom prst="rect">
+            <a:avLst/>
+          </a:prstGeom>
+          <a:solidFill>
+            <a:schemeClr val="bg1"/>
+          </a:solidFill>
+          <a:ln w="38100">
+            <a:solidFill>
+              <a:srgbClr val="00539F"/>
+            </a:solidFill>
+            <a:miter lim="800000"/>
+            <a:headEnd/>
+            <a:tailEnd/>
+          </a:ln>
+        </p:spPr>
+        <p:txBody>
+          <a:bodyPr lIns="595616" tIns="595616" rIns="595616" bIns="595616"/>
+          <a:lstStyle/>
+          <a:p>
+            <a:pPr marL="389493" indent="-389493" defTabSz="747881"/>
+            <a:endParaRPr lang="en-US" sz="2556" dirty="0"/>
+          </a:p>
+          <a:p>
+            <a:pPr fontAlgn="base"/>
+            <a:r>
+              <a:rPr lang="en-US" sz="4600" dirty="0">
+                <a:latin typeface="inherit"/>
+              </a:rPr>
+              <a:t>🔅</a:t>
+            </a:r>
+            <a:r>
+              <a:rPr lang="en-US" sz="4600" u="sng" dirty="0">
+                <a:latin typeface="inherit"/>
+              </a:rPr>
+              <a:t> </a:t>
+            </a:r>
+            <a:r>
+              <a:rPr lang="en-US" sz="4600" b="1" u="sng" dirty="0">
+                <a:solidFill>
+                  <a:srgbClr val="85394D"/>
+                </a:solidFill>
+                <a:latin typeface="inherit"/>
+              </a:rPr>
+              <a:t>Industry: </a:t>
+            </a:r>
+          </a:p>
+          <a:p>
+            <a:pPr fontAlgn="base"/>
+            <a:r>
+              <a:rPr lang="en-US" sz="4600" dirty="0">
+                <a:latin typeface="inherit"/>
+              </a:rPr>
+              <a:t>  → Make a </a:t>
+            </a:r>
+            <a:r>
+              <a:rPr lang="en-US" sz="4600" b="1" dirty="0">
+                <a:latin typeface="inherit"/>
+              </a:rPr>
+              <a:t>meaningful donation</a:t>
+            </a:r>
+          </a:p>
+          <a:p>
+            <a:pPr fontAlgn="base"/>
+            <a:r>
+              <a:rPr lang="en-US" sz="4600" dirty="0">
+                <a:latin typeface="inherit"/>
+              </a:rPr>
+              <a:t>  → Support </a:t>
+            </a:r>
+            <a:r>
+              <a:rPr lang="en-US" sz="4600" b="1" dirty="0">
+                <a:latin typeface="inherit"/>
+              </a:rPr>
+              <a:t>employee time </a:t>
+            </a:r>
+            <a:r>
+              <a:rPr lang="en-US" sz="4600" dirty="0">
+                <a:latin typeface="inherit"/>
+              </a:rPr>
+              <a:t>for open-	source development</a:t>
+            </a:r>
+          </a:p>
+          <a:p>
+            <a:pPr fontAlgn="base"/>
+            <a:r>
+              <a:rPr lang="en-US" sz="4600" dirty="0">
+                <a:latin typeface="inherit"/>
+              </a:rPr>
+              <a:t>  → </a:t>
+            </a:r>
+            <a:r>
+              <a:rPr lang="en-US" sz="4600" b="1" dirty="0">
+                <a:latin typeface="inherit"/>
+              </a:rPr>
+              <a:t>Release software </a:t>
+            </a:r>
+            <a:r>
+              <a:rPr lang="en-US" sz="4600" dirty="0">
+                <a:latin typeface="inherit"/>
+              </a:rPr>
+              <a:t>freely</a:t>
+            </a:r>
+          </a:p>
+          <a:p>
+            <a:pPr fontAlgn="base"/>
+            <a:endParaRPr lang="en-US" sz="4600" dirty="0">
+              <a:latin typeface="inherit"/>
+            </a:endParaRPr>
+          </a:p>
+          <a:p>
+            <a:pPr fontAlgn="base"/>
+            <a:r>
+              <a:rPr lang="en-US" sz="4600" dirty="0">
+                <a:latin typeface="inherit"/>
+              </a:rPr>
+              <a:t>🔅 </a:t>
+            </a:r>
+            <a:r>
+              <a:rPr lang="en-US" sz="4600" b="1" u="sng" dirty="0">
+                <a:solidFill>
+                  <a:srgbClr val="85394D"/>
+                </a:solidFill>
+                <a:latin typeface="inherit"/>
+              </a:rPr>
+              <a:t>Academia:</a:t>
+            </a:r>
+            <a:r>
+              <a:rPr lang="en-US" sz="4600" b="1" dirty="0">
+                <a:solidFill>
+                  <a:srgbClr val="85394D"/>
+                </a:solidFill>
+                <a:latin typeface="inherit"/>
+              </a:rPr>
+              <a:t> </a:t>
+            </a:r>
+            <a:r>
+              <a:rPr lang="en-US" sz="4600" dirty="0">
+                <a:latin typeface="inherit"/>
+              </a:rPr>
+              <a:t>Support open-source work with </a:t>
+            </a:r>
+            <a:r>
+              <a:rPr lang="en-US" sz="4600" b="1" dirty="0">
+                <a:solidFill>
+                  <a:srgbClr val="85394D"/>
+                </a:solidFill>
+                <a:latin typeface="inherit"/>
+              </a:rPr>
+              <a:t>professional recognition</a:t>
+            </a:r>
+            <a:endParaRPr lang="en-US" sz="4600" dirty="0">
+              <a:latin typeface="inherit"/>
+            </a:endParaRPr>
+          </a:p>
+          <a:p>
+            <a:pPr fontAlgn="base"/>
+            <a:r>
+              <a:rPr lang="en-US" sz="4600" i="1" dirty="0">
+                <a:latin typeface="inherit"/>
+              </a:rPr>
+              <a:t>  	→ </a:t>
+            </a:r>
+            <a:r>
+              <a:rPr lang="en-US" sz="4600" b="1" dirty="0">
+                <a:latin typeface="inherit"/>
+              </a:rPr>
+              <a:t>Cite</a:t>
+            </a:r>
+            <a:r>
+              <a:rPr lang="en-US" sz="4600" dirty="0">
+                <a:latin typeface="inherit"/>
+              </a:rPr>
+              <a:t> your packages </a:t>
+            </a:r>
+          </a:p>
+          <a:p>
+            <a:pPr fontAlgn="base"/>
+            <a:r>
+              <a:rPr lang="en-US" sz="4600" i="1" dirty="0">
+                <a:latin typeface="inherit"/>
+              </a:rPr>
+              <a:t>	→ </a:t>
+            </a:r>
+            <a:r>
+              <a:rPr lang="en-US" sz="4600" dirty="0">
+                <a:latin typeface="inherit"/>
+              </a:rPr>
+              <a:t>Vote for </a:t>
+            </a:r>
+            <a:r>
+              <a:rPr lang="en-US" sz="4600" b="1" dirty="0">
+                <a:latin typeface="inherit"/>
+              </a:rPr>
+              <a:t>awards </a:t>
+            </a:r>
+            <a:r>
+              <a:rPr lang="en-US" sz="4600" dirty="0">
+                <a:latin typeface="inherit"/>
+              </a:rPr>
+              <a:t>for open-source 	research</a:t>
+            </a:r>
+            <a:endParaRPr lang="en-US" sz="4600" b="1" dirty="0">
+              <a:latin typeface="inherit"/>
+            </a:endParaRPr>
+          </a:p>
+          <a:p>
+            <a:pPr fontAlgn="base"/>
+            <a:r>
+              <a:rPr lang="en-US" sz="4600" i="1" dirty="0">
+                <a:latin typeface="inherit"/>
+              </a:rPr>
+              <a:t>  	→ </a:t>
+            </a:r>
+            <a:r>
+              <a:rPr lang="en-US" sz="4600" b="1" dirty="0">
+                <a:latin typeface="inherit"/>
+              </a:rPr>
+              <a:t>Hire</a:t>
+            </a:r>
+            <a:r>
+              <a:rPr lang="en-US" sz="4600" dirty="0">
+                <a:latin typeface="inherit"/>
+              </a:rPr>
+              <a:t> and </a:t>
+            </a:r>
+            <a:r>
+              <a:rPr lang="en-US" sz="4600" b="1" dirty="0">
+                <a:latin typeface="inherit"/>
+              </a:rPr>
+              <a:t>promote </a:t>
+            </a:r>
+            <a:r>
+              <a:rPr lang="en-US" sz="4600" dirty="0">
+                <a:latin typeface="inherit"/>
+              </a:rPr>
+              <a:t>contributors</a:t>
+            </a:r>
+          </a:p>
+          <a:p>
+            <a:pPr fontAlgn="base"/>
+            <a:endParaRPr lang="en-US" sz="4600" dirty="0">
+              <a:latin typeface="inherit"/>
+              <a:cs typeface="Garamond Premr Pro Med"/>
+            </a:endParaRPr>
+          </a:p>
+          <a:p>
+            <a:pPr fontAlgn="base"/>
+            <a:r>
+              <a:rPr lang="en-US" sz="4600" dirty="0">
+                <a:latin typeface="inherit"/>
+              </a:rPr>
+              <a:t>🔅 </a:t>
+            </a:r>
+            <a:r>
+              <a:rPr lang="en-US" sz="4600" b="1" u="sng" dirty="0">
+                <a:solidFill>
+                  <a:srgbClr val="85394D"/>
+                </a:solidFill>
+                <a:latin typeface="inherit"/>
+              </a:rPr>
+              <a:t>Individual: </a:t>
+            </a:r>
+          </a:p>
+          <a:p>
+            <a:pPr fontAlgn="base"/>
+            <a:r>
+              <a:rPr lang="en-US" sz="4600" i="1" dirty="0">
+                <a:latin typeface="inherit"/>
+              </a:rPr>
+              <a:t>  	→ </a:t>
+            </a:r>
+            <a:r>
+              <a:rPr lang="en-US" sz="4600" dirty="0">
+                <a:latin typeface="inherit"/>
+              </a:rPr>
+              <a:t>Contribute </a:t>
+            </a:r>
+            <a:r>
+              <a:rPr lang="en-US" sz="4600" b="1" dirty="0">
+                <a:latin typeface="inherit"/>
+              </a:rPr>
+              <a:t>suggestions or bug fixes 	</a:t>
+            </a:r>
+            <a:r>
+              <a:rPr lang="en-US" sz="4600" dirty="0">
+                <a:latin typeface="inherit"/>
+              </a:rPr>
+              <a:t>to packages.</a:t>
+            </a:r>
+          </a:p>
+          <a:p>
+            <a:pPr fontAlgn="base"/>
+            <a:r>
+              <a:rPr lang="en-US" sz="4600" i="1" dirty="0">
+                <a:latin typeface="inherit"/>
+              </a:rPr>
+              <a:t>  	→ </a:t>
+            </a:r>
+            <a:r>
+              <a:rPr lang="en-US" sz="4600" dirty="0">
+                <a:latin typeface="inherit"/>
+              </a:rPr>
+              <a:t> </a:t>
+            </a:r>
+            <a:r>
+              <a:rPr lang="en-US" sz="4600" b="1" dirty="0">
+                <a:latin typeface="inherit"/>
+              </a:rPr>
+              <a:t>Share</a:t>
+            </a:r>
+            <a:r>
+              <a:rPr lang="en-US" sz="4600" dirty="0">
+                <a:latin typeface="inherit"/>
+              </a:rPr>
+              <a:t> your open-source code.</a:t>
+            </a:r>
+            <a:r>
+              <a:rPr lang="en-US" sz="4600" i="1" dirty="0">
+                <a:latin typeface="inherit"/>
+              </a:rPr>
+              <a:t>  	→ </a:t>
+            </a:r>
+            <a:r>
+              <a:rPr lang="en-US" sz="4600" dirty="0">
+                <a:latin typeface="inherit"/>
+              </a:rPr>
+              <a:t>Create </a:t>
+            </a:r>
+            <a:r>
+              <a:rPr lang="en-US" sz="4600" b="1" dirty="0">
+                <a:latin typeface="inherit"/>
+              </a:rPr>
+              <a:t>public blogs or tutorials</a:t>
+            </a:r>
+          </a:p>
+          <a:p>
+            <a:pPr fontAlgn="base"/>
+            <a:r>
+              <a:rPr lang="en-US" sz="4600" i="1" dirty="0">
+                <a:latin typeface="inherit"/>
+              </a:rPr>
+              <a:t>  	→ </a:t>
+            </a:r>
+            <a:r>
+              <a:rPr lang="en-US" sz="4600" dirty="0">
+                <a:latin typeface="inherit"/>
+              </a:rPr>
+              <a:t>Engage with </a:t>
+            </a:r>
+            <a:r>
+              <a:rPr lang="en-US" sz="4600" b="1" dirty="0">
+                <a:latin typeface="inherit"/>
+              </a:rPr>
+              <a:t>the wonderful R 	community.</a:t>
+            </a:r>
+            <a:endParaRPr lang="en-US" sz="4600" b="1" dirty="0">
+              <a:latin typeface="Garamond Premr Pro Med"/>
+              <a:cs typeface="Garamond Premr Pro Med"/>
+            </a:endParaRPr>
+          </a:p>
+        </p:txBody>
+      </p:sp>
+      <p:sp>
+        <p:nvSpPr>
+          <p:cNvPr id="10" name="Text Box 17">
+            <a:extLst>
+              <a:ext uri="{FF2B5EF4-FFF2-40B4-BE49-F238E27FC236}">
+                <a16:creationId xmlns:a16="http://schemas.microsoft.com/office/drawing/2014/main" id="{3B4FE503-7358-6F5B-A91C-220461384DFD}"/>
+              </a:ext>
+            </a:extLst>
+          </p:cNvPr>
+          <p:cNvSpPr txBox="1">
+            <a:spLocks noChangeArrowheads="1"/>
+          </p:cNvSpPr>
+          <p:nvPr/>
+        </p:nvSpPr>
+        <p:spPr bwMode="auto">
+          <a:xfrm>
+            <a:off x="31489280" y="13876187"/>
+            <a:ext cx="8019690" cy="864431"/>
+          </a:xfrm>
+          <a:prstGeom prst="rect">
+            <a:avLst/>
+          </a:prstGeom>
+          <a:solidFill>
+            <a:srgbClr val="00539F"/>
+          </a:solidFill>
+          <a:ln w="38100">
+            <a:solidFill>
+              <a:srgbClr val="00539F"/>
+            </a:solidFill>
+            <a:miter lim="800000"/>
+            <a:headEnd/>
+            <a:tailEnd/>
+          </a:ln>
+          <a:effectLst>
+            <a:outerShdw blurRad="127000" dist="101600" dir="2700000" algn="tl" rotWithShape="0">
+              <a:schemeClr val="accent2">
+                <a:alpha val="46000"/>
+              </a:schemeClr>
+            </a:outerShdw>
+          </a:effectLst>
+        </p:spPr>
+        <p:txBody>
+          <a:bodyPr wrap="square" lIns="77184" tIns="38590" rIns="77184" bIns="38590">
+            <a:spAutoFit/>
+          </a:bodyPr>
+          <a:lstStyle/>
+          <a:p>
+            <a:pPr algn="ctr" defTabSz="766814" eaLnBrk="0" hangingPunct="0">
+              <a:defRPr/>
+            </a:pPr>
+            <a:r>
+              <a:rPr lang="en-US" sz="5111" dirty="0">
+                <a:solidFill>
+                  <a:schemeClr val="bg1"/>
+                </a:solidFill>
+                <a:latin typeface="Myriad Pro Semibold"/>
+                <a:cs typeface="Myriad Pro Semibold"/>
+              </a:rPr>
+              <a:t>How you can help</a:t>
+            </a:r>
+          </a:p>
+        </p:txBody>
+      </p:sp>
+      <p:sp>
+        <p:nvSpPr>
+          <p:cNvPr id="13" name="Text Box 16">
+            <a:extLst>
+              <a:ext uri="{FF2B5EF4-FFF2-40B4-BE49-F238E27FC236}">
+                <a16:creationId xmlns:a16="http://schemas.microsoft.com/office/drawing/2014/main" id="{922D937D-DB64-0729-5C5C-811816221924}"/>
+              </a:ext>
+            </a:extLst>
+          </p:cNvPr>
+          <p:cNvSpPr txBox="1">
+            <a:spLocks noChangeArrowheads="1"/>
+          </p:cNvSpPr>
+          <p:nvPr/>
+        </p:nvSpPr>
+        <p:spPr bwMode="auto">
+          <a:xfrm>
+            <a:off x="29794200" y="4825810"/>
+            <a:ext cx="11506276" cy="8585390"/>
+          </a:xfrm>
+          <a:prstGeom prst="rect">
+            <a:avLst/>
+          </a:prstGeom>
+          <a:solidFill>
+            <a:schemeClr val="bg1"/>
+          </a:solidFill>
+          <a:ln w="38100">
+            <a:solidFill>
+              <a:srgbClr val="00539F"/>
+            </a:solidFill>
+            <a:miter lim="800000"/>
+            <a:headEnd/>
+            <a:tailEnd/>
+          </a:ln>
+        </p:spPr>
+        <p:txBody>
+          <a:bodyPr lIns="595616" tIns="595616" rIns="595616" bIns="595616"/>
+          <a:lstStyle/>
+          <a:p>
+            <a:pPr fontAlgn="base"/>
+            <a:r>
+              <a:rPr lang="en-US" sz="4600" dirty="0">
+                <a:latin typeface="inherit"/>
+              </a:rPr>
+              <a:t>🔅 The </a:t>
+            </a:r>
+            <a:r>
+              <a:rPr lang="en-US" sz="4600" b="1" dirty="0">
+                <a:solidFill>
+                  <a:srgbClr val="85394D"/>
+                </a:solidFill>
+                <a:latin typeface="inherit"/>
+              </a:rPr>
+              <a:t>R Core Group </a:t>
+            </a:r>
+            <a:r>
+              <a:rPr lang="en-US" sz="4600" dirty="0">
+                <a:latin typeface="inherit"/>
+              </a:rPr>
+              <a:t>maintains and updates Base R.</a:t>
+            </a:r>
+          </a:p>
+          <a:p>
+            <a:pPr fontAlgn="base"/>
+            <a:r>
+              <a:rPr lang="en-US" sz="4600" dirty="0">
+                <a:latin typeface="inherit"/>
+              </a:rPr>
+              <a:t>  → Donate to </a:t>
+            </a:r>
+            <a:r>
+              <a:rPr lang="en-US" sz="4600" dirty="0">
+                <a:latin typeface="inherit"/>
+                <a:hlinkClick r:id="rId8"/>
+              </a:rPr>
+              <a:t>The R Foundation</a:t>
+            </a:r>
+            <a:endParaRPr lang="en-US" sz="4600" dirty="0">
+              <a:latin typeface="inherit"/>
+            </a:endParaRPr>
+          </a:p>
+          <a:p>
+            <a:pPr fontAlgn="base"/>
+            <a:r>
+              <a:rPr lang="en-US" sz="4600" dirty="0">
+                <a:latin typeface="inherit"/>
+              </a:rPr>
+              <a:t>  → Contribute to Base R</a:t>
+            </a:r>
+          </a:p>
+          <a:p>
+            <a:pPr fontAlgn="base"/>
+            <a:endParaRPr lang="en-US" sz="4600" dirty="0">
+              <a:latin typeface="inherit"/>
+            </a:endParaRPr>
+          </a:p>
+          <a:p>
+            <a:pPr fontAlgn="base"/>
+            <a:r>
+              <a:rPr lang="en-US" sz="4600" dirty="0">
+                <a:latin typeface="inherit"/>
+              </a:rPr>
+              <a:t>🔅 Individual developers create </a:t>
+            </a:r>
+            <a:r>
+              <a:rPr lang="en-US" sz="4600" b="1" dirty="0">
+                <a:solidFill>
+                  <a:srgbClr val="85394D"/>
+                </a:solidFill>
+                <a:latin typeface="inherit"/>
+              </a:rPr>
+              <a:t>R packages</a:t>
+            </a:r>
+            <a:endParaRPr lang="en-US" sz="4600" dirty="0">
+              <a:latin typeface="inherit"/>
+            </a:endParaRPr>
+          </a:p>
+          <a:p>
+            <a:pPr fontAlgn="base"/>
+            <a:r>
+              <a:rPr lang="en-US" sz="4600" dirty="0">
+                <a:latin typeface="inherit"/>
+              </a:rPr>
+              <a:t>  → </a:t>
+            </a:r>
+            <a:r>
+              <a:rPr lang="en-US" sz="4600" dirty="0" err="1">
+                <a:latin typeface="inherit"/>
+              </a:rPr>
+              <a:t>Github</a:t>
+            </a:r>
+            <a:r>
+              <a:rPr lang="en-US" sz="4600" dirty="0">
+                <a:latin typeface="inherit"/>
+              </a:rPr>
+              <a:t>, Patreon, or donations</a:t>
+            </a:r>
+          </a:p>
+          <a:p>
+            <a:pPr fontAlgn="base"/>
+            <a:r>
+              <a:rPr lang="en-US" sz="4600" dirty="0">
+                <a:latin typeface="inherit"/>
+              </a:rPr>
+              <a:t>  → Donate to open-source meta groups: </a:t>
+            </a:r>
+          </a:p>
+          <a:p>
+            <a:pPr lvl="4"/>
+            <a:r>
+              <a:rPr lang="en-US" sz="4600" dirty="0">
+                <a:latin typeface="inherit"/>
+                <a:hlinkClick r:id="rId9"/>
+              </a:rPr>
+              <a:t>ROpenSci</a:t>
+            </a:r>
+            <a:endParaRPr lang="en-US" sz="4600" dirty="0">
+              <a:latin typeface="inherit"/>
+            </a:endParaRPr>
+          </a:p>
+          <a:p>
+            <a:pPr lvl="4"/>
+            <a:r>
+              <a:rPr lang="en-US" sz="4600" dirty="0">
+                <a:latin typeface="inherit"/>
+                <a:hlinkClick r:id="rId10"/>
+              </a:rPr>
+              <a:t>The Linux Foundation</a:t>
+            </a:r>
+            <a:endParaRPr lang="en-US" sz="4600" dirty="0">
+              <a:latin typeface="inherit"/>
+            </a:endParaRPr>
+          </a:p>
+          <a:p>
+            <a:pPr lvl="4"/>
+            <a:r>
+              <a:rPr lang="en-US" sz="4600" dirty="0">
+                <a:latin typeface="inherit"/>
+                <a:hlinkClick r:id="rId11"/>
+              </a:rPr>
+              <a:t>NumFocus</a:t>
+            </a:r>
+            <a:endParaRPr lang="en-US" sz="4600" dirty="0">
+              <a:latin typeface="inherit"/>
+            </a:endParaRPr>
+          </a:p>
+        </p:txBody>
+      </p:sp>
+      <p:sp>
+        <p:nvSpPr>
+          <p:cNvPr id="11" name="Text Box 17">
+            <a:extLst>
+              <a:ext uri="{FF2B5EF4-FFF2-40B4-BE49-F238E27FC236}">
+                <a16:creationId xmlns:a16="http://schemas.microsoft.com/office/drawing/2014/main" id="{2C5F7C85-3269-E3DD-685E-E29BAEEE3C02}"/>
+              </a:ext>
+            </a:extLst>
+          </p:cNvPr>
+          <p:cNvSpPr txBox="1">
+            <a:spLocks noChangeArrowheads="1"/>
+          </p:cNvSpPr>
+          <p:nvPr/>
+        </p:nvSpPr>
+        <p:spPr bwMode="auto">
+          <a:xfrm>
+            <a:off x="31514680" y="4312716"/>
+            <a:ext cx="8019690" cy="864431"/>
+          </a:xfrm>
+          <a:prstGeom prst="rect">
+            <a:avLst/>
+          </a:prstGeom>
+          <a:solidFill>
+            <a:srgbClr val="00539F"/>
+          </a:solidFill>
+          <a:ln w="38100">
+            <a:solidFill>
+              <a:srgbClr val="00539F"/>
+            </a:solidFill>
+            <a:miter lim="800000"/>
+            <a:headEnd/>
+            <a:tailEnd/>
+          </a:ln>
+          <a:effectLst>
+            <a:outerShdw blurRad="127000" dist="101600" dir="2700000" algn="tl" rotWithShape="0">
+              <a:schemeClr val="accent2">
+                <a:alpha val="46000"/>
+              </a:schemeClr>
+            </a:outerShdw>
+          </a:effectLst>
+        </p:spPr>
+        <p:txBody>
+          <a:bodyPr wrap="square" lIns="77184" tIns="38590" rIns="77184" bIns="38590">
+            <a:spAutoFit/>
+          </a:bodyPr>
+          <a:lstStyle/>
+          <a:p>
+            <a:pPr algn="ctr" defTabSz="766814" eaLnBrk="0" hangingPunct="0">
+              <a:defRPr/>
+            </a:pPr>
+            <a:r>
+              <a:rPr lang="en-US" sz="5111" dirty="0">
+                <a:solidFill>
+                  <a:schemeClr val="bg1"/>
+                </a:solidFill>
+                <a:latin typeface="Myriad Pro Semibold"/>
+                <a:cs typeface="Myriad Pro Semibold"/>
+              </a:rPr>
+              <a:t>Supporting Developers</a:t>
+            </a:r>
+          </a:p>
+        </p:txBody>
+      </p:sp>
+      <p:sp>
+        <p:nvSpPr>
+          <p:cNvPr id="2" name="TextBox 1">
+            <a:extLst>
+              <a:ext uri="{FF2B5EF4-FFF2-40B4-BE49-F238E27FC236}">
+                <a16:creationId xmlns:a16="http://schemas.microsoft.com/office/drawing/2014/main" id="{3F3B34FD-776F-0D9D-818B-80114558FD71}"/>
+              </a:ext>
+            </a:extLst>
+          </p:cNvPr>
+          <p:cNvSpPr txBox="1"/>
+          <p:nvPr/>
+        </p:nvSpPr>
+        <p:spPr bwMode="auto">
+          <a:xfrm>
+            <a:off x="12593494" y="1068945"/>
+            <a:ext cx="16686315" cy="2318583"/>
+          </a:xfrm>
+          <a:prstGeom prst="rect">
+            <a:avLst/>
+          </a:prstGeom>
+          <a:solidFill>
+            <a:schemeClr val="bg1"/>
+          </a:solidFill>
+          <a:ln w="38100">
+            <a:solidFill>
+              <a:srgbClr val="000000"/>
+            </a:solidFill>
+            <a:miter lim="800000"/>
+            <a:headEnd/>
+            <a:tailEnd/>
+          </a:ln>
+        </p:spPr>
+        <p:txBody>
+          <a:bodyPr wrap="square" lIns="233680" tIns="233680" rIns="233680" bIns="233680" rtlCol="0">
+            <a:spAutoFit/>
+          </a:bodyPr>
+          <a:lstStyle/>
+          <a:p>
+            <a:pPr algn="ctr"/>
+            <a:r>
+              <a:rPr lang="en-US" sz="12000" b="1" spc="-370" dirty="0">
+                <a:solidFill>
+                  <a:srgbClr val="226ABE"/>
+                </a:solidFill>
+                <a:latin typeface="Miriam Fixed" panose="020F0502020204030204" pitchFamily="34" charset="0"/>
+                <a:ea typeface="AppleGothic" pitchFamily="2" charset="-127"/>
+                <a:cs typeface="Miriam Fixed" panose="020F0502020204030204" pitchFamily="34" charset="0"/>
+              </a:rPr>
+              <a:t>Where   </a:t>
+            </a:r>
+            <a:r>
+              <a:rPr lang="en-US" sz="6000" b="1" spc="-370" dirty="0">
+                <a:solidFill>
+                  <a:srgbClr val="226ABE"/>
+                </a:solidFill>
+                <a:latin typeface="Miriam Fixed" panose="020F0502020204030204" pitchFamily="34" charset="0"/>
+                <a:ea typeface="AppleGothic" pitchFamily="2" charset="-127"/>
+                <a:cs typeface="Miriam Fixed" panose="020F0502020204030204" pitchFamily="34" charset="0"/>
+              </a:rPr>
+              <a:t>  </a:t>
+            </a:r>
+            <a:r>
+              <a:rPr lang="en-US" sz="12000" b="1" spc="-370" dirty="0">
+                <a:solidFill>
+                  <a:srgbClr val="226ABE"/>
+                </a:solidFill>
+                <a:latin typeface="Miriam Fixed" panose="020F0502020204030204" pitchFamily="34" charset="0"/>
+                <a:ea typeface="AppleGothic" pitchFamily="2" charset="-127"/>
+                <a:cs typeface="Miriam Fixed" panose="020F0502020204030204" pitchFamily="34" charset="0"/>
+              </a:rPr>
+              <a:t>we going?</a:t>
+            </a:r>
+          </a:p>
+        </p:txBody>
+      </p:sp>
+      <p:pic>
+        <p:nvPicPr>
+          <p:cNvPr id="1028" name="Picture 4">
+            <a:extLst>
+              <a:ext uri="{FF2B5EF4-FFF2-40B4-BE49-F238E27FC236}">
+                <a16:creationId xmlns:a16="http://schemas.microsoft.com/office/drawing/2014/main" id="{5346072E-49F4-8695-9422-C526BFBAB038}"/>
+              </a:ext>
+            </a:extLst>
+          </p:cNvPr>
+          <p:cNvPicPr>
+            <a:picLocks noChangeAspect="1" noChangeArrowheads="1"/>
+          </p:cNvPicPr>
+          <p:nvPr/>
+        </p:nvPicPr>
+        <p:blipFill>
+          <a:blip r:embed="rId12">
+            <a:extLst>
+              <a:ext uri="{28A0092B-C50C-407E-A947-70E740481C1C}">
+                <a14:useLocalDpi xmlns:a14="http://schemas.microsoft.com/office/drawing/2010/main" val="0"/>
+              </a:ext>
+            </a:extLst>
+          </a:blip>
+          <a:srcRect/>
+          <a:stretch>
+            <a:fillRect/>
+          </a:stretch>
+        </p:blipFill>
+        <p:spPr bwMode="auto">
+          <a:xfrm>
+            <a:off x="17816232" y="1184715"/>
+            <a:ext cx="2575115" cy="1997791"/>
+          </a:xfrm>
+          <a:prstGeom prst="rect">
+            <a:avLst/>
+          </a:prstGeom>
+          <a:noFill/>
+          <a:extLst>
+            <a:ext uri="{909E8E84-426E-40DD-AFC4-6F175D3DCCD1}">
+              <a14:hiddenFill xmlns:a14="http://schemas.microsoft.com/office/drawing/2010/main">
+                <a:solidFill>
+                  <a:srgbClr val="FFFFFF"/>
+                </a:solidFill>
+              </a14:hiddenFill>
+            </a:ext>
+          </a:extLst>
+        </p:spPr>
+      </p:pic>
+      <p:sp>
+        <p:nvSpPr>
+          <p:cNvPr id="7" name="TextBox 6">
+            <a:extLst>
+              <a:ext uri="{FF2B5EF4-FFF2-40B4-BE49-F238E27FC236}">
+                <a16:creationId xmlns:a16="http://schemas.microsoft.com/office/drawing/2014/main" id="{7915E13D-5AC9-E3D0-3B97-1BE412963406}"/>
+              </a:ext>
+            </a:extLst>
+          </p:cNvPr>
+          <p:cNvSpPr txBox="1"/>
+          <p:nvPr/>
+        </p:nvSpPr>
+        <p:spPr bwMode="auto">
+          <a:xfrm>
+            <a:off x="12624124" y="23700955"/>
+            <a:ext cx="16655685" cy="5847755"/>
+          </a:xfrm>
+          <a:prstGeom prst="rect">
+            <a:avLst/>
+          </a:prstGeom>
+          <a:solidFill>
+            <a:schemeClr val="bg1"/>
+          </a:solidFill>
+          <a:ln w="38100">
+            <a:solidFill>
+              <a:srgbClr val="000000"/>
+            </a:solidFill>
+            <a:miter lim="800000"/>
+            <a:headEnd/>
+            <a:tailEnd/>
+          </a:ln>
+        </p:spPr>
+        <p:txBody>
+          <a:bodyPr wrap="square" lIns="699201" tIns="91440" rIns="699201" bIns="182880" rtlCol="0">
+            <a:spAutoFit/>
+          </a:bodyPr>
+          <a:lstStyle/>
+          <a:p>
+            <a:pPr algn="r">
+              <a:lnSpc>
+                <a:spcPct val="150000"/>
+              </a:lnSpc>
+            </a:pPr>
+            <a:r>
+              <a:rPr lang="en-US" sz="4000" b="1" dirty="0">
+                <a:latin typeface="BIG CASLON MEDIUM" panose="02000603090000020003" pitchFamily="2" charset="-79"/>
+                <a:cs typeface="BIG CASLON MEDIUM" panose="02000603090000020003" pitchFamily="2" charset="-79"/>
+              </a:rPr>
+              <a:t>NSF POSE Grant #1005559</a:t>
+            </a:r>
+          </a:p>
+          <a:p>
+            <a:pPr algn="r">
+              <a:lnSpc>
+                <a:spcPct val="150000"/>
+              </a:lnSpc>
+            </a:pPr>
+            <a:r>
+              <a:rPr lang="en-US" sz="4000" b="1" dirty="0">
+                <a:solidFill>
+                  <a:srgbClr val="325CC5"/>
+                </a:solidFill>
+                <a:highlight>
+                  <a:srgbClr val="FEFEFE"/>
+                </a:highlight>
+                <a:latin typeface="BIG CASLON MEDIUM" panose="02000603090000020003" pitchFamily="2" charset="-79"/>
+                <a:cs typeface="BIG CASLON MEDIUM" panose="02000603090000020003" pitchFamily="2" charset="-79"/>
+              </a:rPr>
+              <a:t>“Building a sustainable ecosystem for </a:t>
+            </a:r>
+            <a:r>
+              <a:rPr lang="en-US" sz="4000" b="1" dirty="0" err="1">
+                <a:solidFill>
+                  <a:srgbClr val="325CC5"/>
+                </a:solidFill>
+                <a:highlight>
+                  <a:srgbClr val="FEFEFE"/>
+                </a:highlight>
+                <a:latin typeface="BIG CASLON MEDIUM" panose="02000603090000020003" pitchFamily="2" charset="-79"/>
+                <a:cs typeface="BIG CASLON MEDIUM" panose="02000603090000020003" pitchFamily="2" charset="-79"/>
+              </a:rPr>
+              <a:t>data.table</a:t>
+            </a:r>
+            <a:r>
+              <a:rPr lang="en-US" sz="4000" b="1" dirty="0">
+                <a:solidFill>
+                  <a:srgbClr val="325CC5"/>
+                </a:solidFill>
+                <a:highlight>
+                  <a:srgbClr val="FEFEFE"/>
+                </a:highlight>
+                <a:latin typeface="BIG CASLON MEDIUM" panose="02000603090000020003" pitchFamily="2" charset="-79"/>
+                <a:cs typeface="BIG CASLON MEDIUM" panose="02000603090000020003" pitchFamily="2" charset="-79"/>
+              </a:rPr>
+              <a:t>"</a:t>
+            </a:r>
+          </a:p>
+          <a:p>
+            <a:pPr algn="r">
+              <a:lnSpc>
+                <a:spcPct val="150000"/>
+              </a:lnSpc>
+            </a:pPr>
+            <a:r>
+              <a:rPr lang="en-US" sz="2800" i="1" dirty="0">
+                <a:latin typeface="BIG CASLON MEDIUM" panose="02000603090000020003" pitchFamily="2" charset="-79"/>
+                <a:cs typeface="BIG CASLON MEDIUM" panose="02000603090000020003" pitchFamily="2" charset="-79"/>
+              </a:rPr>
+              <a:t>PI: Toby Hocking, Université de Sherbrooke; </a:t>
+            </a:r>
+          </a:p>
+          <a:p>
+            <a:pPr algn="r">
+              <a:lnSpc>
+                <a:spcPct val="150000"/>
+              </a:lnSpc>
+            </a:pPr>
+            <a:r>
+              <a:rPr lang="en-US" sz="2800" i="1" dirty="0">
+                <a:latin typeface="BIG CASLON MEDIUM" panose="02000603090000020003" pitchFamily="2" charset="-79"/>
+                <a:cs typeface="BIG CASLON MEDIUM" panose="02000603090000020003" pitchFamily="2" charset="-79"/>
+              </a:rPr>
+              <a:t>Tyson Barrett,  Highmark Health and Utah State University</a:t>
+            </a:r>
+          </a:p>
+          <a:p>
+            <a:pPr algn="r">
+              <a:lnSpc>
+                <a:spcPct val="150000"/>
+              </a:lnSpc>
+            </a:pPr>
+            <a:endParaRPr lang="en-US" sz="2800" i="1" dirty="0">
+              <a:latin typeface="BIG CASLON MEDIUM" panose="02000603090000020003" pitchFamily="2" charset="-79"/>
+              <a:cs typeface="BIG CASLON MEDIUM" panose="02000603090000020003" pitchFamily="2" charset="-79"/>
+            </a:endParaRPr>
+          </a:p>
+          <a:p>
+            <a:endParaRPr lang="en-US" sz="2800" dirty="0">
+              <a:solidFill>
+                <a:srgbClr val="00539F"/>
+              </a:solidFill>
+              <a:latin typeface="Lato Black" panose="020F0A02020204030203" pitchFamily="34" charset="0"/>
+              <a:cs typeface="Arial" panose="020B0604020202020204" pitchFamily="34" charset="0"/>
+            </a:endParaRPr>
+          </a:p>
+          <a:p>
+            <a:r>
+              <a:rPr lang="en-US" sz="2800" dirty="0" err="1">
+                <a:solidFill>
+                  <a:srgbClr val="00539F"/>
+                </a:solidFill>
+                <a:latin typeface="Lato Black" panose="020F0A02020204030203" pitchFamily="34" charset="0"/>
+                <a:cs typeface="Arial" panose="020B0604020202020204" pitchFamily="34" charset="0"/>
+              </a:rPr>
+              <a:t>Linktree</a:t>
+            </a:r>
+            <a:r>
+              <a:rPr lang="en-US" sz="2800" dirty="0">
+                <a:solidFill>
+                  <a:srgbClr val="00539F"/>
+                </a:solidFill>
+                <a:latin typeface="Lato Black" panose="020F0A02020204030203" pitchFamily="34" charset="0"/>
+                <a:cs typeface="Arial" panose="020B0604020202020204" pitchFamily="34" charset="0"/>
+              </a:rPr>
+              <a:t> for project work and websites:  </a:t>
+            </a:r>
+            <a:r>
+              <a:rPr lang="en-US" sz="3200" u="sng" dirty="0" err="1">
+                <a:solidFill>
+                  <a:srgbClr val="00539F"/>
+                </a:solidFill>
+                <a:latin typeface="Lato" panose="020F0502020204030203" pitchFamily="34" charset="0"/>
+                <a:cs typeface="Arial" panose="020B0604020202020204" pitchFamily="34" charset="0"/>
+              </a:rPr>
+              <a:t>linktr.ee</a:t>
+            </a:r>
+            <a:r>
+              <a:rPr lang="en-US" sz="3200" u="sng" dirty="0">
+                <a:solidFill>
+                  <a:srgbClr val="00539F"/>
+                </a:solidFill>
+                <a:latin typeface="Lato" panose="020F0502020204030203" pitchFamily="34" charset="0"/>
+                <a:cs typeface="Arial" panose="020B0604020202020204" pitchFamily="34" charset="0"/>
+              </a:rPr>
+              <a:t>/</a:t>
+            </a:r>
+            <a:r>
+              <a:rPr lang="en-US" sz="3200" u="sng" dirty="0" err="1">
+                <a:solidFill>
+                  <a:srgbClr val="00539F"/>
+                </a:solidFill>
+                <a:latin typeface="Lato" panose="020F0502020204030203" pitchFamily="34" charset="0"/>
+                <a:cs typeface="Arial" panose="020B0604020202020204" pitchFamily="34" charset="0"/>
+              </a:rPr>
+              <a:t>rdatatable</a:t>
+            </a:r>
+            <a:endParaRPr lang="en-US" sz="3200" u="sng" dirty="0">
+              <a:solidFill>
+                <a:srgbClr val="00539F"/>
+              </a:solidFill>
+              <a:latin typeface="Lato" panose="020F0502020204030203" pitchFamily="34" charset="0"/>
+              <a:cs typeface="Arial" panose="020B0604020202020204" pitchFamily="34" charset="0"/>
+            </a:endParaRPr>
+          </a:p>
+          <a:p>
+            <a:endParaRPr lang="en-US" sz="3200" u="sng" dirty="0">
+              <a:solidFill>
+                <a:srgbClr val="00539F"/>
+              </a:solidFill>
+              <a:latin typeface="Lato" panose="020F0502020204030203" pitchFamily="34" charset="0"/>
+              <a:cs typeface="Arial" panose="020B0604020202020204" pitchFamily="34" charset="0"/>
+            </a:endParaRPr>
+          </a:p>
+          <a:p>
+            <a:pPr algn="just" eaLnBrk="1" hangingPunct="1">
+              <a:buFontTx/>
+              <a:buChar char="•"/>
+            </a:pPr>
+            <a:endParaRPr lang="en-US" sz="2400" dirty="0"/>
+          </a:p>
+        </p:txBody>
+      </p:sp>
+      <p:pic>
+        <p:nvPicPr>
+          <p:cNvPr id="14" name="Picture 13">
+            <a:extLst>
+              <a:ext uri="{FF2B5EF4-FFF2-40B4-BE49-F238E27FC236}">
+                <a16:creationId xmlns:a16="http://schemas.microsoft.com/office/drawing/2014/main" id="{F9E5D4BD-5E0D-9FA1-1A2B-F5773CE0BDE1}"/>
+              </a:ext>
+            </a:extLst>
+          </p:cNvPr>
+          <p:cNvPicPr>
+            <a:picLocks noChangeAspect="1"/>
+          </p:cNvPicPr>
+          <p:nvPr/>
+        </p:nvPicPr>
+        <p:blipFill>
+          <a:blip r:embed="rId13"/>
+          <a:stretch>
+            <a:fillRect/>
+          </a:stretch>
+        </p:blipFill>
+        <p:spPr>
+          <a:xfrm>
+            <a:off x="26793120" y="27294195"/>
+            <a:ext cx="2058769" cy="2058769"/>
+          </a:xfrm>
+          <a:prstGeom prst="rect">
+            <a:avLst/>
+          </a:prstGeom>
+        </p:spPr>
+      </p:pic>
+      <p:cxnSp>
+        <p:nvCxnSpPr>
+          <p:cNvPr id="25" name="Straight Arrow Connector 24">
+            <a:extLst>
+              <a:ext uri="{FF2B5EF4-FFF2-40B4-BE49-F238E27FC236}">
+                <a16:creationId xmlns:a16="http://schemas.microsoft.com/office/drawing/2014/main" id="{32B70FBA-A2DF-453C-9792-CA6E8DB0D343}"/>
+              </a:ext>
+            </a:extLst>
+          </p:cNvPr>
+          <p:cNvCxnSpPr>
+            <a:cxnSpLocks/>
+          </p:cNvCxnSpPr>
+          <p:nvPr/>
+        </p:nvCxnSpPr>
+        <p:spPr>
+          <a:xfrm>
+            <a:off x="25374600" y="28345721"/>
+            <a:ext cx="990600" cy="0"/>
+          </a:xfrm>
+          <a:prstGeom prst="straightConnector1">
+            <a:avLst/>
+          </a:prstGeom>
+          <a:ln w="38100">
+            <a:solidFill>
+              <a:srgbClr val="00539F"/>
+            </a:solidFill>
+            <a:prstDash val="sysDot"/>
+            <a:tailEnd type="triangle"/>
+          </a:ln>
+        </p:spPr>
+        <p:style>
+          <a:lnRef idx="1">
+            <a:schemeClr val="accent1"/>
+          </a:lnRef>
+          <a:fillRef idx="0">
+            <a:schemeClr val="accent1"/>
+          </a:fillRef>
+          <a:effectRef idx="0">
+            <a:schemeClr val="accent1"/>
+          </a:effectRef>
+          <a:fontRef idx="minor">
+            <a:schemeClr val="tx1"/>
+          </a:fontRef>
+        </p:style>
+      </p:cxnSp>
       <p:sp>
         <p:nvSpPr>
           <p:cNvPr id="22" name="Graphic 7">
@@ -5430,9 +6241,9 @@
           <p:nvPr/>
         </p:nvSpPr>
         <p:spPr>
-          <a:xfrm>
-            <a:off x="16151994" y="18893802"/>
-            <a:ext cx="840606" cy="1454022"/>
+          <a:xfrm flipH="1">
+            <a:off x="24287011" y="27622582"/>
+            <a:ext cx="841800" cy="1608504"/>
           </a:xfrm>
           <a:custGeom>
             <a:avLst/>
@@ -5808,7 +6619,7 @@
           <a:bodyPr rtlCol="0" anchor="ctr"/>
           <a:lstStyle/>
           <a:p>
-            <a:endParaRPr lang="en-US">
+            <a:endParaRPr lang="en-US" sz="2764">
               <a:solidFill>
                 <a:schemeClr val="bg1">
                   <a:lumMod val="85000"/>
@@ -5818,141 +6629,6 @@
           </a:p>
         </p:txBody>
       </p:sp>
-      <p:sp>
-        <p:nvSpPr>
-          <p:cNvPr id="23" name="TextBox 22">
-            <a:extLst>
-              <a:ext uri="{FF2B5EF4-FFF2-40B4-BE49-F238E27FC236}">
-                <a16:creationId xmlns:a16="http://schemas.microsoft.com/office/drawing/2014/main" id="{315520EB-0F65-403D-A973-B17B2A4C2E9D}"/>
-              </a:ext>
-            </a:extLst>
-          </p:cNvPr>
-          <p:cNvSpPr txBox="1"/>
-          <p:nvPr/>
-        </p:nvSpPr>
-        <p:spPr>
-          <a:xfrm>
-            <a:off x="17413333" y="18835983"/>
-            <a:ext cx="4383325" cy="1631216"/>
-          </a:xfrm>
-          <a:prstGeom prst="rect">
-            <a:avLst/>
-          </a:prstGeom>
-          <a:noFill/>
-        </p:spPr>
-        <p:txBody>
-          <a:bodyPr wrap="square" rtlCol="0">
-            <a:spAutoFit/>
-          </a:bodyPr>
-          <a:lstStyle/>
-          <a:p>
-            <a:r>
-              <a:rPr lang="en-US" sz="3200" dirty="0" err="1">
-                <a:solidFill>
-                  <a:srgbClr val="00539F"/>
-                </a:solidFill>
-                <a:latin typeface="Lato Black" panose="020F0A02020204030203" pitchFamily="34" charset="0"/>
-                <a:cs typeface="Arial" panose="020B0604020202020204" pitchFamily="34" charset="0"/>
-              </a:rPr>
-              <a:t>Linktree</a:t>
-            </a:r>
-            <a:r>
-              <a:rPr lang="en-US" sz="3200" dirty="0">
-                <a:solidFill>
-                  <a:srgbClr val="00539F"/>
-                </a:solidFill>
-                <a:latin typeface="Lato Black" panose="020F0A02020204030203" pitchFamily="34" charset="0"/>
-                <a:cs typeface="Arial" panose="020B0604020202020204" pitchFamily="34" charset="0"/>
-              </a:rPr>
-              <a:t> for project work and websites:</a:t>
-            </a:r>
-          </a:p>
-          <a:p>
-            <a:r>
-              <a:rPr lang="en-US" sz="3600" u="sng" dirty="0" err="1">
-                <a:solidFill>
-                  <a:srgbClr val="00539F"/>
-                </a:solidFill>
-                <a:latin typeface="Lato" panose="020F0502020204030203" pitchFamily="34" charset="0"/>
-                <a:cs typeface="Arial" panose="020B0604020202020204" pitchFamily="34" charset="0"/>
-              </a:rPr>
-              <a:t>linktr.ee</a:t>
-            </a:r>
-            <a:r>
-              <a:rPr lang="en-US" sz="3600" u="sng" dirty="0">
-                <a:solidFill>
-                  <a:srgbClr val="00539F"/>
-                </a:solidFill>
-                <a:latin typeface="Lato" panose="020F0502020204030203" pitchFamily="34" charset="0"/>
-                <a:cs typeface="Arial" panose="020B0604020202020204" pitchFamily="34" charset="0"/>
-              </a:rPr>
-              <a:t>/</a:t>
-            </a:r>
-            <a:r>
-              <a:rPr lang="en-US" sz="3600" u="sng" dirty="0" err="1">
-                <a:solidFill>
-                  <a:srgbClr val="00539F"/>
-                </a:solidFill>
-                <a:latin typeface="Lato" panose="020F0502020204030203" pitchFamily="34" charset="0"/>
-                <a:cs typeface="Arial" panose="020B0604020202020204" pitchFamily="34" charset="0"/>
-              </a:rPr>
-              <a:t>rdatatable</a:t>
-            </a:r>
-            <a:endParaRPr lang="en-US" sz="3600" u="sng" dirty="0">
-              <a:solidFill>
-                <a:srgbClr val="00539F"/>
-              </a:solidFill>
-              <a:latin typeface="Lato" panose="020F0502020204030203" pitchFamily="34" charset="0"/>
-              <a:cs typeface="Arial" panose="020B0604020202020204" pitchFamily="34" charset="0"/>
-            </a:endParaRPr>
-          </a:p>
-        </p:txBody>
-      </p:sp>
-      <p:cxnSp>
-        <p:nvCxnSpPr>
-          <p:cNvPr id="25" name="Straight Arrow Connector 24">
-            <a:extLst>
-              <a:ext uri="{FF2B5EF4-FFF2-40B4-BE49-F238E27FC236}">
-                <a16:creationId xmlns:a16="http://schemas.microsoft.com/office/drawing/2014/main" id="{32B70FBA-A2DF-453C-9792-CA6E8DB0D343}"/>
-              </a:ext>
-            </a:extLst>
-          </p:cNvPr>
-          <p:cNvCxnSpPr>
-            <a:cxnSpLocks/>
-          </p:cNvCxnSpPr>
-          <p:nvPr/>
-        </p:nvCxnSpPr>
-        <p:spPr>
-          <a:xfrm flipH="1">
-            <a:off x="14650871" y="19679997"/>
-            <a:ext cx="1046329" cy="0"/>
-          </a:xfrm>
-          <a:prstGeom prst="straightConnector1">
-            <a:avLst/>
-          </a:prstGeom>
-          <a:ln w="38100">
-            <a:solidFill>
-              <a:srgbClr val="00539F"/>
-            </a:solidFill>
-            <a:prstDash val="sysDot"/>
-            <a:tailEnd type="triangle"/>
-          </a:ln>
-        </p:spPr>
-        <p:style>
-          <a:lnRef idx="1">
-            <a:schemeClr val="accent1"/>
-          </a:lnRef>
-          <a:fillRef idx="0">
-            <a:schemeClr val="accent1"/>
-          </a:fillRef>
-          <a:effectRef idx="0">
-            <a:schemeClr val="accent1"/>
-          </a:effectRef>
-          <a:fontRef idx="minor">
-            <a:schemeClr val="tx1"/>
-          </a:fontRef>
-        </p:style>
-      </p:cxnSp>
       <p:pic>
         <p:nvPicPr>
           <p:cNvPr id="3" name="Picture 2">
@@ -5968,7 +6644,7 @@
           <p:nvPr/>
         </p:nvPicPr>
         <p:blipFill>
-          <a:blip r:embed="rId7">
+          <a:blip r:embed="rId14">
             <a:extLst>
               <a:ext uri="{28A0092B-C50C-407E-A947-70E740481C1C}">
                 <a14:useLocalDpi xmlns:a14="http://schemas.microsoft.com/office/drawing/2010/main" val="0"/>
@@ -5981,8 +6657,8 @@
         </p:blipFill>
         <p:spPr>
           <a:xfrm>
-            <a:off x="11020470" y="8532273"/>
-            <a:ext cx="2603246" cy="2603246"/>
+            <a:off x="14237579" y="23968916"/>
+            <a:ext cx="3578653" cy="3578653"/>
           </a:xfrm>
           <a:prstGeom prst="rect">
             <a:avLst/>
@@ -5991,10 +6667,10 @@
       </p:pic>
       <p:sp>
         <p:nvSpPr>
-          <p:cNvPr id="4" name="Text Box 17">
+          <p:cNvPr id="18" name="Text Box 19">
             <a:extLst>
               <a:ext uri="{FF2B5EF4-FFF2-40B4-BE49-F238E27FC236}">
-                <a16:creationId xmlns:a16="http://schemas.microsoft.com/office/drawing/2014/main" id="{0A196470-A19E-DF11-5345-C76B6D6F051A}"/>
+                <a16:creationId xmlns:a16="http://schemas.microsoft.com/office/drawing/2014/main" id="{DC322462-9719-8CD7-A08E-FF2A0A8859BC}"/>
               </a:ext>
             </a:extLst>
           </p:cNvPr>
@@ -6005,8 +6681,8 @@
         </p:nvSpPr>
         <p:spPr bwMode="auto">
           <a:xfrm>
-            <a:off x="1527676" y="2576915"/>
-            <a:ext cx="6276279" cy="738100"/>
+            <a:off x="15916886" y="9539649"/>
+            <a:ext cx="9457714" cy="1257808"/>
           </a:xfrm>
           <a:prstGeom prst="rect">
             <a:avLst/>
@@ -6031,33 +6707,33 @@
           </a:effectLst>
         </p:spPr>
         <p:txBody>
-          <a:bodyPr wrap="square" lIns="60405" tIns="30201" rIns="60405" bIns="30201">
+          <a:bodyPr wrap="square" lIns="77184" tIns="38590" rIns="77184" bIns="38590">
             <a:spAutoFit/>
           </a:bodyPr>
           <a:lstStyle/>
           <a:p>
-            <a:pPr algn="ctr" defTabSz="600105" eaLnBrk="0" hangingPunct="0">
+            <a:pPr algn="ctr" defTabSz="766814" eaLnBrk="0" hangingPunct="0">
               <a:defRPr/>
             </a:pPr>
             <a:r>
-              <a:rPr lang="en-US" sz="4400" dirty="0">
+              <a:rPr lang="en-US" sz="7667" dirty="0">
                 <a:solidFill>
                   <a:schemeClr val="bg1"/>
                 </a:solidFill>
-                <a:latin typeface="Myriad Pro Semibold"/>
+                <a:latin typeface="Britannic Bold" panose="020B0903060703020204" pitchFamily="34" charset="77"/>
                 <a:cs typeface="Myriad Pro Semibold"/>
               </a:rPr>
-              <a:t>Online Engagement</a:t>
+              <a:t>Relevance</a:t>
             </a:r>
           </a:p>
         </p:txBody>
       </p:sp>
       <p:pic>
         <p:nvPicPr>
-          <p:cNvPr id="6" name="Picture 5">
+          <p:cNvPr id="20" name="Picture 19" descr="A graph with blue lines&#10;&#10;AI-generated content may be incorrect.">
             <a:extLst>
               <a:ext uri="{FF2B5EF4-FFF2-40B4-BE49-F238E27FC236}">
-                <a16:creationId xmlns:a16="http://schemas.microsoft.com/office/drawing/2014/main" id="{A19C74D5-DF27-A5D2-0F26-A64008EC1A20}"/>
+                <a16:creationId xmlns:a16="http://schemas.microsoft.com/office/drawing/2014/main" id="{DB0C7D75-D113-E2A4-54FA-343F64A9BF9D}"/>
               </a:ext>
             </a:extLst>
           </p:cNvPr>
@@ -6067,7 +6743,7 @@
           <p:nvPr/>
         </p:nvPicPr>
         <p:blipFill>
-          <a:blip r:embed="rId7">
+          <a:blip r:embed="rId15">
             <a:extLst>
               <a:ext uri="{28A0092B-C50C-407E-A947-70E740481C1C}">
                 <a14:useLocalDpi xmlns:a14="http://schemas.microsoft.com/office/drawing/2010/main" val="0"/>
@@ -6080,20 +6756,25 @@
         </p:blipFill>
         <p:spPr>
           <a:xfrm>
-            <a:off x="18617872" y="6400800"/>
-            <a:ext cx="2603246" cy="2603246"/>
+            <a:off x="12668165" y="11238333"/>
+            <a:ext cx="16655685" cy="6461451"/>
           </a:xfrm>
           <a:prstGeom prst="rect">
             <a:avLst/>
           </a:prstGeom>
+          <a:ln>
+            <a:solidFill>
+              <a:srgbClr val="00539F"/>
+            </a:solidFill>
+          </a:ln>
         </p:spPr>
       </p:pic>
       <p:sp>
         <p:nvSpPr>
-          <p:cNvPr id="9" name="Text Box 16">
+          <p:cNvPr id="21" name="Text Box 16">
             <a:extLst>
               <a:ext uri="{FF2B5EF4-FFF2-40B4-BE49-F238E27FC236}">
-                <a16:creationId xmlns:a16="http://schemas.microsoft.com/office/drawing/2014/main" id="{67F080EF-889A-B307-208B-6C1161D080C7}"/>
+                <a16:creationId xmlns:a16="http://schemas.microsoft.com/office/drawing/2014/main" id="{916E6658-6CFB-BA43-8603-64031F2D2955}"/>
               </a:ext>
             </a:extLst>
           </p:cNvPr>
@@ -6104,8 +6785,8 @@
         </p:nvSpPr>
         <p:spPr bwMode="auto">
           <a:xfrm>
-            <a:off x="23299346" y="11940139"/>
-            <a:ext cx="9004912" cy="4480522"/>
+            <a:off x="12647110" y="18224771"/>
+            <a:ext cx="16655685" cy="5130674"/>
           </a:xfrm>
           <a:prstGeom prst="rect">
             <a:avLst/>
@@ -6123,779 +6804,215 @@
           </a:ln>
         </p:spPr>
         <p:txBody>
-          <a:bodyPr lIns="466134" tIns="466134" rIns="466134" bIns="466134"/>
+          <a:bodyPr lIns="274320" tIns="0" rIns="0" bIns="0"/>
           <a:lstStyle/>
           <a:p>
-            <a:pPr marL="304815" indent="-304815" defTabSz="585288"/>
-            <a:endParaRPr lang="en-US" sz="2000" dirty="0"/>
+            <a:pPr marL="389493" indent="-389493" defTabSz="747881"/>
+            <a:endParaRPr lang="en-US" sz="2556" dirty="0"/>
           </a:p>
           <a:p>
             <a:pPr fontAlgn="base"/>
             <a:r>
-              <a:rPr lang="en-US" sz="3600" dirty="0">
-                <a:effectLst/>
-                <a:latin typeface="inherit"/>
-              </a:rPr>
-              <a:t>🔅 A </a:t>
-            </a:r>
-            <a:r>
-              <a:rPr lang="en-US" sz="3600" b="1" dirty="0">
+              <a:rPr lang="en-US" sz="4600" dirty="0">
+                <a:latin typeface="inherit"/>
+              </a:rPr>
+              <a:t>🔅 R is the 14</a:t>
+            </a:r>
+            <a:r>
+              <a:rPr lang="en-US" sz="4600" baseline="30000" dirty="0">
+                <a:latin typeface="inherit"/>
+              </a:rPr>
+              <a:t>th</a:t>
+            </a:r>
+            <a:r>
+              <a:rPr lang="en-US" sz="4600" dirty="0">
+                <a:latin typeface="inherit"/>
+              </a:rPr>
+              <a:t> most used language [</a:t>
+            </a:r>
+            <a:r>
+              <a:rPr lang="en-US" sz="4600" dirty="0" err="1">
+                <a:latin typeface="inherit"/>
+              </a:rPr>
+              <a:t>tiobe.com</a:t>
+            </a:r>
+            <a:r>
+              <a:rPr lang="en-US" sz="4600" dirty="0">
+                <a:latin typeface="inherit"/>
+              </a:rPr>
+              <a:t>]</a:t>
+            </a:r>
+          </a:p>
+          <a:p>
+            <a:pPr fontAlgn="base"/>
+            <a:r>
+              <a:rPr lang="en-US" sz="4600" dirty="0">
+                <a:latin typeface="inherit"/>
+              </a:rPr>
+              <a:t>🔅 R leads data science in:</a:t>
+            </a:r>
+          </a:p>
+          <a:p>
+            <a:r>
+              <a:rPr lang="en-US" sz="4600" dirty="0">
+                <a:latin typeface="inherit"/>
+              </a:rPr>
+              <a:t>	-  </a:t>
+            </a:r>
+            <a:r>
+              <a:rPr lang="en-US" sz="4600" b="1" dirty="0">
                 <a:solidFill>
-                  <a:srgbClr val="85394D"/>
+                  <a:srgbClr val="98002E"/>
                 </a:solidFill>
-                <a:effectLst/>
-                <a:latin typeface="inherit"/>
-              </a:rPr>
-              <a:t>governance structure</a:t>
-            </a:r>
-            <a:r>
-              <a:rPr lang="en-US" sz="3600" dirty="0">
-                <a:effectLst/>
-                <a:latin typeface="inherit"/>
-              </a:rPr>
-              <a:t> outlining responsibilities</a:t>
+                <a:latin typeface="inherit"/>
+              </a:rPr>
+              <a:t>Statistical</a:t>
+            </a:r>
+            <a:r>
+              <a:rPr lang="en-US" sz="4600" dirty="0">
+                <a:latin typeface="inherit"/>
+              </a:rPr>
+              <a:t> tests and models </a:t>
             </a:r>
           </a:p>
           <a:p>
             <a:pPr fontAlgn="base"/>
             <a:r>
-              <a:rPr lang="en-US" sz="3600" dirty="0">
-                <a:effectLst/>
-                <a:latin typeface="inherit"/>
-              </a:rPr>
-              <a:t>  → </a:t>
-            </a:r>
-            <a:r>
-              <a:rPr lang="en-US" sz="3600" u="none" strike="noStrike" dirty="0">
-                <a:effectLst/>
-                <a:latin typeface="inherit"/>
-                <a:hlinkClick r:id="rId8"/>
-              </a:rPr>
-              <a:t>A new governance document</a:t>
-            </a:r>
-            <a:endParaRPr lang="en-US" sz="3600" dirty="0">
-              <a:effectLst/>
+              <a:rPr lang="en-US" sz="4600" dirty="0">
+                <a:latin typeface="inherit"/>
+              </a:rPr>
+              <a:t>	-  Data </a:t>
+            </a:r>
+            <a:r>
+              <a:rPr lang="en-US" sz="4600" b="1" dirty="0">
+                <a:solidFill>
+                  <a:srgbClr val="98002E"/>
+                </a:solidFill>
+                <a:latin typeface="inherit"/>
+              </a:rPr>
+              <a:t>wrangling</a:t>
+            </a:r>
+            <a:r>
+              <a:rPr lang="en-US" sz="4600" b="1" dirty="0">
+                <a:latin typeface="inherit"/>
+              </a:rPr>
+              <a:t> </a:t>
+            </a:r>
+            <a:r>
+              <a:rPr lang="en-US" sz="4600" i="1" dirty="0">
+                <a:latin typeface="inherit"/>
+              </a:rPr>
+              <a:t>(</a:t>
+            </a:r>
+            <a:r>
+              <a:rPr lang="en-US" sz="4600" i="1" dirty="0" err="1">
+                <a:latin typeface="inherit"/>
+              </a:rPr>
+              <a:t>tidyverse</a:t>
+            </a:r>
+            <a:r>
+              <a:rPr lang="en-US" sz="4600" i="1" dirty="0">
+                <a:latin typeface="inherit"/>
+              </a:rPr>
+              <a:t>, </a:t>
+            </a:r>
+            <a:r>
+              <a:rPr lang="en-US" sz="4600" i="1" dirty="0" err="1">
+                <a:latin typeface="inherit"/>
+              </a:rPr>
+              <a:t>data.table</a:t>
+            </a:r>
+            <a:r>
+              <a:rPr lang="en-US" sz="4600" i="1" dirty="0">
+                <a:latin typeface="inherit"/>
+              </a:rPr>
+              <a:t>, arrow)</a:t>
+            </a:r>
+            <a:endParaRPr lang="en-US" sz="4600" b="1" dirty="0">
               <a:latin typeface="inherit"/>
             </a:endParaRPr>
           </a:p>
           <a:p>
             <a:pPr fontAlgn="base"/>
             <a:r>
-              <a:rPr lang="en-US" sz="3600" dirty="0">
-                <a:effectLst/>
-                <a:latin typeface="inherit"/>
-              </a:rPr>
-              <a:t>🔅 Ability to </a:t>
-            </a:r>
-            <a:r>
-              <a:rPr lang="en-US" sz="3600" b="1" dirty="0">
+              <a:rPr lang="en-US" sz="4600" dirty="0">
+                <a:latin typeface="inherit"/>
+              </a:rPr>
+              <a:t>	-  Data </a:t>
+            </a:r>
+            <a:r>
+              <a:rPr lang="en-US" sz="4600" b="1" dirty="0">
                 <a:solidFill>
-                  <a:srgbClr val="85394D"/>
+                  <a:srgbClr val="98002E"/>
                 </a:solidFill>
-                <a:effectLst/>
-                <a:latin typeface="inherit"/>
-              </a:rPr>
-              <a:t>test new code</a:t>
-            </a:r>
-            <a:r>
-              <a:rPr lang="en-US" sz="3600" dirty="0">
-                <a:effectLst/>
-                <a:latin typeface="inherit"/>
-              </a:rPr>
-              <a:t> without breaking the package</a:t>
-            </a:r>
-          </a:p>
-          <a:p>
-            <a:pPr fontAlgn="base"/>
-            <a:r>
-              <a:rPr lang="en-US" sz="3600" dirty="0">
-                <a:effectLst/>
-                <a:latin typeface="inherit"/>
-              </a:rPr>
-              <a:t>  → </a:t>
-            </a:r>
-            <a:r>
-              <a:rPr lang="en-US" sz="3600" u="none" strike="noStrike" dirty="0">
-                <a:effectLst/>
-                <a:latin typeface="inherit"/>
-                <a:hlinkClick r:id="rId9"/>
-              </a:rPr>
-              <a:t>A new testing infrastructure</a:t>
-            </a:r>
-            <a:endParaRPr lang="en-US" sz="3600" dirty="0">
-              <a:effectLst/>
+                <a:latin typeface="inherit"/>
+              </a:rPr>
+              <a:t>communication</a:t>
+            </a:r>
+            <a:r>
+              <a:rPr lang="en-US" sz="4600" b="1" dirty="0">
+                <a:latin typeface="inherit"/>
+              </a:rPr>
+              <a:t> </a:t>
+            </a:r>
+            <a:r>
+              <a:rPr lang="en-US" sz="4600" i="1" dirty="0">
+                <a:latin typeface="inherit"/>
+              </a:rPr>
+              <a:t>(Shiny, Quarto, ggplot2)</a:t>
+            </a:r>
+            <a:endParaRPr lang="en-US" sz="4600" b="1" dirty="0">
               <a:latin typeface="inherit"/>
             </a:endParaRPr>
           </a:p>
           <a:p>
-            <a:pPr marL="304815" indent="-304815" defTabSz="585288">
-              <a:buFont typeface="Arial"/>
-              <a:buChar char="•"/>
-            </a:pPr>
-            <a:endParaRPr lang="en-US" sz="3600" dirty="0">
+            <a:pPr fontAlgn="base"/>
+            <a:r>
+              <a:rPr lang="en-US" sz="4600" dirty="0">
+                <a:latin typeface="inherit"/>
+              </a:rPr>
+              <a:t>	-  </a:t>
+            </a:r>
+            <a:r>
+              <a:rPr lang="en-US" sz="4600" b="1" dirty="0">
+                <a:solidFill>
+                  <a:srgbClr val="98002E"/>
+                </a:solidFill>
+                <a:latin typeface="inherit"/>
+              </a:rPr>
+              <a:t>Domain-specific</a:t>
+            </a:r>
+            <a:r>
+              <a:rPr lang="en-US" sz="4600" dirty="0">
+                <a:latin typeface="inherit"/>
+              </a:rPr>
+              <a:t> tasks  </a:t>
+            </a:r>
+            <a:r>
+              <a:rPr lang="en-US" sz="4600" i="1" dirty="0">
+                <a:latin typeface="inherit"/>
+              </a:rPr>
+              <a:t>(e.g. pharma reporting)</a:t>
+            </a:r>
+            <a:endParaRPr lang="en-US" sz="4600" dirty="0">
+              <a:latin typeface="inherit"/>
+            </a:endParaRPr>
+          </a:p>
+          <a:p>
+            <a:pPr fontAlgn="base"/>
+            <a:endParaRPr lang="en-US" sz="4600" dirty="0">
+              <a:latin typeface="inherit"/>
+            </a:endParaRPr>
+          </a:p>
+          <a:p>
+            <a:pPr fontAlgn="base"/>
+            <a:endParaRPr lang="en-US" sz="4600" dirty="0">
               <a:latin typeface="Garamond Premr Pro Med"/>
               <a:cs typeface="Garamond Premr Pro Med"/>
             </a:endParaRPr>
           </a:p>
         </p:txBody>
       </p:sp>
-      <p:sp>
-        <p:nvSpPr>
-          <p:cNvPr id="5" name="Text Box 17">
-            <a:extLst>
-              <a:ext uri="{FF2B5EF4-FFF2-40B4-BE49-F238E27FC236}">
-                <a16:creationId xmlns:a16="http://schemas.microsoft.com/office/drawing/2014/main" id="{77AB63AA-195D-AA16-C226-4577132E1CD9}"/>
-              </a:ext>
-            </a:extLst>
-          </p:cNvPr>
-          <p:cNvSpPr txBox="1">
-            <a:spLocks noChangeArrowheads="1"/>
-          </p:cNvSpPr>
-          <p:nvPr/>
-        </p:nvSpPr>
-        <p:spPr bwMode="auto">
-          <a:xfrm>
-            <a:off x="24548696" y="11601866"/>
-            <a:ext cx="6276279" cy="676545"/>
-          </a:xfrm>
-          <a:prstGeom prst="rect">
-            <a:avLst/>
-          </a:prstGeom>
-          <a:solidFill>
-            <a:srgbClr val="00539F"/>
-          </a:solidFill>
-          <a:ln w="38100">
-            <a:solidFill>
-              <a:srgbClr val="00539F"/>
-            </a:solidFill>
-            <a:miter lim="800000"/>
-            <a:headEnd/>
-            <a:tailEnd/>
-          </a:ln>
-          <a:effectLst>
-            <a:outerShdw blurRad="127000" dist="101600" dir="2700000" algn="tl" rotWithShape="0">
-              <a:schemeClr val="accent2">
-                <a:alpha val="46000"/>
-              </a:schemeClr>
-            </a:outerShdw>
-          </a:effectLst>
-        </p:spPr>
-        <p:txBody>
-          <a:bodyPr wrap="square" lIns="60405" tIns="30201" rIns="60405" bIns="30201">
-            <a:spAutoFit/>
-          </a:bodyPr>
-          <a:lstStyle/>
-          <a:p>
-            <a:pPr algn="ctr" defTabSz="600105" eaLnBrk="0" hangingPunct="0">
-              <a:defRPr/>
-            </a:pPr>
-            <a:r>
-              <a:rPr lang="en-US" sz="4000" dirty="0">
-                <a:solidFill>
-                  <a:schemeClr val="bg1"/>
-                </a:solidFill>
-                <a:latin typeface="Myriad Pro Semibold"/>
-                <a:cs typeface="Myriad Pro Semibold"/>
-              </a:rPr>
-              <a:t>Guidelines for Engagement</a:t>
-            </a:r>
-          </a:p>
-        </p:txBody>
-      </p:sp>
-      <p:sp>
-        <p:nvSpPr>
-          <p:cNvPr id="12" name="Text Box 16">
-            <a:extLst>
-              <a:ext uri="{FF2B5EF4-FFF2-40B4-BE49-F238E27FC236}">
-                <a16:creationId xmlns:a16="http://schemas.microsoft.com/office/drawing/2014/main" id="{28D2E1C6-9086-EAA6-AB83-9F61B912DD4B}"/>
-              </a:ext>
-            </a:extLst>
-          </p:cNvPr>
-          <p:cNvSpPr txBox="1">
-            <a:spLocks noChangeArrowheads="1"/>
-          </p:cNvSpPr>
-          <p:nvPr/>
-        </p:nvSpPr>
-        <p:spPr bwMode="auto">
-          <a:xfrm>
-            <a:off x="23299346" y="17316083"/>
-            <a:ext cx="9004912" cy="4015310"/>
-          </a:xfrm>
-          <a:prstGeom prst="rect">
-            <a:avLst/>
-          </a:prstGeom>
-          <a:solidFill>
-            <a:schemeClr val="bg1"/>
-          </a:solidFill>
-          <a:ln w="38100">
-            <a:solidFill>
-              <a:srgbClr val="00539F"/>
-            </a:solidFill>
-            <a:miter lim="800000"/>
-            <a:headEnd/>
-            <a:tailEnd/>
-          </a:ln>
-        </p:spPr>
-        <p:txBody>
-          <a:bodyPr lIns="466134" tIns="466134" rIns="466134" bIns="466134"/>
-          <a:lstStyle/>
-          <a:p>
-            <a:pPr fontAlgn="base"/>
-            <a:r>
-              <a:rPr lang="en-US" sz="3600" dirty="0">
-                <a:effectLst/>
-                <a:latin typeface="inherit"/>
-              </a:rPr>
-              <a:t>🔅 A </a:t>
-            </a:r>
-            <a:r>
-              <a:rPr lang="en-US" sz="3600" b="1" dirty="0">
-                <a:solidFill>
-                  <a:srgbClr val="85394D"/>
-                </a:solidFill>
-                <a:effectLst/>
-                <a:latin typeface="inherit"/>
-              </a:rPr>
-              <a:t>welcoming atmosphere</a:t>
-            </a:r>
-            <a:r>
-              <a:rPr lang="en-US" sz="3600" dirty="0">
-                <a:effectLst/>
-                <a:latin typeface="inherit"/>
-              </a:rPr>
-              <a:t> for new contributors</a:t>
-            </a:r>
-          </a:p>
-          <a:p>
-            <a:pPr fontAlgn="base"/>
-            <a:r>
-              <a:rPr lang="en-US" sz="3600" dirty="0">
-                <a:effectLst/>
-                <a:latin typeface="inherit"/>
-              </a:rPr>
-              <a:t>🔅 Developer-side </a:t>
-            </a:r>
-            <a:r>
-              <a:rPr lang="en-US" sz="3600" b="1" dirty="0">
-                <a:solidFill>
-                  <a:srgbClr val="85394D"/>
-                </a:solidFill>
-                <a:effectLst/>
-                <a:latin typeface="inherit"/>
-              </a:rPr>
-              <a:t>education</a:t>
-            </a:r>
-            <a:r>
-              <a:rPr lang="en-US" sz="3600" dirty="0">
-                <a:effectLst/>
-                <a:latin typeface="inherit"/>
-              </a:rPr>
-              <a:t> and </a:t>
-            </a:r>
-          </a:p>
-          <a:p>
-            <a:pPr fontAlgn="base"/>
-            <a:r>
-              <a:rPr lang="en-US" sz="3600" b="1" dirty="0">
-                <a:solidFill>
-                  <a:srgbClr val="85394D"/>
-                </a:solidFill>
-                <a:effectLst/>
-                <a:latin typeface="inherit"/>
-              </a:rPr>
-              <a:t>documentation</a:t>
-            </a:r>
-            <a:r>
-              <a:rPr lang="en-US" sz="3600" dirty="0">
-                <a:effectLst/>
-                <a:latin typeface="inherit"/>
-              </a:rPr>
-              <a:t>.</a:t>
-            </a:r>
-          </a:p>
-          <a:p>
-            <a:pPr fontAlgn="base"/>
-            <a:r>
-              <a:rPr lang="en-US" sz="3600" dirty="0">
-                <a:effectLst/>
-                <a:latin typeface="inherit"/>
-              </a:rPr>
-              <a:t>🔅 User engagement for </a:t>
-            </a:r>
-            <a:r>
-              <a:rPr lang="en-US" sz="3600" b="1" dirty="0">
-                <a:solidFill>
-                  <a:srgbClr val="85394D"/>
-                </a:solidFill>
-                <a:effectLst/>
-                <a:latin typeface="inherit"/>
-              </a:rPr>
-              <a:t>feature requests</a:t>
-            </a:r>
-            <a:r>
-              <a:rPr lang="en-US" sz="3600" dirty="0">
-                <a:effectLst/>
-                <a:latin typeface="inherit"/>
-              </a:rPr>
-              <a:t> and </a:t>
-            </a:r>
-            <a:r>
-              <a:rPr lang="en-US" sz="3600" b="1" dirty="0">
-                <a:solidFill>
-                  <a:srgbClr val="85394D"/>
-                </a:solidFill>
-                <a:effectLst/>
-                <a:latin typeface="inherit"/>
-              </a:rPr>
-              <a:t>bug reports</a:t>
-            </a:r>
-            <a:endParaRPr lang="en-US" sz="3600" dirty="0">
-              <a:effectLst/>
-              <a:latin typeface="inherit"/>
-            </a:endParaRPr>
-          </a:p>
-        </p:txBody>
-      </p:sp>
-      <p:sp>
-        <p:nvSpPr>
-          <p:cNvPr id="10" name="Text Box 17">
-            <a:extLst>
-              <a:ext uri="{FF2B5EF4-FFF2-40B4-BE49-F238E27FC236}">
-                <a16:creationId xmlns:a16="http://schemas.microsoft.com/office/drawing/2014/main" id="{3B4FE503-7358-6F5B-A91C-220461384DFD}"/>
-              </a:ext>
-            </a:extLst>
-          </p:cNvPr>
-          <p:cNvSpPr txBox="1">
-            <a:spLocks noChangeArrowheads="1"/>
-          </p:cNvSpPr>
-          <p:nvPr/>
-        </p:nvSpPr>
-        <p:spPr bwMode="auto">
-          <a:xfrm>
-            <a:off x="24536399" y="16882984"/>
-            <a:ext cx="6276279" cy="676545"/>
-          </a:xfrm>
-          <a:prstGeom prst="rect">
-            <a:avLst/>
-          </a:prstGeom>
-          <a:solidFill>
-            <a:srgbClr val="00539F"/>
-          </a:solidFill>
-          <a:ln w="38100">
-            <a:solidFill>
-              <a:srgbClr val="00539F"/>
-            </a:solidFill>
-            <a:miter lim="800000"/>
-            <a:headEnd/>
-            <a:tailEnd/>
-          </a:ln>
-          <a:effectLst>
-            <a:outerShdw blurRad="127000" dist="101600" dir="2700000" algn="tl" rotWithShape="0">
-              <a:schemeClr val="accent2">
-                <a:alpha val="46000"/>
-              </a:schemeClr>
-            </a:outerShdw>
-          </a:effectLst>
-        </p:spPr>
-        <p:txBody>
-          <a:bodyPr wrap="square" lIns="60405" tIns="30201" rIns="60405" bIns="30201">
-            <a:spAutoFit/>
-          </a:bodyPr>
-          <a:lstStyle/>
-          <a:p>
-            <a:pPr algn="ctr" defTabSz="600105" eaLnBrk="0" hangingPunct="0">
-              <a:defRPr/>
-            </a:pPr>
-            <a:r>
-              <a:rPr lang="en-US" sz="4000" dirty="0">
-                <a:solidFill>
-                  <a:schemeClr val="bg1"/>
-                </a:solidFill>
-                <a:latin typeface="Myriad Pro Semibold"/>
-                <a:cs typeface="Myriad Pro Semibold"/>
-              </a:rPr>
-              <a:t>Pathways of Evolution</a:t>
-            </a:r>
-          </a:p>
-        </p:txBody>
-      </p:sp>
-      <p:sp>
-        <p:nvSpPr>
-          <p:cNvPr id="13" name="Text Box 16">
-            <a:extLst>
-              <a:ext uri="{FF2B5EF4-FFF2-40B4-BE49-F238E27FC236}">
-                <a16:creationId xmlns:a16="http://schemas.microsoft.com/office/drawing/2014/main" id="{922D937D-DB64-0729-5C5C-811816221924}"/>
-              </a:ext>
-            </a:extLst>
-          </p:cNvPr>
-          <p:cNvSpPr txBox="1">
-            <a:spLocks noChangeArrowheads="1"/>
-          </p:cNvSpPr>
-          <p:nvPr/>
-        </p:nvSpPr>
-        <p:spPr bwMode="auto">
-          <a:xfrm>
-            <a:off x="23317200" y="2941834"/>
-            <a:ext cx="9004912" cy="8030966"/>
-          </a:xfrm>
-          <a:prstGeom prst="rect">
-            <a:avLst/>
-          </a:prstGeom>
-          <a:solidFill>
-            <a:schemeClr val="bg1"/>
-          </a:solidFill>
-          <a:ln w="38100">
-            <a:solidFill>
-              <a:srgbClr val="00539F"/>
-            </a:solidFill>
-            <a:miter lim="800000"/>
-            <a:headEnd/>
-            <a:tailEnd/>
-          </a:ln>
-        </p:spPr>
-        <p:txBody>
-          <a:bodyPr lIns="466134" tIns="466134" rIns="466134" bIns="466134"/>
-          <a:lstStyle/>
-          <a:p>
-            <a:pPr fontAlgn="base"/>
-            <a:r>
-              <a:rPr lang="en-US" sz="3600" dirty="0">
-                <a:effectLst/>
-                <a:latin typeface="inherit"/>
-              </a:rPr>
-              <a:t>🔅 Support them with </a:t>
-            </a:r>
-            <a:r>
-              <a:rPr lang="en-US" sz="3600" b="1" dirty="0">
-                <a:solidFill>
-                  <a:srgbClr val="85394D"/>
-                </a:solidFill>
-                <a:effectLst/>
-                <a:latin typeface="inherit"/>
-              </a:rPr>
-              <a:t>appreciation</a:t>
-            </a:r>
-            <a:r>
-              <a:rPr lang="en-US" sz="3600" dirty="0">
-                <a:effectLst/>
-                <a:latin typeface="inherit"/>
-              </a:rPr>
-              <a:t>.</a:t>
-            </a:r>
-          </a:p>
-          <a:p>
-            <a:r>
-              <a:rPr lang="en-US" sz="3600" dirty="0">
-                <a:effectLst/>
-                <a:latin typeface="inherit"/>
-              </a:rPr>
-              <a:t>	→ </a:t>
-            </a:r>
-            <a:r>
-              <a:rPr lang="en-US" sz="3600" i="1" dirty="0">
-                <a:effectLst/>
-                <a:latin typeface="inherit"/>
-              </a:rPr>
-              <a:t>Reach out, say thank you!  </a:t>
-            </a:r>
-          </a:p>
-          <a:p>
-            <a:pPr fontAlgn="base"/>
-            <a:r>
-              <a:rPr lang="en-US" sz="3600" dirty="0">
-                <a:effectLst/>
-                <a:latin typeface="inherit"/>
-              </a:rPr>
-              <a:t>🔅 Support them with </a:t>
-            </a:r>
-            <a:r>
-              <a:rPr lang="en-US" sz="3600" b="1" dirty="0">
-                <a:solidFill>
-                  <a:srgbClr val="85394D"/>
-                </a:solidFill>
-                <a:effectLst/>
-                <a:latin typeface="inherit"/>
-              </a:rPr>
-              <a:t>professional recognition</a:t>
-            </a:r>
-            <a:endParaRPr lang="en-US" sz="3600" dirty="0">
-              <a:effectLst/>
-              <a:latin typeface="inherit"/>
-            </a:endParaRPr>
-          </a:p>
-          <a:p>
-            <a:pPr fontAlgn="base"/>
-            <a:r>
-              <a:rPr lang="en-US" sz="3600" dirty="0">
-                <a:effectLst/>
-                <a:latin typeface="inherit"/>
-              </a:rPr>
-              <a:t>  	→ </a:t>
-            </a:r>
-            <a:r>
-              <a:rPr lang="en-US" sz="3600" i="1" dirty="0">
-                <a:effectLst/>
-                <a:latin typeface="inherit"/>
-              </a:rPr>
-              <a:t>Cite your packages </a:t>
-            </a:r>
-          </a:p>
-          <a:p>
-            <a:pPr fontAlgn="base"/>
-            <a:r>
-              <a:rPr lang="en-US" sz="3600" dirty="0">
-                <a:latin typeface="inherit"/>
-              </a:rPr>
-              <a:t>	</a:t>
-            </a:r>
-            <a:r>
-              <a:rPr lang="en-US" sz="3600" dirty="0">
-                <a:effectLst/>
-                <a:latin typeface="inherit"/>
-              </a:rPr>
-              <a:t>→ </a:t>
-            </a:r>
-            <a:r>
-              <a:rPr lang="en-US" sz="3600" i="1" dirty="0">
-                <a:effectLst/>
-                <a:latin typeface="inherit"/>
-              </a:rPr>
-              <a:t>Vote for awards and promotions</a:t>
-            </a:r>
-          </a:p>
-          <a:p>
-            <a:pPr fontAlgn="base"/>
-            <a:r>
-              <a:rPr lang="en-US" sz="3600" dirty="0">
-                <a:effectLst/>
-                <a:latin typeface="inherit"/>
-              </a:rPr>
-              <a:t>🔅 Support them with </a:t>
-            </a:r>
-            <a:r>
-              <a:rPr lang="en-US" sz="3600" b="1" dirty="0">
-                <a:solidFill>
-                  <a:srgbClr val="85394D"/>
-                </a:solidFill>
-                <a:effectLst/>
-                <a:latin typeface="inherit"/>
-              </a:rPr>
-              <a:t>money</a:t>
-            </a:r>
-            <a:endParaRPr lang="en-US" sz="3600" dirty="0">
-              <a:effectLst/>
-              <a:latin typeface="inherit"/>
-            </a:endParaRPr>
-          </a:p>
-          <a:p>
-            <a:pPr fontAlgn="base"/>
-            <a:r>
-              <a:rPr lang="en-US" sz="3600" dirty="0">
-                <a:effectLst/>
-                <a:latin typeface="inherit"/>
-              </a:rPr>
-              <a:t>  → </a:t>
-            </a:r>
-            <a:r>
-              <a:rPr lang="en-US" sz="3600" dirty="0" err="1">
-                <a:effectLst/>
-                <a:latin typeface="inherit"/>
-              </a:rPr>
-              <a:t>Github</a:t>
-            </a:r>
-            <a:r>
-              <a:rPr lang="en-US" sz="3600" dirty="0">
-                <a:effectLst/>
-                <a:latin typeface="inherit"/>
-              </a:rPr>
-              <a:t>, Patreon, or donations</a:t>
-            </a:r>
-          </a:p>
-          <a:p>
-            <a:pPr fontAlgn="base"/>
-            <a:r>
-              <a:rPr lang="en-US" sz="3600" dirty="0">
-                <a:effectLst/>
-                <a:latin typeface="inherit"/>
-              </a:rPr>
-              <a:t>  → Open-source meta groups: </a:t>
-            </a:r>
-          </a:p>
-          <a:p>
-            <a:pPr fontAlgn="base"/>
-            <a:r>
-              <a:rPr lang="en-US" sz="3600" u="none" strike="noStrike" dirty="0">
-                <a:effectLst/>
-                <a:latin typeface="inherit"/>
-                <a:hlinkClick r:id="rId10"/>
-              </a:rPr>
-              <a:t>ROpenSci</a:t>
-            </a:r>
-            <a:r>
-              <a:rPr lang="en-US" sz="3600" dirty="0">
-                <a:effectLst/>
-                <a:latin typeface="inherit"/>
-              </a:rPr>
-              <a:t>, </a:t>
-            </a:r>
-            <a:r>
-              <a:rPr lang="en-US" sz="3600" u="none" strike="noStrike" dirty="0">
-                <a:effectLst/>
-                <a:latin typeface="inherit"/>
-                <a:hlinkClick r:id="rId11"/>
-              </a:rPr>
-              <a:t>The Linux Foundation</a:t>
-            </a:r>
-            <a:r>
-              <a:rPr lang="en-US" sz="3600" dirty="0">
-                <a:effectLst/>
-                <a:latin typeface="inherit"/>
-              </a:rPr>
-              <a:t>, </a:t>
-            </a:r>
-            <a:r>
-              <a:rPr lang="en-US" sz="3600" u="none" strike="noStrike" dirty="0">
-                <a:effectLst/>
-                <a:latin typeface="inherit"/>
-                <a:hlinkClick r:id="rId12"/>
-              </a:rPr>
-              <a:t>The R Foundation</a:t>
-            </a:r>
-            <a:r>
-              <a:rPr lang="en-US" sz="3600" dirty="0">
-                <a:effectLst/>
-                <a:latin typeface="inherit"/>
-              </a:rPr>
-              <a:t>, </a:t>
-            </a:r>
-            <a:r>
-              <a:rPr lang="en-US" sz="3600" u="none" strike="noStrike" dirty="0">
-                <a:effectLst/>
-                <a:latin typeface="inherit"/>
-                <a:hlinkClick r:id="rId13"/>
-              </a:rPr>
-              <a:t>NumFocus</a:t>
-            </a:r>
-            <a:r>
-              <a:rPr lang="en-US" sz="3600" dirty="0">
-                <a:effectLst/>
-                <a:latin typeface="inherit"/>
-              </a:rPr>
-              <a:t>, etc.</a:t>
-            </a:r>
-          </a:p>
-          <a:p>
-            <a:pPr fontAlgn="base"/>
-            <a:r>
-              <a:rPr lang="en-US" sz="3600" dirty="0">
-                <a:effectLst/>
-                <a:latin typeface="inherit"/>
-              </a:rPr>
-              <a:t>  → Future idea: Fundraising drives for specific features.</a:t>
-            </a:r>
-          </a:p>
-          <a:p>
-            <a:pPr defTabSz="585288"/>
-            <a:endParaRPr lang="en-US" sz="3600" dirty="0">
-              <a:latin typeface="Garamond Premr Pro Med"/>
-              <a:cs typeface="Garamond Premr Pro Med"/>
-            </a:endParaRPr>
-          </a:p>
-        </p:txBody>
-      </p:sp>
-      <p:sp>
-        <p:nvSpPr>
-          <p:cNvPr id="11" name="Text Box 17">
-            <a:extLst>
-              <a:ext uri="{FF2B5EF4-FFF2-40B4-BE49-F238E27FC236}">
-                <a16:creationId xmlns:a16="http://schemas.microsoft.com/office/drawing/2014/main" id="{2C5F7C85-3269-E3DD-685E-E29BAEEE3C02}"/>
-              </a:ext>
-            </a:extLst>
-          </p:cNvPr>
-          <p:cNvSpPr txBox="1">
-            <a:spLocks noChangeArrowheads="1"/>
-          </p:cNvSpPr>
-          <p:nvPr/>
-        </p:nvSpPr>
-        <p:spPr bwMode="auto">
-          <a:xfrm>
-            <a:off x="24663662" y="2540282"/>
-            <a:ext cx="6276279" cy="676545"/>
-          </a:xfrm>
-          <a:prstGeom prst="rect">
-            <a:avLst/>
-          </a:prstGeom>
-          <a:solidFill>
-            <a:srgbClr val="00539F"/>
-          </a:solidFill>
-          <a:ln w="38100">
-            <a:solidFill>
-              <a:srgbClr val="00539F"/>
-            </a:solidFill>
-            <a:miter lim="800000"/>
-            <a:headEnd/>
-            <a:tailEnd/>
-          </a:ln>
-          <a:effectLst>
-            <a:outerShdw blurRad="127000" dist="101600" dir="2700000" algn="tl" rotWithShape="0">
-              <a:schemeClr val="accent2">
-                <a:alpha val="46000"/>
-              </a:schemeClr>
-            </a:outerShdw>
-          </a:effectLst>
-        </p:spPr>
-        <p:txBody>
-          <a:bodyPr wrap="square" lIns="60405" tIns="30201" rIns="60405" bIns="30201">
-            <a:spAutoFit/>
-          </a:bodyPr>
-          <a:lstStyle/>
-          <a:p>
-            <a:pPr algn="ctr" defTabSz="600105" eaLnBrk="0" hangingPunct="0">
-              <a:defRPr/>
-            </a:pPr>
-            <a:r>
-              <a:rPr lang="en-US" sz="4000" dirty="0">
-                <a:solidFill>
-                  <a:schemeClr val="bg1"/>
-                </a:solidFill>
-                <a:latin typeface="Myriad Pro Semibold"/>
-                <a:cs typeface="Myriad Pro Semibold"/>
-              </a:rPr>
-              <a:t>Enduring Support</a:t>
-            </a:r>
-          </a:p>
-        </p:txBody>
-      </p:sp>
-      <p:pic>
-        <p:nvPicPr>
-          <p:cNvPr id="14" name="Picture 13">
-            <a:extLst>
-              <a:ext uri="{FF2B5EF4-FFF2-40B4-BE49-F238E27FC236}">
-                <a16:creationId xmlns:a16="http://schemas.microsoft.com/office/drawing/2014/main" id="{F9E5D4BD-5E0D-9FA1-1A2B-F5773CE0BDE1}"/>
-              </a:ext>
-            </a:extLst>
-          </p:cNvPr>
-          <p:cNvPicPr>
-            <a:picLocks noChangeAspect="1"/>
-          </p:cNvPicPr>
-          <p:nvPr/>
-        </p:nvPicPr>
-        <p:blipFill>
-          <a:blip r:embed="rId14"/>
-          <a:stretch>
-            <a:fillRect/>
-          </a:stretch>
-        </p:blipFill>
-        <p:spPr>
-          <a:xfrm>
-            <a:off x="11432946" y="18157118"/>
-            <a:ext cx="2603247" cy="2603247"/>
-          </a:xfrm>
-          <a:prstGeom prst="rect">
-            <a:avLst/>
-          </a:prstGeom>
-        </p:spPr>
-      </p:pic>
     </p:spTree>
   </p:cSld>
   <p:clrMapOvr>
